--- a/Architecture.pptx
+++ b/Architecture.pptx
@@ -5,7 +5,8 @@
     <p:sldMasterId id="2147483648" r:id="rId1"/>
   </p:sldMasterIdLst>
   <p:sldIdLst>
-    <p:sldId id="256" r:id="rId2"/>
+    <p:sldId id="257" r:id="rId2"/>
+    <p:sldId id="256" r:id="rId3"/>
   </p:sldIdLst>
   <p:sldSz cx="12192000" cy="6858000"/>
   <p:notesSz cx="6858000" cy="9144000"/>
@@ -104,6 +105,11 @@
       </a:defRPr>
     </a:lvl9pPr>
   </p:defaultTextStyle>
+  <p:extLst>
+    <p:ext uri="{EFAFB233-063F-42B5-8137-9DF3F51BA10A}">
+      <p15:sldGuideLst xmlns:p15="http://schemas.microsoft.com/office/powerpoint/2012/main"/>
+    </p:ext>
+  </p:extLst>
 </p:presentation>
 </file>
 
@@ -258,7 +264,7 @@
           <a:p>
             <a:fld id="{D0B1FB4A-0F19-4428-8AE7-EC31C1D3BD6D}" type="datetimeFigureOut">
               <a:rPr lang="en-US" smtClean="0"/>
-              <a:t>10-Jan-18</a:t>
+              <a:t>12-Jan-18</a:t>
             </a:fld>
             <a:endParaRPr lang="en-US"/>
           </a:p>
@@ -456,7 +462,7 @@
           <a:p>
             <a:fld id="{D0B1FB4A-0F19-4428-8AE7-EC31C1D3BD6D}" type="datetimeFigureOut">
               <a:rPr lang="en-US" smtClean="0"/>
-              <a:t>10-Jan-18</a:t>
+              <a:t>12-Jan-18</a:t>
             </a:fld>
             <a:endParaRPr lang="en-US"/>
           </a:p>
@@ -664,7 +670,7 @@
           <a:p>
             <a:fld id="{D0B1FB4A-0F19-4428-8AE7-EC31C1D3BD6D}" type="datetimeFigureOut">
               <a:rPr lang="en-US" smtClean="0"/>
-              <a:t>10-Jan-18</a:t>
+              <a:t>12-Jan-18</a:t>
             </a:fld>
             <a:endParaRPr lang="en-US"/>
           </a:p>
@@ -862,7 +868,7 @@
           <a:p>
             <a:fld id="{D0B1FB4A-0F19-4428-8AE7-EC31C1D3BD6D}" type="datetimeFigureOut">
               <a:rPr lang="en-US" smtClean="0"/>
-              <a:t>10-Jan-18</a:t>
+              <a:t>12-Jan-18</a:t>
             </a:fld>
             <a:endParaRPr lang="en-US"/>
           </a:p>
@@ -1137,7 +1143,7 @@
           <a:p>
             <a:fld id="{D0B1FB4A-0F19-4428-8AE7-EC31C1D3BD6D}" type="datetimeFigureOut">
               <a:rPr lang="en-US" smtClean="0"/>
-              <a:t>10-Jan-18</a:t>
+              <a:t>12-Jan-18</a:t>
             </a:fld>
             <a:endParaRPr lang="en-US"/>
           </a:p>
@@ -1402,7 +1408,7 @@
           <a:p>
             <a:fld id="{D0B1FB4A-0F19-4428-8AE7-EC31C1D3BD6D}" type="datetimeFigureOut">
               <a:rPr lang="en-US" smtClean="0"/>
-              <a:t>10-Jan-18</a:t>
+              <a:t>12-Jan-18</a:t>
             </a:fld>
             <a:endParaRPr lang="en-US"/>
           </a:p>
@@ -1814,7 +1820,7 @@
           <a:p>
             <a:fld id="{D0B1FB4A-0F19-4428-8AE7-EC31C1D3BD6D}" type="datetimeFigureOut">
               <a:rPr lang="en-US" smtClean="0"/>
-              <a:t>10-Jan-18</a:t>
+              <a:t>12-Jan-18</a:t>
             </a:fld>
             <a:endParaRPr lang="en-US"/>
           </a:p>
@@ -1955,7 +1961,7 @@
           <a:p>
             <a:fld id="{D0B1FB4A-0F19-4428-8AE7-EC31C1D3BD6D}" type="datetimeFigureOut">
               <a:rPr lang="en-US" smtClean="0"/>
-              <a:t>10-Jan-18</a:t>
+              <a:t>12-Jan-18</a:t>
             </a:fld>
             <a:endParaRPr lang="en-US"/>
           </a:p>
@@ -2068,7 +2074,7 @@
           <a:p>
             <a:fld id="{D0B1FB4A-0F19-4428-8AE7-EC31C1D3BD6D}" type="datetimeFigureOut">
               <a:rPr lang="en-US" smtClean="0"/>
-              <a:t>10-Jan-18</a:t>
+              <a:t>12-Jan-18</a:t>
             </a:fld>
             <a:endParaRPr lang="en-US"/>
           </a:p>
@@ -2379,7 +2385,7 @@
           <a:p>
             <a:fld id="{D0B1FB4A-0F19-4428-8AE7-EC31C1D3BD6D}" type="datetimeFigureOut">
               <a:rPr lang="en-US" smtClean="0"/>
-              <a:t>10-Jan-18</a:t>
+              <a:t>12-Jan-18</a:t>
             </a:fld>
             <a:endParaRPr lang="en-US"/>
           </a:p>
@@ -2667,7 +2673,7 @@
           <a:p>
             <a:fld id="{D0B1FB4A-0F19-4428-8AE7-EC31C1D3BD6D}" type="datetimeFigureOut">
               <a:rPr lang="en-US" smtClean="0"/>
-              <a:t>10-Jan-18</a:t>
+              <a:t>12-Jan-18</a:t>
             </a:fld>
             <a:endParaRPr lang="en-US"/>
           </a:p>
@@ -2908,7 +2914,7 @@
           <a:p>
             <a:fld id="{D0B1FB4A-0F19-4428-8AE7-EC31C1D3BD6D}" type="datetimeFigureOut">
               <a:rPr lang="en-US" smtClean="0"/>
-              <a:t>10-Jan-18</a:t>
+              <a:t>12-Jan-18</a:t>
             </a:fld>
             <a:endParaRPr lang="en-US"/>
           </a:p>
@@ -3309,6 +3315,1161 @@
 </file>
 
 <file path=ppt/slides/slide1.xml><?xml version="1.0" encoding="utf-8"?>
+<p:sld xmlns:a="http://schemas.openxmlformats.org/drawingml/2006/main" xmlns:r="http://schemas.openxmlformats.org/officeDocument/2006/relationships" xmlns:p="http://schemas.openxmlformats.org/presentationml/2006/main">
+  <p:cSld>
+    <p:spTree>
+      <p:nvGrpSpPr>
+        <p:cNvPr id="1" name=""/>
+        <p:cNvGrpSpPr/>
+        <p:nvPr/>
+      </p:nvGrpSpPr>
+      <p:grpSpPr>
+        <a:xfrm>
+          <a:off x="0" y="0"/>
+          <a:ext cx="0" cy="0"/>
+          <a:chOff x="0" y="0"/>
+          <a:chExt cx="0" cy="0"/>
+        </a:xfrm>
+      </p:grpSpPr>
+      <p:sp>
+        <p:nvSpPr>
+          <p:cNvPr id="5" name="Rectangle: Rounded Corners 4">
+            <a:extLst>
+              <a:ext uri="{FF2B5EF4-FFF2-40B4-BE49-F238E27FC236}">
+                <a16:creationId xmlns:a16="http://schemas.microsoft.com/office/drawing/2014/main" id="{87A1A800-6129-4AD9-8644-94AC6735C8F7}"/>
+              </a:ext>
+            </a:extLst>
+          </p:cNvPr>
+          <p:cNvSpPr/>
+          <p:nvPr/>
+        </p:nvSpPr>
+        <p:spPr>
+          <a:xfrm>
+            <a:off x="4689561" y="1360487"/>
+            <a:ext cx="1898469" cy="449860"/>
+          </a:xfrm>
+          <a:prstGeom prst="roundRect">
+            <a:avLst>
+              <a:gd name="adj" fmla="val 6988"/>
+            </a:avLst>
+          </a:prstGeom>
+        </p:spPr>
+        <p:style>
+          <a:lnRef idx="2">
+            <a:schemeClr val="accent5">
+              <a:shade val="50000"/>
+            </a:schemeClr>
+          </a:lnRef>
+          <a:fillRef idx="1">
+            <a:schemeClr val="accent5"/>
+          </a:fillRef>
+          <a:effectRef idx="0">
+            <a:schemeClr val="accent5"/>
+          </a:effectRef>
+          <a:fontRef idx="minor">
+            <a:schemeClr val="lt1"/>
+          </a:fontRef>
+        </p:style>
+        <p:txBody>
+          <a:bodyPr rtlCol="0" anchor="ctr"/>
+          <a:lstStyle/>
+          <a:p>
+            <a:pPr algn="ctr"/>
+            <a:r>
+              <a:rPr lang="en-US" dirty="0"/>
+              <a:t>VDC</a:t>
+            </a:r>
+          </a:p>
+        </p:txBody>
+      </p:sp>
+      <p:sp>
+        <p:nvSpPr>
+          <p:cNvPr id="6" name="Rectangle: Rounded Corners 5">
+            <a:extLst>
+              <a:ext uri="{FF2B5EF4-FFF2-40B4-BE49-F238E27FC236}">
+                <a16:creationId xmlns:a16="http://schemas.microsoft.com/office/drawing/2014/main" id="{BC7BF5D1-C804-45DA-82D2-0C9D02BC7879}"/>
+              </a:ext>
+            </a:extLst>
+          </p:cNvPr>
+          <p:cNvSpPr/>
+          <p:nvPr/>
+        </p:nvSpPr>
+        <p:spPr>
+          <a:xfrm>
+            <a:off x="3723983" y="812531"/>
+            <a:ext cx="483326" cy="1545772"/>
+          </a:xfrm>
+          <a:prstGeom prst="roundRect">
+            <a:avLst/>
+          </a:prstGeom>
+        </p:spPr>
+        <p:style>
+          <a:lnRef idx="2">
+            <a:schemeClr val="accent2">
+              <a:shade val="50000"/>
+            </a:schemeClr>
+          </a:lnRef>
+          <a:fillRef idx="1">
+            <a:schemeClr val="accent2"/>
+          </a:fillRef>
+          <a:effectRef idx="0">
+            <a:schemeClr val="accent2"/>
+          </a:effectRef>
+          <a:fontRef idx="minor">
+            <a:schemeClr val="lt1"/>
+          </a:fontRef>
+        </p:style>
+        <p:txBody>
+          <a:bodyPr vert="vert270" rtlCol="0" anchor="ctr"/>
+          <a:lstStyle/>
+          <a:p>
+            <a:pPr algn="ctr"/>
+            <a:r>
+              <a:rPr lang="en-US" sz="1400" dirty="0"/>
+              <a:t>Request Monitor</a:t>
+            </a:r>
+          </a:p>
+          <a:p>
+            <a:pPr algn="ctr"/>
+            <a:r>
+              <a:rPr lang="en-US" sz="1400" dirty="0"/>
+              <a:t>Proxy</a:t>
+            </a:r>
+          </a:p>
+        </p:txBody>
+      </p:sp>
+      <p:grpSp>
+        <p:nvGrpSpPr>
+          <p:cNvPr id="12" name="Group 11">
+            <a:extLst>
+              <a:ext uri="{FF2B5EF4-FFF2-40B4-BE49-F238E27FC236}">
+                <a16:creationId xmlns:a16="http://schemas.microsoft.com/office/drawing/2014/main" id="{C0C2ED04-1A4A-4DA0-89AD-8EDBDF084BEA}"/>
+              </a:ext>
+            </a:extLst>
+          </p:cNvPr>
+          <p:cNvGrpSpPr/>
+          <p:nvPr/>
+        </p:nvGrpSpPr>
+        <p:grpSpPr>
+          <a:xfrm>
+            <a:off x="8300048" y="623707"/>
+            <a:ext cx="891065" cy="783773"/>
+            <a:chOff x="8421187" y="2029096"/>
+            <a:chExt cx="1267292" cy="1114699"/>
+          </a:xfrm>
+        </p:grpSpPr>
+        <p:sp>
+          <p:nvSpPr>
+            <p:cNvPr id="9" name="Flowchart: Magnetic Disk 8">
+              <a:extLst>
+                <a:ext uri="{FF2B5EF4-FFF2-40B4-BE49-F238E27FC236}">
+                  <a16:creationId xmlns:a16="http://schemas.microsoft.com/office/drawing/2014/main" id="{C85EC816-7735-4A2B-AD65-C2CF5D6FE081}"/>
+                </a:ext>
+              </a:extLst>
+            </p:cNvPr>
+            <p:cNvSpPr/>
+            <p:nvPr/>
+          </p:nvSpPr>
+          <p:spPr>
+            <a:xfrm>
+              <a:off x="8421187" y="2721431"/>
+              <a:ext cx="1267291" cy="422364"/>
+            </a:xfrm>
+            <a:prstGeom prst="flowChartMagneticDisk">
+              <a:avLst/>
+            </a:prstGeom>
+          </p:spPr>
+          <p:style>
+            <a:lnRef idx="2">
+              <a:schemeClr val="accent1">
+                <a:shade val="50000"/>
+              </a:schemeClr>
+            </a:lnRef>
+            <a:fillRef idx="1">
+              <a:schemeClr val="accent1"/>
+            </a:fillRef>
+            <a:effectRef idx="0">
+              <a:schemeClr val="accent1"/>
+            </a:effectRef>
+            <a:fontRef idx="minor">
+              <a:schemeClr val="lt1"/>
+            </a:fontRef>
+          </p:style>
+          <p:txBody>
+            <a:bodyPr rtlCol="0" anchor="ctr"/>
+            <a:lstStyle/>
+            <a:p>
+              <a:pPr algn="ctr"/>
+              <a:endParaRPr lang="en-US"/>
+            </a:p>
+          </p:txBody>
+        </p:sp>
+        <p:sp>
+          <p:nvSpPr>
+            <p:cNvPr id="10" name="Flowchart: Magnetic Disk 9">
+              <a:extLst>
+                <a:ext uri="{FF2B5EF4-FFF2-40B4-BE49-F238E27FC236}">
+                  <a16:creationId xmlns:a16="http://schemas.microsoft.com/office/drawing/2014/main" id="{0F97A564-2F37-45AF-903D-473219BD9728}"/>
+                </a:ext>
+              </a:extLst>
+            </p:cNvPr>
+            <p:cNvSpPr/>
+            <p:nvPr/>
+          </p:nvSpPr>
+          <p:spPr>
+            <a:xfrm>
+              <a:off x="8421188" y="2375263"/>
+              <a:ext cx="1267291" cy="422364"/>
+            </a:xfrm>
+            <a:prstGeom prst="flowChartMagneticDisk">
+              <a:avLst/>
+            </a:prstGeom>
+          </p:spPr>
+          <p:style>
+            <a:lnRef idx="2">
+              <a:schemeClr val="accent1">
+                <a:shade val="50000"/>
+              </a:schemeClr>
+            </a:lnRef>
+            <a:fillRef idx="1">
+              <a:schemeClr val="accent1"/>
+            </a:fillRef>
+            <a:effectRef idx="0">
+              <a:schemeClr val="accent1"/>
+            </a:effectRef>
+            <a:fontRef idx="minor">
+              <a:schemeClr val="lt1"/>
+            </a:fontRef>
+          </p:style>
+          <p:txBody>
+            <a:bodyPr rtlCol="0" anchor="ctr"/>
+            <a:lstStyle/>
+            <a:p>
+              <a:pPr algn="ctr"/>
+              <a:r>
+                <a:rPr lang="en-US" dirty="0"/>
+                <a:t>MySQL</a:t>
+              </a:r>
+            </a:p>
+          </p:txBody>
+        </p:sp>
+        <p:sp>
+          <p:nvSpPr>
+            <p:cNvPr id="11" name="Flowchart: Magnetic Disk 10">
+              <a:extLst>
+                <a:ext uri="{FF2B5EF4-FFF2-40B4-BE49-F238E27FC236}">
+                  <a16:creationId xmlns:a16="http://schemas.microsoft.com/office/drawing/2014/main" id="{F10BCB5C-153C-4505-8DB1-7E1B561131A1}"/>
+                </a:ext>
+              </a:extLst>
+            </p:cNvPr>
+            <p:cNvSpPr/>
+            <p:nvPr/>
+          </p:nvSpPr>
+          <p:spPr>
+            <a:xfrm>
+              <a:off x="8421188" y="2029096"/>
+              <a:ext cx="1267291" cy="422364"/>
+            </a:xfrm>
+            <a:prstGeom prst="flowChartMagneticDisk">
+              <a:avLst/>
+            </a:prstGeom>
+          </p:spPr>
+          <p:style>
+            <a:lnRef idx="2">
+              <a:schemeClr val="accent1">
+                <a:shade val="50000"/>
+              </a:schemeClr>
+            </a:lnRef>
+            <a:fillRef idx="1">
+              <a:schemeClr val="accent1"/>
+            </a:fillRef>
+            <a:effectRef idx="0">
+              <a:schemeClr val="accent1"/>
+            </a:effectRef>
+            <a:fontRef idx="minor">
+              <a:schemeClr val="lt1"/>
+            </a:fontRef>
+          </p:style>
+          <p:txBody>
+            <a:bodyPr rtlCol="0" anchor="ctr"/>
+            <a:lstStyle/>
+            <a:p>
+              <a:pPr algn="ctr"/>
+              <a:endParaRPr lang="en-US"/>
+            </a:p>
+          </p:txBody>
+        </p:sp>
+      </p:grpSp>
+      <p:grpSp>
+        <p:nvGrpSpPr>
+          <p:cNvPr id="13" name="Group 12">
+            <a:extLst>
+              <a:ext uri="{FF2B5EF4-FFF2-40B4-BE49-F238E27FC236}">
+                <a16:creationId xmlns:a16="http://schemas.microsoft.com/office/drawing/2014/main" id="{CC32653C-AC07-4A26-82F9-BC7A9919F6B9}"/>
+              </a:ext>
+            </a:extLst>
+          </p:cNvPr>
+          <p:cNvGrpSpPr/>
+          <p:nvPr/>
+        </p:nvGrpSpPr>
+        <p:grpSpPr>
+          <a:xfrm>
+            <a:off x="8300047" y="1513372"/>
+            <a:ext cx="891065" cy="783773"/>
+            <a:chOff x="8421187" y="2029096"/>
+            <a:chExt cx="1267292" cy="1114699"/>
+          </a:xfrm>
+        </p:grpSpPr>
+        <p:sp>
+          <p:nvSpPr>
+            <p:cNvPr id="14" name="Flowchart: Magnetic Disk 13">
+              <a:extLst>
+                <a:ext uri="{FF2B5EF4-FFF2-40B4-BE49-F238E27FC236}">
+                  <a16:creationId xmlns:a16="http://schemas.microsoft.com/office/drawing/2014/main" id="{05F31832-62C7-4C21-84BE-0591F669C886}"/>
+                </a:ext>
+              </a:extLst>
+            </p:cNvPr>
+            <p:cNvSpPr/>
+            <p:nvPr/>
+          </p:nvSpPr>
+          <p:spPr>
+            <a:xfrm>
+              <a:off x="8421187" y="2721430"/>
+              <a:ext cx="1267291" cy="422365"/>
+            </a:xfrm>
+            <a:prstGeom prst="flowChartMagneticDisk">
+              <a:avLst/>
+            </a:prstGeom>
+          </p:spPr>
+          <p:style>
+            <a:lnRef idx="2">
+              <a:schemeClr val="accent1">
+                <a:shade val="50000"/>
+              </a:schemeClr>
+            </a:lnRef>
+            <a:fillRef idx="1">
+              <a:schemeClr val="accent1"/>
+            </a:fillRef>
+            <a:effectRef idx="0">
+              <a:schemeClr val="accent1"/>
+            </a:effectRef>
+            <a:fontRef idx="minor">
+              <a:schemeClr val="lt1"/>
+            </a:fontRef>
+          </p:style>
+          <p:txBody>
+            <a:bodyPr rtlCol="0" anchor="ctr"/>
+            <a:lstStyle/>
+            <a:p>
+              <a:pPr algn="ctr"/>
+              <a:endParaRPr lang="en-US"/>
+            </a:p>
+          </p:txBody>
+        </p:sp>
+        <p:sp>
+          <p:nvSpPr>
+            <p:cNvPr id="15" name="Flowchart: Magnetic Disk 14">
+              <a:extLst>
+                <a:ext uri="{FF2B5EF4-FFF2-40B4-BE49-F238E27FC236}">
+                  <a16:creationId xmlns:a16="http://schemas.microsoft.com/office/drawing/2014/main" id="{04EC7CA0-7A8F-4B0C-B2FD-1835D8F36B3A}"/>
+                </a:ext>
+              </a:extLst>
+            </p:cNvPr>
+            <p:cNvSpPr/>
+            <p:nvPr/>
+          </p:nvSpPr>
+          <p:spPr>
+            <a:xfrm>
+              <a:off x="8421188" y="2375263"/>
+              <a:ext cx="1267291" cy="422365"/>
+            </a:xfrm>
+            <a:prstGeom prst="flowChartMagneticDisk">
+              <a:avLst/>
+            </a:prstGeom>
+          </p:spPr>
+          <p:style>
+            <a:lnRef idx="2">
+              <a:schemeClr val="accent1">
+                <a:shade val="50000"/>
+              </a:schemeClr>
+            </a:lnRef>
+            <a:fillRef idx="1">
+              <a:schemeClr val="accent1"/>
+            </a:fillRef>
+            <a:effectRef idx="0">
+              <a:schemeClr val="accent1"/>
+            </a:effectRef>
+            <a:fontRef idx="minor">
+              <a:schemeClr val="lt1"/>
+            </a:fontRef>
+          </p:style>
+          <p:txBody>
+            <a:bodyPr rtlCol="0" anchor="ctr"/>
+            <a:lstStyle/>
+            <a:p>
+              <a:pPr algn="ctr"/>
+              <a:r>
+                <a:rPr lang="en-US" sz="1200" dirty="0"/>
+                <a:t>Cassandra</a:t>
+              </a:r>
+            </a:p>
+          </p:txBody>
+        </p:sp>
+        <p:sp>
+          <p:nvSpPr>
+            <p:cNvPr id="16" name="Flowchart: Magnetic Disk 15">
+              <a:extLst>
+                <a:ext uri="{FF2B5EF4-FFF2-40B4-BE49-F238E27FC236}">
+                  <a16:creationId xmlns:a16="http://schemas.microsoft.com/office/drawing/2014/main" id="{B28A9F31-9099-407D-9995-F19270CB3095}"/>
+                </a:ext>
+              </a:extLst>
+            </p:cNvPr>
+            <p:cNvSpPr/>
+            <p:nvPr/>
+          </p:nvSpPr>
+          <p:spPr>
+            <a:xfrm>
+              <a:off x="8421188" y="2029096"/>
+              <a:ext cx="1267291" cy="422365"/>
+            </a:xfrm>
+            <a:prstGeom prst="flowChartMagneticDisk">
+              <a:avLst/>
+            </a:prstGeom>
+          </p:spPr>
+          <p:style>
+            <a:lnRef idx="2">
+              <a:schemeClr val="accent1">
+                <a:shade val="50000"/>
+              </a:schemeClr>
+            </a:lnRef>
+            <a:fillRef idx="1">
+              <a:schemeClr val="accent1"/>
+            </a:fillRef>
+            <a:effectRef idx="0">
+              <a:schemeClr val="accent1"/>
+            </a:effectRef>
+            <a:fontRef idx="minor">
+              <a:schemeClr val="lt1"/>
+            </a:fontRef>
+          </p:style>
+          <p:txBody>
+            <a:bodyPr rtlCol="0" anchor="ctr"/>
+            <a:lstStyle/>
+            <a:p>
+              <a:pPr algn="ctr"/>
+              <a:endParaRPr lang="en-US"/>
+            </a:p>
+          </p:txBody>
+        </p:sp>
+      </p:grpSp>
+      <p:grpSp>
+        <p:nvGrpSpPr>
+          <p:cNvPr id="17" name="Group 16">
+            <a:extLst>
+              <a:ext uri="{FF2B5EF4-FFF2-40B4-BE49-F238E27FC236}">
+                <a16:creationId xmlns:a16="http://schemas.microsoft.com/office/drawing/2014/main" id="{0BD2EE25-F039-427B-BF68-216DF314051E}"/>
+              </a:ext>
+            </a:extLst>
+          </p:cNvPr>
+          <p:cNvGrpSpPr/>
+          <p:nvPr/>
+        </p:nvGrpSpPr>
+        <p:grpSpPr>
+          <a:xfrm>
+            <a:off x="8298957" y="2826631"/>
+            <a:ext cx="892158" cy="857252"/>
+            <a:chOff x="8419633" y="1924593"/>
+            <a:chExt cx="1268846" cy="1219202"/>
+          </a:xfrm>
+        </p:grpSpPr>
+        <p:sp>
+          <p:nvSpPr>
+            <p:cNvPr id="18" name="Flowchart: Magnetic Disk 17">
+              <a:extLst>
+                <a:ext uri="{FF2B5EF4-FFF2-40B4-BE49-F238E27FC236}">
+                  <a16:creationId xmlns:a16="http://schemas.microsoft.com/office/drawing/2014/main" id="{5235B2AF-CDC2-4360-B67B-04191591D8BC}"/>
+                </a:ext>
+              </a:extLst>
+            </p:cNvPr>
+            <p:cNvSpPr/>
+            <p:nvPr/>
+          </p:nvSpPr>
+          <p:spPr>
+            <a:xfrm>
+              <a:off x="8421187" y="2721430"/>
+              <a:ext cx="1267291" cy="422365"/>
+            </a:xfrm>
+            <a:prstGeom prst="flowChartMagneticDisk">
+              <a:avLst/>
+            </a:prstGeom>
+          </p:spPr>
+          <p:style>
+            <a:lnRef idx="2">
+              <a:schemeClr val="accent1">
+                <a:shade val="50000"/>
+              </a:schemeClr>
+            </a:lnRef>
+            <a:fillRef idx="1">
+              <a:schemeClr val="accent1"/>
+            </a:fillRef>
+            <a:effectRef idx="0">
+              <a:schemeClr val="accent1"/>
+            </a:effectRef>
+            <a:fontRef idx="minor">
+              <a:schemeClr val="lt1"/>
+            </a:fontRef>
+          </p:style>
+          <p:txBody>
+            <a:bodyPr rtlCol="0" anchor="ctr"/>
+            <a:lstStyle/>
+            <a:p>
+              <a:pPr algn="ctr"/>
+              <a:endParaRPr lang="en-US"/>
+            </a:p>
+          </p:txBody>
+        </p:sp>
+        <p:sp>
+          <p:nvSpPr>
+            <p:cNvPr id="19" name="Flowchart: Magnetic Disk 18">
+              <a:extLst>
+                <a:ext uri="{FF2B5EF4-FFF2-40B4-BE49-F238E27FC236}">
+                  <a16:creationId xmlns:a16="http://schemas.microsoft.com/office/drawing/2014/main" id="{7EEA2B17-41D9-4BF7-A0F4-47C7B2B1BBB9}"/>
+                </a:ext>
+              </a:extLst>
+            </p:cNvPr>
+            <p:cNvSpPr/>
+            <p:nvPr/>
+          </p:nvSpPr>
+          <p:spPr>
+            <a:xfrm>
+              <a:off x="8421187" y="2270759"/>
+              <a:ext cx="1267292" cy="526870"/>
+            </a:xfrm>
+            <a:prstGeom prst="flowChartMagneticDisk">
+              <a:avLst/>
+            </a:prstGeom>
+          </p:spPr>
+          <p:style>
+            <a:lnRef idx="2">
+              <a:schemeClr val="accent1">
+                <a:shade val="50000"/>
+              </a:schemeClr>
+            </a:lnRef>
+            <a:fillRef idx="1">
+              <a:schemeClr val="accent1"/>
+            </a:fillRef>
+            <a:effectRef idx="0">
+              <a:schemeClr val="accent1"/>
+            </a:effectRef>
+            <a:fontRef idx="minor">
+              <a:schemeClr val="lt1"/>
+            </a:fontRef>
+          </p:style>
+          <p:txBody>
+            <a:bodyPr rtlCol="0" anchor="ctr"/>
+            <a:lstStyle/>
+            <a:p>
+              <a:pPr algn="ctr"/>
+              <a:r>
+                <a:rPr lang="en-US" sz="1050" dirty="0"/>
+                <a:t>Elasticsearch</a:t>
+              </a:r>
+            </a:p>
+          </p:txBody>
+        </p:sp>
+        <p:sp>
+          <p:nvSpPr>
+            <p:cNvPr id="20" name="Flowchart: Magnetic Disk 19">
+              <a:extLst>
+                <a:ext uri="{FF2B5EF4-FFF2-40B4-BE49-F238E27FC236}">
+                  <a16:creationId xmlns:a16="http://schemas.microsoft.com/office/drawing/2014/main" id="{44D6DABD-0296-4D2A-A436-DBC411191B1E}"/>
+                </a:ext>
+              </a:extLst>
+            </p:cNvPr>
+            <p:cNvSpPr/>
+            <p:nvPr/>
+          </p:nvSpPr>
+          <p:spPr>
+            <a:xfrm>
+              <a:off x="8419633" y="1924593"/>
+              <a:ext cx="1267291" cy="422364"/>
+            </a:xfrm>
+            <a:prstGeom prst="flowChartMagneticDisk">
+              <a:avLst/>
+            </a:prstGeom>
+          </p:spPr>
+          <p:style>
+            <a:lnRef idx="2">
+              <a:schemeClr val="accent1">
+                <a:shade val="50000"/>
+              </a:schemeClr>
+            </a:lnRef>
+            <a:fillRef idx="1">
+              <a:schemeClr val="accent1"/>
+            </a:fillRef>
+            <a:effectRef idx="0">
+              <a:schemeClr val="accent1"/>
+            </a:effectRef>
+            <a:fontRef idx="minor">
+              <a:schemeClr val="lt1"/>
+            </a:fontRef>
+          </p:style>
+          <p:txBody>
+            <a:bodyPr rtlCol="0" anchor="ctr"/>
+            <a:lstStyle/>
+            <a:p>
+              <a:pPr algn="ctr"/>
+              <a:endParaRPr lang="en-US"/>
+            </a:p>
+          </p:txBody>
+        </p:sp>
+      </p:grpSp>
+      <p:cxnSp>
+        <p:nvCxnSpPr>
+          <p:cNvPr id="28" name="Straight Arrow Connector 27">
+            <a:extLst>
+              <a:ext uri="{FF2B5EF4-FFF2-40B4-BE49-F238E27FC236}">
+                <a16:creationId xmlns:a16="http://schemas.microsoft.com/office/drawing/2014/main" id="{4A40D186-82D2-4F4E-BCAC-581DA17F7440}"/>
+              </a:ext>
+            </a:extLst>
+          </p:cNvPr>
+          <p:cNvCxnSpPr>
+            <a:cxnSpLocks/>
+            <a:stCxn id="6" idx="3"/>
+            <a:endCxn id="5" idx="1"/>
+          </p:cNvCxnSpPr>
+          <p:nvPr/>
+        </p:nvCxnSpPr>
+        <p:spPr>
+          <a:xfrm>
+            <a:off x="4207309" y="1585417"/>
+            <a:ext cx="482252" cy="0"/>
+          </a:xfrm>
+          <a:prstGeom prst="straightConnector1">
+            <a:avLst/>
+          </a:prstGeom>
+          <a:ln w="19050">
+            <a:headEnd type="triangle"/>
+            <a:tailEnd type="triangle"/>
+          </a:ln>
+        </p:spPr>
+        <p:style>
+          <a:lnRef idx="1">
+            <a:schemeClr val="accent1"/>
+          </a:lnRef>
+          <a:fillRef idx="0">
+            <a:schemeClr val="accent1"/>
+          </a:fillRef>
+          <a:effectRef idx="0">
+            <a:schemeClr val="accent1"/>
+          </a:effectRef>
+          <a:fontRef idx="minor">
+            <a:schemeClr val="tx1"/>
+          </a:fontRef>
+        </p:style>
+      </p:cxnSp>
+      <p:cxnSp>
+        <p:nvCxnSpPr>
+          <p:cNvPr id="32" name="Straight Arrow Connector 31">
+            <a:extLst>
+              <a:ext uri="{FF2B5EF4-FFF2-40B4-BE49-F238E27FC236}">
+                <a16:creationId xmlns:a16="http://schemas.microsoft.com/office/drawing/2014/main" id="{2243C57D-DAF5-42AD-99BD-E33DDB99BDEE}"/>
+              </a:ext>
+            </a:extLst>
+          </p:cNvPr>
+          <p:cNvCxnSpPr>
+            <a:cxnSpLocks/>
+            <a:stCxn id="5" idx="3"/>
+            <a:endCxn id="10" idx="2"/>
+          </p:cNvCxnSpPr>
+          <p:nvPr/>
+        </p:nvCxnSpPr>
+        <p:spPr>
+          <a:xfrm flipV="1">
+            <a:off x="6588030" y="1015594"/>
+            <a:ext cx="1712019" cy="569823"/>
+          </a:xfrm>
+          <a:prstGeom prst="straightConnector1">
+            <a:avLst/>
+          </a:prstGeom>
+          <a:ln w="28575">
+            <a:headEnd type="triangle"/>
+            <a:tailEnd type="triangle"/>
+          </a:ln>
+        </p:spPr>
+        <p:style>
+          <a:lnRef idx="1">
+            <a:schemeClr val="accent1"/>
+          </a:lnRef>
+          <a:fillRef idx="0">
+            <a:schemeClr val="accent1"/>
+          </a:fillRef>
+          <a:effectRef idx="0">
+            <a:schemeClr val="accent1"/>
+          </a:effectRef>
+          <a:fontRef idx="minor">
+            <a:schemeClr val="tx1"/>
+          </a:fontRef>
+        </p:style>
+      </p:cxnSp>
+      <p:cxnSp>
+        <p:nvCxnSpPr>
+          <p:cNvPr id="35" name="Straight Arrow Connector 34">
+            <a:extLst>
+              <a:ext uri="{FF2B5EF4-FFF2-40B4-BE49-F238E27FC236}">
+                <a16:creationId xmlns:a16="http://schemas.microsoft.com/office/drawing/2014/main" id="{6C7EB421-18A6-4B71-8535-B8DD5682B3EB}"/>
+              </a:ext>
+            </a:extLst>
+          </p:cNvPr>
+          <p:cNvCxnSpPr>
+            <a:cxnSpLocks/>
+            <a:stCxn id="5" idx="3"/>
+            <a:endCxn id="15" idx="2"/>
+          </p:cNvCxnSpPr>
+          <p:nvPr/>
+        </p:nvCxnSpPr>
+        <p:spPr>
+          <a:xfrm>
+            <a:off x="6588030" y="1585417"/>
+            <a:ext cx="1712018" cy="319842"/>
+          </a:xfrm>
+          <a:prstGeom prst="straightConnector1">
+            <a:avLst/>
+          </a:prstGeom>
+          <a:ln w="28575">
+            <a:headEnd type="triangle"/>
+            <a:tailEnd type="triangle"/>
+          </a:ln>
+        </p:spPr>
+        <p:style>
+          <a:lnRef idx="1">
+            <a:schemeClr val="accent1"/>
+          </a:lnRef>
+          <a:fillRef idx="0">
+            <a:schemeClr val="accent1"/>
+          </a:fillRef>
+          <a:effectRef idx="0">
+            <a:schemeClr val="accent1"/>
+          </a:effectRef>
+          <a:fontRef idx="minor">
+            <a:schemeClr val="tx1"/>
+          </a:fontRef>
+        </p:style>
+      </p:cxnSp>
+      <p:sp>
+        <p:nvSpPr>
+          <p:cNvPr id="48" name="Rectangle: Rounded Corners 47">
+            <a:extLst>
+              <a:ext uri="{FF2B5EF4-FFF2-40B4-BE49-F238E27FC236}">
+                <a16:creationId xmlns:a16="http://schemas.microsoft.com/office/drawing/2014/main" id="{4A98C281-9CEA-4844-BBEF-E04F9CD25F73}"/>
+              </a:ext>
+            </a:extLst>
+          </p:cNvPr>
+          <p:cNvSpPr/>
+          <p:nvPr/>
+        </p:nvSpPr>
+        <p:spPr>
+          <a:xfrm>
+            <a:off x="924176" y="1249230"/>
+            <a:ext cx="1132115" cy="672373"/>
+          </a:xfrm>
+          <a:prstGeom prst="roundRect">
+            <a:avLst/>
+          </a:prstGeom>
+        </p:spPr>
+        <p:style>
+          <a:lnRef idx="2">
+            <a:schemeClr val="accent6">
+              <a:shade val="50000"/>
+            </a:schemeClr>
+          </a:lnRef>
+          <a:fillRef idx="1">
+            <a:schemeClr val="accent6"/>
+          </a:fillRef>
+          <a:effectRef idx="0">
+            <a:schemeClr val="accent6"/>
+          </a:effectRef>
+          <a:fontRef idx="minor">
+            <a:schemeClr val="lt1"/>
+          </a:fontRef>
+        </p:style>
+        <p:txBody>
+          <a:bodyPr rtlCol="0" anchor="ctr"/>
+          <a:lstStyle/>
+          <a:p>
+            <a:pPr algn="ctr"/>
+            <a:r>
+              <a:rPr lang="en-US" dirty="0"/>
+              <a:t>App 1</a:t>
+            </a:r>
+          </a:p>
+        </p:txBody>
+      </p:sp>
+      <p:cxnSp>
+        <p:nvCxnSpPr>
+          <p:cNvPr id="49" name="Straight Arrow Connector 48">
+            <a:extLst>
+              <a:ext uri="{FF2B5EF4-FFF2-40B4-BE49-F238E27FC236}">
+                <a16:creationId xmlns:a16="http://schemas.microsoft.com/office/drawing/2014/main" id="{5BA3CD71-CDEB-4CA0-9203-EBDBC3F45991}"/>
+              </a:ext>
+            </a:extLst>
+          </p:cNvPr>
+          <p:cNvCxnSpPr>
+            <a:cxnSpLocks/>
+            <a:stCxn id="48" idx="3"/>
+            <a:endCxn id="6" idx="1"/>
+          </p:cNvCxnSpPr>
+          <p:nvPr/>
+        </p:nvCxnSpPr>
+        <p:spPr>
+          <a:xfrm>
+            <a:off x="2056291" y="1585417"/>
+            <a:ext cx="1667692" cy="0"/>
+          </a:xfrm>
+          <a:prstGeom prst="straightConnector1">
+            <a:avLst/>
+          </a:prstGeom>
+          <a:ln w="19050">
+            <a:headEnd type="triangle"/>
+            <a:tailEnd type="triangle"/>
+          </a:ln>
+        </p:spPr>
+        <p:style>
+          <a:lnRef idx="1">
+            <a:schemeClr val="accent1"/>
+          </a:lnRef>
+          <a:fillRef idx="0">
+            <a:schemeClr val="accent1"/>
+          </a:fillRef>
+          <a:effectRef idx="0">
+            <a:schemeClr val="accent1"/>
+          </a:effectRef>
+          <a:fontRef idx="minor">
+            <a:schemeClr val="tx1"/>
+          </a:fontRef>
+        </p:style>
+      </p:cxnSp>
+      <p:cxnSp>
+        <p:nvCxnSpPr>
+          <p:cNvPr id="65" name="Connector: Elbow 64">
+            <a:extLst>
+              <a:ext uri="{FF2B5EF4-FFF2-40B4-BE49-F238E27FC236}">
+                <a16:creationId xmlns:a16="http://schemas.microsoft.com/office/drawing/2014/main" id="{DD999FF9-6A57-418D-9165-29CA24FCBE7D}"/>
+              </a:ext>
+            </a:extLst>
+          </p:cNvPr>
+          <p:cNvCxnSpPr>
+            <a:cxnSpLocks/>
+            <a:stCxn id="6" idx="2"/>
+            <a:endCxn id="18" idx="2"/>
+          </p:cNvCxnSpPr>
+          <p:nvPr/>
+        </p:nvCxnSpPr>
+        <p:spPr>
+          <a:xfrm rot="16200000" flipH="1">
+            <a:off x="5544300" y="779648"/>
+            <a:ext cx="1177092" cy="4334401"/>
+          </a:xfrm>
+          <a:prstGeom prst="bentConnector2">
+            <a:avLst/>
+          </a:prstGeom>
+          <a:ln w="19050">
+            <a:headEnd type="none" w="med" len="med"/>
+            <a:tailEnd type="triangle" w="med" len="med"/>
+          </a:ln>
+        </p:spPr>
+        <p:style>
+          <a:lnRef idx="1">
+            <a:schemeClr val="accent2"/>
+          </a:lnRef>
+          <a:fillRef idx="0">
+            <a:schemeClr val="accent2"/>
+          </a:fillRef>
+          <a:effectRef idx="0">
+            <a:schemeClr val="accent2"/>
+          </a:effectRef>
+          <a:fontRef idx="minor">
+            <a:schemeClr val="tx1"/>
+          </a:fontRef>
+        </p:style>
+      </p:cxnSp>
+      <p:sp>
+        <p:nvSpPr>
+          <p:cNvPr id="79" name="TextBox 78">
+            <a:extLst>
+              <a:ext uri="{FF2B5EF4-FFF2-40B4-BE49-F238E27FC236}">
+                <a16:creationId xmlns:a16="http://schemas.microsoft.com/office/drawing/2014/main" id="{FD279F36-EF42-4778-B433-8D239109D320}"/>
+              </a:ext>
+            </a:extLst>
+          </p:cNvPr>
+          <p:cNvSpPr txBox="1"/>
+          <p:nvPr/>
+        </p:nvSpPr>
+        <p:spPr>
+          <a:xfrm>
+            <a:off x="5106322" y="3350729"/>
+            <a:ext cx="1628504" cy="369332"/>
+          </a:xfrm>
+          <a:prstGeom prst="rect">
+            <a:avLst/>
+          </a:prstGeom>
+          <a:solidFill>
+            <a:schemeClr val="bg1"/>
+          </a:solidFill>
+          <a:ln>
+            <a:solidFill>
+              <a:schemeClr val="tx1"/>
+            </a:solidFill>
+          </a:ln>
+        </p:spPr>
+        <p:txBody>
+          <a:bodyPr wrap="square" rtlCol="0">
+            <a:spAutoFit/>
+          </a:bodyPr>
+          <a:lstStyle/>
+          <a:p>
+            <a:r>
+              <a:rPr lang="en-US" sz="900" dirty="0"/>
+              <a:t>Request Time, Unique ID per Request, Request, Status</a:t>
+            </a:r>
+          </a:p>
+        </p:txBody>
+      </p:sp>
+      <p:sp>
+        <p:nvSpPr>
+          <p:cNvPr id="85" name="TextBox 84">
+            <a:extLst>
+              <a:ext uri="{FF2B5EF4-FFF2-40B4-BE49-F238E27FC236}">
+                <a16:creationId xmlns:a16="http://schemas.microsoft.com/office/drawing/2014/main" id="{E32049F7-B39F-47CC-AC0C-4B91A8EE70AD}"/>
+              </a:ext>
+            </a:extLst>
+          </p:cNvPr>
+          <p:cNvSpPr txBox="1"/>
+          <p:nvPr/>
+        </p:nvSpPr>
+        <p:spPr>
+          <a:xfrm>
+            <a:off x="4532644" y="567288"/>
+            <a:ext cx="1147356" cy="553998"/>
+          </a:xfrm>
+          <a:prstGeom prst="rect">
+            <a:avLst/>
+          </a:prstGeom>
+          <a:solidFill>
+            <a:schemeClr val="bg1"/>
+          </a:solidFill>
+          <a:ln>
+            <a:solidFill>
+              <a:schemeClr val="tx1"/>
+            </a:solidFill>
+          </a:ln>
+        </p:spPr>
+        <p:txBody>
+          <a:bodyPr wrap="square" rtlCol="0">
+            <a:spAutoFit/>
+          </a:bodyPr>
+          <a:lstStyle/>
+          <a:p>
+            <a:r>
+              <a:rPr lang="en-US" sz="1000" dirty="0"/>
+              <a:t>Unique Request ID + Forwarded Request</a:t>
+            </a:r>
+          </a:p>
+        </p:txBody>
+      </p:sp>
+      <p:cxnSp>
+        <p:nvCxnSpPr>
+          <p:cNvPr id="89" name="Straight Connector 88">
+            <a:extLst>
+              <a:ext uri="{FF2B5EF4-FFF2-40B4-BE49-F238E27FC236}">
+                <a16:creationId xmlns:a16="http://schemas.microsoft.com/office/drawing/2014/main" id="{07AFB073-E619-4C68-A35E-8B885A6F2FF7}"/>
+              </a:ext>
+            </a:extLst>
+          </p:cNvPr>
+          <p:cNvCxnSpPr>
+            <a:cxnSpLocks/>
+            <a:stCxn id="85" idx="1"/>
+          </p:cNvCxnSpPr>
+          <p:nvPr/>
+        </p:nvCxnSpPr>
+        <p:spPr>
+          <a:xfrm flipH="1">
+            <a:off x="4437013" y="844287"/>
+            <a:ext cx="95631" cy="741130"/>
+          </a:xfrm>
+          <a:prstGeom prst="line">
+            <a:avLst/>
+          </a:prstGeom>
+        </p:spPr>
+        <p:style>
+          <a:lnRef idx="1">
+            <a:schemeClr val="accent1"/>
+          </a:lnRef>
+          <a:fillRef idx="0">
+            <a:schemeClr val="accent1"/>
+          </a:fillRef>
+          <a:effectRef idx="0">
+            <a:schemeClr val="accent1"/>
+          </a:effectRef>
+          <a:fontRef idx="minor">
+            <a:schemeClr val="tx1"/>
+          </a:fontRef>
+        </p:style>
+      </p:cxnSp>
+      <p:sp>
+        <p:nvSpPr>
+          <p:cNvPr id="3" name="TextBox 2">
+            <a:extLst>
+              <a:ext uri="{FF2B5EF4-FFF2-40B4-BE49-F238E27FC236}">
+                <a16:creationId xmlns:a16="http://schemas.microsoft.com/office/drawing/2014/main" id="{B2FB2C51-35D3-47F0-93A4-6D04CC86B71E}"/>
+              </a:ext>
+            </a:extLst>
+          </p:cNvPr>
+          <p:cNvSpPr txBox="1"/>
+          <p:nvPr/>
+        </p:nvSpPr>
+        <p:spPr>
+          <a:xfrm>
+            <a:off x="9190022" y="815584"/>
+            <a:ext cx="715260" cy="369332"/>
+          </a:xfrm>
+          <a:prstGeom prst="rect">
+            <a:avLst/>
+          </a:prstGeom>
+          <a:noFill/>
+        </p:spPr>
+        <p:txBody>
+          <a:bodyPr wrap="none" rtlCol="0">
+            <a:spAutoFit/>
+          </a:bodyPr>
+          <a:lstStyle/>
+          <a:p>
+            <a:r>
+              <a:rPr lang="en-US" dirty="0"/>
+              <a:t>:6603</a:t>
+            </a:r>
+          </a:p>
+        </p:txBody>
+      </p:sp>
+      <p:sp>
+        <p:nvSpPr>
+          <p:cNvPr id="41" name="TextBox 40">
+            <a:extLst>
+              <a:ext uri="{FF2B5EF4-FFF2-40B4-BE49-F238E27FC236}">
+                <a16:creationId xmlns:a16="http://schemas.microsoft.com/office/drawing/2014/main" id="{B8024AB5-055F-4EF2-911C-E54DC801F308}"/>
+              </a:ext>
+            </a:extLst>
+          </p:cNvPr>
+          <p:cNvSpPr txBox="1"/>
+          <p:nvPr/>
+        </p:nvSpPr>
+        <p:spPr>
+          <a:xfrm>
+            <a:off x="9190022" y="1670781"/>
+            <a:ext cx="715260" cy="369332"/>
+          </a:xfrm>
+          <a:prstGeom prst="rect">
+            <a:avLst/>
+          </a:prstGeom>
+          <a:noFill/>
+        </p:spPr>
+        <p:txBody>
+          <a:bodyPr wrap="none" rtlCol="0">
+            <a:spAutoFit/>
+          </a:bodyPr>
+          <a:lstStyle/>
+          <a:p>
+            <a:r>
+              <a:rPr lang="en-US" dirty="0"/>
+              <a:t>:9042</a:t>
+            </a:r>
+          </a:p>
+        </p:txBody>
+      </p:sp>
+      <p:sp>
+        <p:nvSpPr>
+          <p:cNvPr id="42" name="TextBox 41">
+            <a:extLst>
+              <a:ext uri="{FF2B5EF4-FFF2-40B4-BE49-F238E27FC236}">
+                <a16:creationId xmlns:a16="http://schemas.microsoft.com/office/drawing/2014/main" id="{F10DF0B3-31FB-41C4-8489-E744959EBBC4}"/>
+              </a:ext>
+            </a:extLst>
+          </p:cNvPr>
+          <p:cNvSpPr txBox="1"/>
+          <p:nvPr/>
+        </p:nvSpPr>
+        <p:spPr>
+          <a:xfrm>
+            <a:off x="9190022" y="3070029"/>
+            <a:ext cx="715260" cy="369332"/>
+          </a:xfrm>
+          <a:prstGeom prst="rect">
+            <a:avLst/>
+          </a:prstGeom>
+          <a:noFill/>
+        </p:spPr>
+        <p:txBody>
+          <a:bodyPr wrap="none" rtlCol="0">
+            <a:spAutoFit/>
+          </a:bodyPr>
+          <a:lstStyle/>
+          <a:p>
+            <a:r>
+              <a:rPr lang="en-US" dirty="0"/>
+              <a:t>:9200</a:t>
+            </a:r>
+          </a:p>
+        </p:txBody>
+      </p:sp>
+      <p:sp>
+        <p:nvSpPr>
+          <p:cNvPr id="43" name="TextBox 42">
+            <a:extLst>
+              <a:ext uri="{FF2B5EF4-FFF2-40B4-BE49-F238E27FC236}">
+                <a16:creationId xmlns:a16="http://schemas.microsoft.com/office/drawing/2014/main" id="{DF6FDBA9-1460-44EC-9F1B-6C7B740D2D0B}"/>
+              </a:ext>
+            </a:extLst>
+          </p:cNvPr>
+          <p:cNvSpPr txBox="1"/>
+          <p:nvPr/>
+        </p:nvSpPr>
+        <p:spPr>
+          <a:xfrm>
+            <a:off x="3567290" y="412621"/>
+            <a:ext cx="715260" cy="369332"/>
+          </a:xfrm>
+          <a:prstGeom prst="rect">
+            <a:avLst/>
+          </a:prstGeom>
+          <a:noFill/>
+        </p:spPr>
+        <p:txBody>
+          <a:bodyPr wrap="none" rtlCol="0">
+            <a:spAutoFit/>
+          </a:bodyPr>
+          <a:lstStyle/>
+          <a:p>
+            <a:r>
+              <a:rPr lang="en-US" dirty="0"/>
+              <a:t>:8000</a:t>
+            </a:r>
+          </a:p>
+        </p:txBody>
+      </p:sp>
+    </p:spTree>
+    <p:extLst>
+      <p:ext uri="{BB962C8B-B14F-4D97-AF65-F5344CB8AC3E}">
+        <p14:creationId xmlns:p14="http://schemas.microsoft.com/office/powerpoint/2010/main" val="682447234"/>
+      </p:ext>
+    </p:extLst>
+  </p:cSld>
+  <p:clrMapOvr>
+    <a:masterClrMapping/>
+  </p:clrMapOvr>
+</p:sld>
+</file>
+
+<file path=ppt/slides/slide2.xml><?xml version="1.0" encoding="utf-8"?>
 <p:sld xmlns:a="http://schemas.openxmlformats.org/drawingml/2006/main" xmlns:r="http://schemas.openxmlformats.org/officeDocument/2006/relationships" xmlns:p="http://schemas.openxmlformats.org/presentationml/2006/main">
   <p:cSld>
     <p:spTree>

--- a/Architecture.pptx
+++ b/Architecture.pptx
@@ -264,7 +264,7 @@
           <a:p>
             <a:fld id="{D0B1FB4A-0F19-4428-8AE7-EC31C1D3BD6D}" type="datetimeFigureOut">
               <a:rPr lang="en-US" smtClean="0"/>
-              <a:t>12-Jan-18</a:t>
+              <a:t>23-Jan-18</a:t>
             </a:fld>
             <a:endParaRPr lang="en-US"/>
           </a:p>
@@ -462,7 +462,7 @@
           <a:p>
             <a:fld id="{D0B1FB4A-0F19-4428-8AE7-EC31C1D3BD6D}" type="datetimeFigureOut">
               <a:rPr lang="en-US" smtClean="0"/>
-              <a:t>12-Jan-18</a:t>
+              <a:t>23-Jan-18</a:t>
             </a:fld>
             <a:endParaRPr lang="en-US"/>
           </a:p>
@@ -670,7 +670,7 @@
           <a:p>
             <a:fld id="{D0B1FB4A-0F19-4428-8AE7-EC31C1D3BD6D}" type="datetimeFigureOut">
               <a:rPr lang="en-US" smtClean="0"/>
-              <a:t>12-Jan-18</a:t>
+              <a:t>23-Jan-18</a:t>
             </a:fld>
             <a:endParaRPr lang="en-US"/>
           </a:p>
@@ -868,7 +868,7 @@
           <a:p>
             <a:fld id="{D0B1FB4A-0F19-4428-8AE7-EC31C1D3BD6D}" type="datetimeFigureOut">
               <a:rPr lang="en-US" smtClean="0"/>
-              <a:t>12-Jan-18</a:t>
+              <a:t>23-Jan-18</a:t>
             </a:fld>
             <a:endParaRPr lang="en-US"/>
           </a:p>
@@ -1143,7 +1143,7 @@
           <a:p>
             <a:fld id="{D0B1FB4A-0F19-4428-8AE7-EC31C1D3BD6D}" type="datetimeFigureOut">
               <a:rPr lang="en-US" smtClean="0"/>
-              <a:t>12-Jan-18</a:t>
+              <a:t>23-Jan-18</a:t>
             </a:fld>
             <a:endParaRPr lang="en-US"/>
           </a:p>
@@ -1408,7 +1408,7 @@
           <a:p>
             <a:fld id="{D0B1FB4A-0F19-4428-8AE7-EC31C1D3BD6D}" type="datetimeFigureOut">
               <a:rPr lang="en-US" smtClean="0"/>
-              <a:t>12-Jan-18</a:t>
+              <a:t>23-Jan-18</a:t>
             </a:fld>
             <a:endParaRPr lang="en-US"/>
           </a:p>
@@ -1820,7 +1820,7 @@
           <a:p>
             <a:fld id="{D0B1FB4A-0F19-4428-8AE7-EC31C1D3BD6D}" type="datetimeFigureOut">
               <a:rPr lang="en-US" smtClean="0"/>
-              <a:t>12-Jan-18</a:t>
+              <a:t>23-Jan-18</a:t>
             </a:fld>
             <a:endParaRPr lang="en-US"/>
           </a:p>
@@ -1961,7 +1961,7 @@
           <a:p>
             <a:fld id="{D0B1FB4A-0F19-4428-8AE7-EC31C1D3BD6D}" type="datetimeFigureOut">
               <a:rPr lang="en-US" smtClean="0"/>
-              <a:t>12-Jan-18</a:t>
+              <a:t>23-Jan-18</a:t>
             </a:fld>
             <a:endParaRPr lang="en-US"/>
           </a:p>
@@ -2074,7 +2074,7 @@
           <a:p>
             <a:fld id="{D0B1FB4A-0F19-4428-8AE7-EC31C1D3BD6D}" type="datetimeFigureOut">
               <a:rPr lang="en-US" smtClean="0"/>
-              <a:t>12-Jan-18</a:t>
+              <a:t>23-Jan-18</a:t>
             </a:fld>
             <a:endParaRPr lang="en-US"/>
           </a:p>
@@ -2385,7 +2385,7 @@
           <a:p>
             <a:fld id="{D0B1FB4A-0F19-4428-8AE7-EC31C1D3BD6D}" type="datetimeFigureOut">
               <a:rPr lang="en-US" smtClean="0"/>
-              <a:t>12-Jan-18</a:t>
+              <a:t>23-Jan-18</a:t>
             </a:fld>
             <a:endParaRPr lang="en-US"/>
           </a:p>
@@ -2673,7 +2673,7 @@
           <a:p>
             <a:fld id="{D0B1FB4A-0F19-4428-8AE7-EC31C1D3BD6D}" type="datetimeFigureOut">
               <a:rPr lang="en-US" smtClean="0"/>
-              <a:t>12-Jan-18</a:t>
+              <a:t>23-Jan-18</a:t>
             </a:fld>
             <a:endParaRPr lang="en-US"/>
           </a:p>
@@ -2914,7 +2914,7 @@
           <a:p>
             <a:fld id="{D0B1FB4A-0F19-4428-8AE7-EC31C1D3BD6D}" type="datetimeFigureOut">
               <a:rPr lang="en-US" smtClean="0"/>
-              <a:t>12-Jan-18</a:t>
+              <a:t>23-Jan-18</a:t>
             </a:fld>
             <a:endParaRPr lang="en-US"/>
           </a:p>
@@ -4751,7 +4751,7 @@
         </p:nvSpPr>
         <p:spPr>
           <a:xfrm>
-            <a:off x="4136399" y="3867813"/>
+            <a:off x="3828495" y="4849248"/>
             <a:ext cx="3056721" cy="431074"/>
           </a:xfrm>
           <a:prstGeom prst="roundRect">
@@ -5124,7 +5124,7 @@
         </p:nvGrpSpPr>
         <p:grpSpPr>
           <a:xfrm>
-            <a:off x="8298957" y="2826631"/>
+            <a:off x="8299499" y="3877304"/>
             <a:ext cx="892158" cy="857252"/>
             <a:chOff x="8419633" y="1924593"/>
             <a:chExt cx="1268846" cy="1219202"/>
@@ -5608,8 +5608,8 @@
         </p:nvCxnSpPr>
         <p:spPr>
           <a:xfrm flipV="1">
-            <a:off x="7193120" y="3683883"/>
-            <a:ext cx="1552463" cy="399467"/>
+            <a:off x="6885216" y="4734556"/>
+            <a:ext cx="1860909" cy="330229"/>
           </a:xfrm>
           <a:prstGeom prst="bentConnector2">
             <a:avLst/>
@@ -5652,8 +5652,8 @@
         </p:nvCxnSpPr>
         <p:spPr>
           <a:xfrm rot="16200000" flipH="1">
-            <a:off x="7480768" y="2156929"/>
-            <a:ext cx="204129" cy="1432250"/>
+            <a:off x="6955702" y="2681995"/>
+            <a:ext cx="1254802" cy="1432792"/>
           </a:xfrm>
           <a:prstGeom prst="bentConnector2">
             <a:avLst/>
@@ -5696,8 +5696,8 @@
         </p:nvCxnSpPr>
         <p:spPr>
           <a:xfrm rot="16200000" flipH="1">
-            <a:off x="6732734" y="1687940"/>
-            <a:ext cx="484267" cy="2650365"/>
+            <a:off x="6207668" y="2213006"/>
+            <a:ext cx="1534940" cy="2650907"/>
           </a:xfrm>
           <a:prstGeom prst="bentConnector2">
             <a:avLst/>
@@ -5740,8 +5740,8 @@
         </p:nvCxnSpPr>
         <p:spPr>
           <a:xfrm rot="16200000" flipH="1">
-            <a:off x="5544300" y="779648"/>
-            <a:ext cx="1177092" cy="4334401"/>
+            <a:off x="5019237" y="1304712"/>
+            <a:ext cx="2227765" cy="4334946"/>
           </a:xfrm>
           <a:prstGeom prst="bentConnector2">
             <a:avLst/>
@@ -5824,7 +5824,7 @@
         </p:nvSpPr>
         <p:spPr>
           <a:xfrm>
-            <a:off x="4083228" y="3341704"/>
+            <a:off x="4036256" y="4365224"/>
             <a:ext cx="1628504" cy="369332"/>
           </a:xfrm>
           <a:prstGeom prst="rect">
@@ -5866,7 +5866,7 @@
         </p:nvSpPr>
         <p:spPr>
           <a:xfrm>
-            <a:off x="5773778" y="3153543"/>
+            <a:off x="5900056" y="4181650"/>
             <a:ext cx="1628504" cy="246221"/>
           </a:xfrm>
           <a:prstGeom prst="rect">
@@ -5908,7 +5908,7 @@
         </p:nvSpPr>
         <p:spPr>
           <a:xfrm>
-            <a:off x="6974866" y="2850597"/>
+            <a:off x="7003130" y="3907871"/>
             <a:ext cx="1147356" cy="215444"/>
           </a:xfrm>
           <a:prstGeom prst="rect">
@@ -6039,7 +6039,7 @@
         </p:nvSpPr>
         <p:spPr>
           <a:xfrm>
-            <a:off x="7339845" y="3974934"/>
+            <a:off x="7186166" y="4916961"/>
             <a:ext cx="1307827" cy="230832"/>
           </a:xfrm>
           <a:prstGeom prst="rect">
@@ -6106,6 +6106,233 @@
           </a:fontRef>
         </p:style>
       </p:cxnSp>
+      <p:sp>
+        <p:nvSpPr>
+          <p:cNvPr id="2" name="Rectangle 1">
+            <a:extLst>
+              <a:ext uri="{FF2B5EF4-FFF2-40B4-BE49-F238E27FC236}">
+                <a16:creationId xmlns:a16="http://schemas.microsoft.com/office/drawing/2014/main" id="{62DD10FE-61F7-43EF-9134-1DC131BE6173}"/>
+              </a:ext>
+            </a:extLst>
+          </p:cNvPr>
+          <p:cNvSpPr/>
+          <p:nvPr/>
+        </p:nvSpPr>
+        <p:spPr>
+          <a:xfrm>
+            <a:off x="8299499" y="2981074"/>
+            <a:ext cx="891065" cy="695307"/>
+          </a:xfrm>
+          <a:prstGeom prst="rect">
+            <a:avLst/>
+          </a:prstGeom>
+        </p:spPr>
+        <p:style>
+          <a:lnRef idx="2">
+            <a:schemeClr val="accent1">
+              <a:shade val="50000"/>
+            </a:schemeClr>
+          </a:lnRef>
+          <a:fillRef idx="1">
+            <a:schemeClr val="accent1"/>
+          </a:fillRef>
+          <a:effectRef idx="0">
+            <a:schemeClr val="accent1"/>
+          </a:effectRef>
+          <a:fontRef idx="minor">
+            <a:schemeClr val="lt1"/>
+          </a:fontRef>
+        </p:style>
+        <p:txBody>
+          <a:bodyPr rtlCol="0" anchor="ctr"/>
+          <a:lstStyle/>
+          <a:p>
+            <a:pPr algn="ctr"/>
+            <a:r>
+              <a:rPr lang="en-US" dirty="0" err="1"/>
+              <a:t>Zipkin</a:t>
+            </a:r>
+            <a:endParaRPr lang="de-DE" dirty="0"/>
+          </a:p>
+        </p:txBody>
+      </p:sp>
+      <p:cxnSp>
+        <p:nvCxnSpPr>
+          <p:cNvPr id="41" name="Connector: Elbow 40">
+            <a:extLst>
+              <a:ext uri="{FF2B5EF4-FFF2-40B4-BE49-F238E27FC236}">
+                <a16:creationId xmlns:a16="http://schemas.microsoft.com/office/drawing/2014/main" id="{EAF7EBB8-B1EF-46A6-AB6D-AFA6060928D0}"/>
+              </a:ext>
+            </a:extLst>
+          </p:cNvPr>
+          <p:cNvCxnSpPr>
+            <a:cxnSpLocks/>
+            <a:stCxn id="7" idx="2"/>
+            <a:endCxn id="2" idx="1"/>
+          </p:cNvCxnSpPr>
+          <p:nvPr/>
+        </p:nvCxnSpPr>
+        <p:spPr>
+          <a:xfrm rot="16200000" flipH="1">
+            <a:off x="6695723" y="1724952"/>
+            <a:ext cx="557738" cy="2649814"/>
+          </a:xfrm>
+          <a:prstGeom prst="bentConnector2">
+            <a:avLst/>
+          </a:prstGeom>
+          <a:ln w="19050">
+            <a:solidFill>
+              <a:schemeClr val="accent6"/>
+            </a:solidFill>
+            <a:headEnd type="none" w="med" len="med"/>
+            <a:tailEnd type="triangle" w="med" len="med"/>
+          </a:ln>
+        </p:spPr>
+        <p:style>
+          <a:lnRef idx="1">
+            <a:schemeClr val="accent2"/>
+          </a:lnRef>
+          <a:fillRef idx="0">
+            <a:schemeClr val="accent2"/>
+          </a:fillRef>
+          <a:effectRef idx="0">
+            <a:schemeClr val="accent2"/>
+          </a:effectRef>
+          <a:fontRef idx="minor">
+            <a:schemeClr val="tx1"/>
+          </a:fontRef>
+        </p:style>
+      </p:cxnSp>
+      <p:cxnSp>
+        <p:nvCxnSpPr>
+          <p:cNvPr id="45" name="Connector: Elbow 44">
+            <a:extLst>
+              <a:ext uri="{FF2B5EF4-FFF2-40B4-BE49-F238E27FC236}">
+                <a16:creationId xmlns:a16="http://schemas.microsoft.com/office/drawing/2014/main" id="{74262329-3019-41F5-A6F4-E043525D9FB8}"/>
+              </a:ext>
+            </a:extLst>
+          </p:cNvPr>
+          <p:cNvCxnSpPr>
+            <a:cxnSpLocks/>
+            <a:stCxn id="6" idx="2"/>
+          </p:cNvCxnSpPr>
+          <p:nvPr/>
+        </p:nvCxnSpPr>
+        <p:spPr>
+          <a:xfrm rot="16200000" flipH="1">
+            <a:off x="5547232" y="776717"/>
+            <a:ext cx="1169590" cy="4332762"/>
+          </a:xfrm>
+          <a:prstGeom prst="bentConnector2">
+            <a:avLst/>
+          </a:prstGeom>
+          <a:ln w="19050">
+            <a:solidFill>
+              <a:schemeClr val="accent6"/>
+            </a:solidFill>
+            <a:headEnd type="none" w="med" len="med"/>
+            <a:tailEnd type="triangle" w="med" len="med"/>
+          </a:ln>
+        </p:spPr>
+        <p:style>
+          <a:lnRef idx="1">
+            <a:schemeClr val="accent2"/>
+          </a:lnRef>
+          <a:fillRef idx="0">
+            <a:schemeClr val="accent2"/>
+          </a:fillRef>
+          <a:effectRef idx="0">
+            <a:schemeClr val="accent2"/>
+          </a:effectRef>
+          <a:fontRef idx="minor">
+            <a:schemeClr val="tx1"/>
+          </a:fontRef>
+        </p:style>
+      </p:cxnSp>
+      <p:sp>
+        <p:nvSpPr>
+          <p:cNvPr id="53" name="TextBox 52">
+            <a:extLst>
+              <a:ext uri="{FF2B5EF4-FFF2-40B4-BE49-F238E27FC236}">
+                <a16:creationId xmlns:a16="http://schemas.microsoft.com/office/drawing/2014/main" id="{70548A77-4F48-4E82-B2ED-B06354262D3E}"/>
+              </a:ext>
+            </a:extLst>
+          </p:cNvPr>
+          <p:cNvSpPr txBox="1"/>
+          <p:nvPr/>
+        </p:nvSpPr>
+        <p:spPr>
+          <a:xfrm>
+            <a:off x="4058023" y="3407511"/>
+            <a:ext cx="1362886" cy="246221"/>
+          </a:xfrm>
+          <a:prstGeom prst="rect">
+            <a:avLst/>
+          </a:prstGeom>
+          <a:solidFill>
+            <a:schemeClr val="bg1"/>
+          </a:solidFill>
+          <a:ln>
+            <a:solidFill>
+              <a:schemeClr val="tx1"/>
+            </a:solidFill>
+          </a:ln>
+        </p:spPr>
+        <p:txBody>
+          <a:bodyPr wrap="square" rtlCol="0">
+            <a:spAutoFit/>
+          </a:bodyPr>
+          <a:lstStyle/>
+          <a:p>
+            <a:r>
+              <a:rPr lang="en-US" sz="1000" dirty="0"/>
+              <a:t>Audit-Trace</a:t>
+            </a:r>
+          </a:p>
+        </p:txBody>
+      </p:sp>
+      <p:sp>
+        <p:nvSpPr>
+          <p:cNvPr id="54" name="TextBox 53">
+            <a:extLst>
+              <a:ext uri="{FF2B5EF4-FFF2-40B4-BE49-F238E27FC236}">
+                <a16:creationId xmlns:a16="http://schemas.microsoft.com/office/drawing/2014/main" id="{E708983A-CF61-4DBE-8F3F-470F73AF3657}"/>
+              </a:ext>
+            </a:extLst>
+          </p:cNvPr>
+          <p:cNvSpPr txBox="1"/>
+          <p:nvPr/>
+        </p:nvSpPr>
+        <p:spPr>
+          <a:xfrm>
+            <a:off x="5829657" y="3199830"/>
+            <a:ext cx="884651" cy="246221"/>
+          </a:xfrm>
+          <a:prstGeom prst="rect">
+            <a:avLst/>
+          </a:prstGeom>
+          <a:solidFill>
+            <a:schemeClr val="bg1"/>
+          </a:solidFill>
+          <a:ln>
+            <a:solidFill>
+              <a:schemeClr val="tx1"/>
+            </a:solidFill>
+          </a:ln>
+        </p:spPr>
+        <p:txBody>
+          <a:bodyPr wrap="square" rtlCol="0">
+            <a:spAutoFit/>
+          </a:bodyPr>
+          <a:lstStyle/>
+          <a:p>
+            <a:r>
+              <a:rPr lang="en-US" sz="1000" dirty="0"/>
+              <a:t>Audit-Trace</a:t>
+            </a:r>
+          </a:p>
+        </p:txBody>
+      </p:sp>
     </p:spTree>
     <p:extLst>
       <p:ext uri="{BB962C8B-B14F-4D97-AF65-F5344CB8AC3E}">

--- a/Architecture.pptx
+++ b/Architecture.pptx
@@ -264,7 +264,7 @@
           <a:p>
             <a:fld id="{D0B1FB4A-0F19-4428-8AE7-EC31C1D3BD6D}" type="datetimeFigureOut">
               <a:rPr lang="en-US" smtClean="0"/>
-              <a:t>23-Jan-18</a:t>
+              <a:t>05-Feb-18</a:t>
             </a:fld>
             <a:endParaRPr lang="en-US"/>
           </a:p>
@@ -462,7 +462,7 @@
           <a:p>
             <a:fld id="{D0B1FB4A-0F19-4428-8AE7-EC31C1D3BD6D}" type="datetimeFigureOut">
               <a:rPr lang="en-US" smtClean="0"/>
-              <a:t>23-Jan-18</a:t>
+              <a:t>05-Feb-18</a:t>
             </a:fld>
             <a:endParaRPr lang="en-US"/>
           </a:p>
@@ -670,7 +670,7 @@
           <a:p>
             <a:fld id="{D0B1FB4A-0F19-4428-8AE7-EC31C1D3BD6D}" type="datetimeFigureOut">
               <a:rPr lang="en-US" smtClean="0"/>
-              <a:t>23-Jan-18</a:t>
+              <a:t>05-Feb-18</a:t>
             </a:fld>
             <a:endParaRPr lang="en-US"/>
           </a:p>
@@ -868,7 +868,7 @@
           <a:p>
             <a:fld id="{D0B1FB4A-0F19-4428-8AE7-EC31C1D3BD6D}" type="datetimeFigureOut">
               <a:rPr lang="en-US" smtClean="0"/>
-              <a:t>23-Jan-18</a:t>
+              <a:t>05-Feb-18</a:t>
             </a:fld>
             <a:endParaRPr lang="en-US"/>
           </a:p>
@@ -1143,7 +1143,7 @@
           <a:p>
             <a:fld id="{D0B1FB4A-0F19-4428-8AE7-EC31C1D3BD6D}" type="datetimeFigureOut">
               <a:rPr lang="en-US" smtClean="0"/>
-              <a:t>23-Jan-18</a:t>
+              <a:t>05-Feb-18</a:t>
             </a:fld>
             <a:endParaRPr lang="en-US"/>
           </a:p>
@@ -1408,7 +1408,7 @@
           <a:p>
             <a:fld id="{D0B1FB4A-0F19-4428-8AE7-EC31C1D3BD6D}" type="datetimeFigureOut">
               <a:rPr lang="en-US" smtClean="0"/>
-              <a:t>23-Jan-18</a:t>
+              <a:t>05-Feb-18</a:t>
             </a:fld>
             <a:endParaRPr lang="en-US"/>
           </a:p>
@@ -1820,7 +1820,7 @@
           <a:p>
             <a:fld id="{D0B1FB4A-0F19-4428-8AE7-EC31C1D3BD6D}" type="datetimeFigureOut">
               <a:rPr lang="en-US" smtClean="0"/>
-              <a:t>23-Jan-18</a:t>
+              <a:t>05-Feb-18</a:t>
             </a:fld>
             <a:endParaRPr lang="en-US"/>
           </a:p>
@@ -1961,7 +1961,7 @@
           <a:p>
             <a:fld id="{D0B1FB4A-0F19-4428-8AE7-EC31C1D3BD6D}" type="datetimeFigureOut">
               <a:rPr lang="en-US" smtClean="0"/>
-              <a:t>23-Jan-18</a:t>
+              <a:t>05-Feb-18</a:t>
             </a:fld>
             <a:endParaRPr lang="en-US"/>
           </a:p>
@@ -2074,7 +2074,7 @@
           <a:p>
             <a:fld id="{D0B1FB4A-0F19-4428-8AE7-EC31C1D3BD6D}" type="datetimeFigureOut">
               <a:rPr lang="en-US" smtClean="0"/>
-              <a:t>23-Jan-18</a:t>
+              <a:t>05-Feb-18</a:t>
             </a:fld>
             <a:endParaRPr lang="en-US"/>
           </a:p>
@@ -2385,7 +2385,7 @@
           <a:p>
             <a:fld id="{D0B1FB4A-0F19-4428-8AE7-EC31C1D3BD6D}" type="datetimeFigureOut">
               <a:rPr lang="en-US" smtClean="0"/>
-              <a:t>23-Jan-18</a:t>
+              <a:t>05-Feb-18</a:t>
             </a:fld>
             <a:endParaRPr lang="en-US"/>
           </a:p>
@@ -2673,7 +2673,7 @@
           <a:p>
             <a:fld id="{D0B1FB4A-0F19-4428-8AE7-EC31C1D3BD6D}" type="datetimeFigureOut">
               <a:rPr lang="en-US" smtClean="0"/>
-              <a:t>23-Jan-18</a:t>
+              <a:t>05-Feb-18</a:t>
             </a:fld>
             <a:endParaRPr lang="en-US"/>
           </a:p>
@@ -2914,7 +2914,7 @@
           <a:p>
             <a:fld id="{D0B1FB4A-0F19-4428-8AE7-EC31C1D3BD6D}" type="datetimeFigureOut">
               <a:rPr lang="en-US" smtClean="0"/>
-              <a:t>23-Jan-18</a:t>
+              <a:t>05-Feb-18</a:t>
             </a:fld>
             <a:endParaRPr lang="en-US"/>
           </a:p>
@@ -4500,8 +4500,8 @@
         </p:nvSpPr>
         <p:spPr>
           <a:xfrm>
-            <a:off x="4563291" y="1219388"/>
-            <a:ext cx="2571205" cy="1684887"/>
+            <a:off x="3631475" y="676510"/>
+            <a:ext cx="3503022" cy="2227765"/>
           </a:xfrm>
           <a:prstGeom prst="roundRect">
             <a:avLst>
@@ -6333,6 +6333,55 @@
           </a:p>
         </p:txBody>
       </p:sp>
+      <p:cxnSp>
+        <p:nvCxnSpPr>
+          <p:cNvPr id="44" name="Connector: Elbow 43">
+            <a:extLst>
+              <a:ext uri="{FF2B5EF4-FFF2-40B4-BE49-F238E27FC236}">
+                <a16:creationId xmlns:a16="http://schemas.microsoft.com/office/drawing/2014/main" id="{D7C1E025-F89D-47B2-ACF9-050C6A92BBD3}"/>
+              </a:ext>
+            </a:extLst>
+          </p:cNvPr>
+          <p:cNvCxnSpPr>
+            <a:cxnSpLocks/>
+            <a:stCxn id="2" idx="2"/>
+            <a:endCxn id="20" idx="1"/>
+          </p:cNvCxnSpPr>
+          <p:nvPr/>
+        </p:nvCxnSpPr>
+        <p:spPr>
+          <a:xfrm rot="5400000">
+            <a:off x="8644571" y="3776842"/>
+            <a:ext cx="200923" cy="12700"/>
+          </a:xfrm>
+          <a:prstGeom prst="bentConnector3">
+            <a:avLst>
+              <a:gd name="adj1" fmla="val 84674"/>
+            </a:avLst>
+          </a:prstGeom>
+          <a:ln w="19050">
+            <a:solidFill>
+              <a:schemeClr val="accent6"/>
+            </a:solidFill>
+            <a:headEnd type="none" w="med" len="med"/>
+            <a:tailEnd type="triangle" w="med" len="med"/>
+          </a:ln>
+        </p:spPr>
+        <p:style>
+          <a:lnRef idx="1">
+            <a:schemeClr val="accent2"/>
+          </a:lnRef>
+          <a:fillRef idx="0">
+            <a:schemeClr val="accent2"/>
+          </a:fillRef>
+          <a:effectRef idx="0">
+            <a:schemeClr val="accent2"/>
+          </a:effectRef>
+          <a:fontRef idx="minor">
+            <a:schemeClr val="tx1"/>
+          </a:fontRef>
+        </p:style>
+      </p:cxnSp>
     </p:spTree>
     <p:extLst>
       <p:ext uri="{BB962C8B-B14F-4D97-AF65-F5344CB8AC3E}">

--- a/Architecture.pptx
+++ b/Architecture.pptx
@@ -6,7 +6,9 @@
   </p:sldMasterIdLst>
   <p:sldIdLst>
     <p:sldId id="257" r:id="rId2"/>
-    <p:sldId id="256" r:id="rId3"/>
+    <p:sldId id="260" r:id="rId3"/>
+    <p:sldId id="256" r:id="rId4"/>
+    <p:sldId id="259" r:id="rId5"/>
   </p:sldIdLst>
   <p:sldSz cx="12192000" cy="6858000"/>
   <p:notesSz cx="6858000" cy="9144000"/>
@@ -113,10 +115,6 @@
 </p:presentation>
 </file>
 
-<file path=ppt/revisionInfo.xml><?xml version="1.0" encoding="utf-8"?>
-<p1510:revInfo xmlns:a="http://schemas.openxmlformats.org/drawingml/2006/main" xmlns:r="http://schemas.openxmlformats.org/officeDocument/2006/relationships" xmlns:p1510="http://schemas.microsoft.com/office/powerpoint/2015/10/main"/>
-</file>
-
 <file path=ppt/slideLayouts/slideLayout1.xml><?xml version="1.0" encoding="utf-8"?>
 <p:sldLayout xmlns:a="http://schemas.openxmlformats.org/drawingml/2006/main" xmlns:r="http://schemas.openxmlformats.org/officeDocument/2006/relationships" xmlns:p="http://schemas.openxmlformats.org/presentationml/2006/main" type="title" preserve="1">
   <p:cSld name="Title Slide">
@@ -264,7 +262,7 @@
           <a:p>
             <a:fld id="{D0B1FB4A-0F19-4428-8AE7-EC31C1D3BD6D}" type="datetimeFigureOut">
               <a:rPr lang="en-US" smtClean="0"/>
-              <a:t>05-Feb-18</a:t>
+              <a:t>07-Feb-18</a:t>
             </a:fld>
             <a:endParaRPr lang="en-US"/>
           </a:p>
@@ -462,7 +460,7 @@
           <a:p>
             <a:fld id="{D0B1FB4A-0F19-4428-8AE7-EC31C1D3BD6D}" type="datetimeFigureOut">
               <a:rPr lang="en-US" smtClean="0"/>
-              <a:t>05-Feb-18</a:t>
+              <a:t>07-Feb-18</a:t>
             </a:fld>
             <a:endParaRPr lang="en-US"/>
           </a:p>
@@ -670,7 +668,7 @@
           <a:p>
             <a:fld id="{D0B1FB4A-0F19-4428-8AE7-EC31C1D3BD6D}" type="datetimeFigureOut">
               <a:rPr lang="en-US" smtClean="0"/>
-              <a:t>05-Feb-18</a:t>
+              <a:t>07-Feb-18</a:t>
             </a:fld>
             <a:endParaRPr lang="en-US"/>
           </a:p>
@@ -868,7 +866,7 @@
           <a:p>
             <a:fld id="{D0B1FB4A-0F19-4428-8AE7-EC31C1D3BD6D}" type="datetimeFigureOut">
               <a:rPr lang="en-US" smtClean="0"/>
-              <a:t>05-Feb-18</a:t>
+              <a:t>07-Feb-18</a:t>
             </a:fld>
             <a:endParaRPr lang="en-US"/>
           </a:p>
@@ -1143,7 +1141,7 @@
           <a:p>
             <a:fld id="{D0B1FB4A-0F19-4428-8AE7-EC31C1D3BD6D}" type="datetimeFigureOut">
               <a:rPr lang="en-US" smtClean="0"/>
-              <a:t>05-Feb-18</a:t>
+              <a:t>07-Feb-18</a:t>
             </a:fld>
             <a:endParaRPr lang="en-US"/>
           </a:p>
@@ -1408,7 +1406,7 @@
           <a:p>
             <a:fld id="{D0B1FB4A-0F19-4428-8AE7-EC31C1D3BD6D}" type="datetimeFigureOut">
               <a:rPr lang="en-US" smtClean="0"/>
-              <a:t>05-Feb-18</a:t>
+              <a:t>07-Feb-18</a:t>
             </a:fld>
             <a:endParaRPr lang="en-US"/>
           </a:p>
@@ -1820,7 +1818,7 @@
           <a:p>
             <a:fld id="{D0B1FB4A-0F19-4428-8AE7-EC31C1D3BD6D}" type="datetimeFigureOut">
               <a:rPr lang="en-US" smtClean="0"/>
-              <a:t>05-Feb-18</a:t>
+              <a:t>07-Feb-18</a:t>
             </a:fld>
             <a:endParaRPr lang="en-US"/>
           </a:p>
@@ -1961,7 +1959,7 @@
           <a:p>
             <a:fld id="{D0B1FB4A-0F19-4428-8AE7-EC31C1D3BD6D}" type="datetimeFigureOut">
               <a:rPr lang="en-US" smtClean="0"/>
-              <a:t>05-Feb-18</a:t>
+              <a:t>07-Feb-18</a:t>
             </a:fld>
             <a:endParaRPr lang="en-US"/>
           </a:p>
@@ -2074,7 +2072,7 @@
           <a:p>
             <a:fld id="{D0B1FB4A-0F19-4428-8AE7-EC31C1D3BD6D}" type="datetimeFigureOut">
               <a:rPr lang="en-US" smtClean="0"/>
-              <a:t>05-Feb-18</a:t>
+              <a:t>07-Feb-18</a:t>
             </a:fld>
             <a:endParaRPr lang="en-US"/>
           </a:p>
@@ -2385,7 +2383,7 @@
           <a:p>
             <a:fld id="{D0B1FB4A-0F19-4428-8AE7-EC31C1D3BD6D}" type="datetimeFigureOut">
               <a:rPr lang="en-US" smtClean="0"/>
-              <a:t>05-Feb-18</a:t>
+              <a:t>07-Feb-18</a:t>
             </a:fld>
             <a:endParaRPr lang="en-US"/>
           </a:p>
@@ -2673,7 +2671,7 @@
           <a:p>
             <a:fld id="{D0B1FB4A-0F19-4428-8AE7-EC31C1D3BD6D}" type="datetimeFigureOut">
               <a:rPr lang="en-US" smtClean="0"/>
-              <a:t>05-Feb-18</a:t>
+              <a:t>07-Feb-18</a:t>
             </a:fld>
             <a:endParaRPr lang="en-US"/>
           </a:p>
@@ -2914,7 +2912,7 @@
           <a:p>
             <a:fld id="{D0B1FB4A-0F19-4428-8AE7-EC31C1D3BD6D}" type="datetimeFigureOut">
               <a:rPr lang="en-US" smtClean="0"/>
-              <a:t>05-Feb-18</a:t>
+              <a:t>07-Feb-18</a:t>
             </a:fld>
             <a:endParaRPr lang="en-US"/>
           </a:p>
@@ -4488,10 +4486,10 @@
       </p:grpSpPr>
       <p:sp>
         <p:nvSpPr>
-          <p:cNvPr id="22" name="Rectangle: Rounded Corners 21">
-            <a:extLst>
-              <a:ext uri="{FF2B5EF4-FFF2-40B4-BE49-F238E27FC236}">
-                <a16:creationId xmlns:a16="http://schemas.microsoft.com/office/drawing/2014/main" id="{D32B0191-6D32-49AC-BDC7-C6C9EDB74AFF}"/>
+          <p:cNvPr id="46" name="Rectangle: Rounded Corners 45">
+            <a:extLst>
+              <a:ext uri="{FF2B5EF4-FFF2-40B4-BE49-F238E27FC236}">
+                <a16:creationId xmlns:a16="http://schemas.microsoft.com/office/drawing/2014/main" id="{D257BF85-FF5F-44BE-97EB-40ECB6C5BAD3}"/>
               </a:ext>
             </a:extLst>
           </p:cNvPr>
@@ -4500,58 +4498,15 @@
         </p:nvSpPr>
         <p:spPr>
           <a:xfrm>
-            <a:off x="3631475" y="676510"/>
-            <a:ext cx="3503022" cy="2227765"/>
-          </a:xfrm>
-          <a:prstGeom prst="roundRect">
-            <a:avLst>
-              <a:gd name="adj" fmla="val 4589"/>
-            </a:avLst>
-          </a:prstGeom>
-        </p:spPr>
-        <p:style>
-          <a:lnRef idx="2">
-            <a:schemeClr val="dk1"/>
-          </a:lnRef>
-          <a:fillRef idx="1">
-            <a:schemeClr val="lt1"/>
-          </a:fillRef>
-          <a:effectRef idx="0">
-            <a:schemeClr val="dk1"/>
-          </a:effectRef>
-          <a:fontRef idx="minor">
-            <a:schemeClr val="dk1"/>
-          </a:fontRef>
-        </p:style>
-        <p:txBody>
-          <a:bodyPr rtlCol="0" anchor="ctr"/>
-          <a:lstStyle/>
-          <a:p>
-            <a:pPr algn="ctr"/>
-            <a:endParaRPr lang="en-US"/>
-          </a:p>
-        </p:txBody>
-      </p:sp>
-      <p:sp>
-        <p:nvSpPr>
-          <p:cNvPr id="4" name="Rectangle: Rounded Corners 3">
-            <a:extLst>
-              <a:ext uri="{FF2B5EF4-FFF2-40B4-BE49-F238E27FC236}">
-                <a16:creationId xmlns:a16="http://schemas.microsoft.com/office/drawing/2014/main" id="{862F6BA3-892C-4CFF-A986-7EE83899BA31}"/>
-              </a:ext>
-            </a:extLst>
-          </p:cNvPr>
-          <p:cNvSpPr/>
-          <p:nvPr/>
-        </p:nvSpPr>
-        <p:spPr>
-          <a:xfrm>
-            <a:off x="950301" y="1632267"/>
-            <a:ext cx="1132115" cy="672373"/>
+            <a:off x="8302393" y="357995"/>
+            <a:ext cx="1132115" cy="2227765"/>
           </a:xfrm>
           <a:prstGeom prst="roundRect">
             <a:avLst/>
           </a:prstGeom>
+          <a:solidFill>
+            <a:schemeClr val="tx1"/>
+          </a:solidFill>
         </p:spPr>
         <p:style>
           <a:lnRef idx="2">
@@ -4574,10 +4529,53 @@
           <a:lstStyle/>
           <a:p>
             <a:pPr algn="ctr"/>
-            <a:r>
-              <a:rPr lang="en-US" dirty="0"/>
-              <a:t>App 2</a:t>
-            </a:r>
+            <a:endParaRPr lang="en-US" dirty="0"/>
+          </a:p>
+        </p:txBody>
+      </p:sp>
+      <p:sp>
+        <p:nvSpPr>
+          <p:cNvPr id="22" name="Rectangle: Rounded Corners 21">
+            <a:extLst>
+              <a:ext uri="{FF2B5EF4-FFF2-40B4-BE49-F238E27FC236}">
+                <a16:creationId xmlns:a16="http://schemas.microsoft.com/office/drawing/2014/main" id="{D32B0191-6D32-49AC-BDC7-C6C9EDB74AFF}"/>
+              </a:ext>
+            </a:extLst>
+          </p:cNvPr>
+          <p:cNvSpPr/>
+          <p:nvPr/>
+        </p:nvSpPr>
+        <p:spPr>
+          <a:xfrm>
+            <a:off x="3631475" y="676510"/>
+            <a:ext cx="3503022" cy="2227765"/>
+          </a:xfrm>
+          <a:prstGeom prst="roundRect">
+            <a:avLst>
+              <a:gd name="adj" fmla="val 4589"/>
+            </a:avLst>
+          </a:prstGeom>
+        </p:spPr>
+        <p:style>
+          <a:lnRef idx="2">
+            <a:schemeClr val="dk1"/>
+          </a:lnRef>
+          <a:fillRef idx="1">
+            <a:schemeClr val="lt1"/>
+          </a:fillRef>
+          <a:effectRef idx="0">
+            <a:schemeClr val="dk1"/>
+          </a:effectRef>
+          <a:fontRef idx="minor">
+            <a:schemeClr val="dk1"/>
+          </a:fontRef>
+        </p:style>
+        <p:txBody>
+          <a:bodyPr rtlCol="0" anchor="ctr"/>
+          <a:lstStyle/>
+          <a:p>
+            <a:pPr algn="ctr"/>
+            <a:endParaRPr lang="en-US"/>
           </a:p>
         </p:txBody>
       </p:sp>
@@ -4595,14 +4593,17 @@
         </p:nvSpPr>
         <p:spPr>
           <a:xfrm>
-            <a:off x="4689561" y="1360487"/>
-            <a:ext cx="1898469" cy="449860"/>
+            <a:off x="4689561" y="1143290"/>
+            <a:ext cx="1898469" cy="667057"/>
           </a:xfrm>
           <a:prstGeom prst="roundRect">
             <a:avLst>
               <a:gd name="adj" fmla="val 6988"/>
             </a:avLst>
           </a:prstGeom>
+          <a:solidFill>
+            <a:schemeClr val="tx1"/>
+          </a:solidFill>
         </p:spPr>
         <p:style>
           <a:lnRef idx="2">
@@ -4625,6 +4626,1429 @@
           <a:lstStyle/>
           <a:p>
             <a:pPr algn="ctr"/>
+            <a:endParaRPr lang="en-US" dirty="0"/>
+          </a:p>
+        </p:txBody>
+      </p:sp>
+      <p:sp>
+        <p:nvSpPr>
+          <p:cNvPr id="6" name="Rectangle: Rounded Corners 5">
+            <a:extLst>
+              <a:ext uri="{FF2B5EF4-FFF2-40B4-BE49-F238E27FC236}">
+                <a16:creationId xmlns:a16="http://schemas.microsoft.com/office/drawing/2014/main" id="{BC7BF5D1-C804-45DA-82D2-0C9D02BC7879}"/>
+              </a:ext>
+            </a:extLst>
+          </p:cNvPr>
+          <p:cNvSpPr/>
+          <p:nvPr/>
+        </p:nvSpPr>
+        <p:spPr>
+          <a:xfrm>
+            <a:off x="3723983" y="812531"/>
+            <a:ext cx="483326" cy="1958458"/>
+          </a:xfrm>
+          <a:prstGeom prst="roundRect">
+            <a:avLst/>
+          </a:prstGeom>
+        </p:spPr>
+        <p:style>
+          <a:lnRef idx="2">
+            <a:schemeClr val="accent2">
+              <a:shade val="50000"/>
+            </a:schemeClr>
+          </a:lnRef>
+          <a:fillRef idx="1">
+            <a:schemeClr val="accent2"/>
+          </a:fillRef>
+          <a:effectRef idx="0">
+            <a:schemeClr val="accent2"/>
+          </a:effectRef>
+          <a:fontRef idx="minor">
+            <a:schemeClr val="lt1"/>
+          </a:fontRef>
+        </p:style>
+        <p:txBody>
+          <a:bodyPr vert="vert270" rtlCol="0" anchor="ctr"/>
+          <a:lstStyle/>
+          <a:p>
+            <a:pPr algn="ctr"/>
+            <a:r>
+              <a:rPr lang="en-US" sz="1400" dirty="0"/>
+              <a:t>Request Monitor</a:t>
+            </a:r>
+          </a:p>
+          <a:p>
+            <a:pPr algn="ctr"/>
+            <a:r>
+              <a:rPr lang="en-US" sz="1400" dirty="0"/>
+              <a:t>Proxy</a:t>
+            </a:r>
+          </a:p>
+        </p:txBody>
+      </p:sp>
+      <p:sp>
+        <p:nvSpPr>
+          <p:cNvPr id="7" name="Rectangle: Rounded Corners 6">
+            <a:extLst>
+              <a:ext uri="{FF2B5EF4-FFF2-40B4-BE49-F238E27FC236}">
+                <a16:creationId xmlns:a16="http://schemas.microsoft.com/office/drawing/2014/main" id="{5F0CF90C-C135-467E-A076-BB0B5C7839BB}"/>
+              </a:ext>
+            </a:extLst>
+          </p:cNvPr>
+          <p:cNvSpPr/>
+          <p:nvPr/>
+        </p:nvSpPr>
+        <p:spPr>
+          <a:xfrm>
+            <a:off x="4700450" y="2339916"/>
+            <a:ext cx="1898469" cy="431074"/>
+          </a:xfrm>
+          <a:prstGeom prst="roundRect">
+            <a:avLst/>
+          </a:prstGeom>
+        </p:spPr>
+        <p:style>
+          <a:lnRef idx="2">
+            <a:schemeClr val="accent2">
+              <a:shade val="50000"/>
+            </a:schemeClr>
+          </a:lnRef>
+          <a:fillRef idx="1">
+            <a:schemeClr val="accent2"/>
+          </a:fillRef>
+          <a:effectRef idx="0">
+            <a:schemeClr val="accent2"/>
+          </a:effectRef>
+          <a:fontRef idx="minor">
+            <a:schemeClr val="lt1"/>
+          </a:fontRef>
+        </p:style>
+        <p:txBody>
+          <a:bodyPr rtlCol="0" anchor="ctr"/>
+          <a:lstStyle/>
+          <a:p>
+            <a:pPr algn="ctr"/>
+            <a:r>
+              <a:rPr lang="en-US" dirty="0"/>
+              <a:t>VDC Agent</a:t>
+            </a:r>
+          </a:p>
+        </p:txBody>
+      </p:sp>
+      <p:sp>
+        <p:nvSpPr>
+          <p:cNvPr id="8" name="Rectangle: Rounded Corners 7">
+            <a:extLst>
+              <a:ext uri="{FF2B5EF4-FFF2-40B4-BE49-F238E27FC236}">
+                <a16:creationId xmlns:a16="http://schemas.microsoft.com/office/drawing/2014/main" id="{669513DC-9D50-4713-8702-1BAC499F39D2}"/>
+              </a:ext>
+            </a:extLst>
+          </p:cNvPr>
+          <p:cNvSpPr/>
+          <p:nvPr/>
+        </p:nvSpPr>
+        <p:spPr>
+          <a:xfrm>
+            <a:off x="3828495" y="4849248"/>
+            <a:ext cx="3056721" cy="431074"/>
+          </a:xfrm>
+          <a:prstGeom prst="roundRect">
+            <a:avLst/>
+          </a:prstGeom>
+        </p:spPr>
+        <p:style>
+          <a:lnRef idx="2">
+            <a:schemeClr val="accent2">
+              <a:shade val="50000"/>
+            </a:schemeClr>
+          </a:lnRef>
+          <a:fillRef idx="1">
+            <a:schemeClr val="accent2"/>
+          </a:fillRef>
+          <a:effectRef idx="0">
+            <a:schemeClr val="accent2"/>
+          </a:effectRef>
+          <a:fontRef idx="minor">
+            <a:schemeClr val="lt1"/>
+          </a:fontRef>
+        </p:style>
+        <p:txBody>
+          <a:bodyPr rtlCol="0" anchor="ctr"/>
+          <a:lstStyle/>
+          <a:p>
+            <a:pPr algn="ctr"/>
+            <a:r>
+              <a:rPr lang="en-US" dirty="0"/>
+              <a:t>VM Agent</a:t>
+            </a:r>
+          </a:p>
+        </p:txBody>
+      </p:sp>
+      <p:grpSp>
+        <p:nvGrpSpPr>
+          <p:cNvPr id="17" name="Group 16">
+            <a:extLst>
+              <a:ext uri="{FF2B5EF4-FFF2-40B4-BE49-F238E27FC236}">
+                <a16:creationId xmlns:a16="http://schemas.microsoft.com/office/drawing/2014/main" id="{0BD2EE25-F039-427B-BF68-216DF314051E}"/>
+              </a:ext>
+            </a:extLst>
+          </p:cNvPr>
+          <p:cNvGrpSpPr/>
+          <p:nvPr/>
+        </p:nvGrpSpPr>
+        <p:grpSpPr>
+          <a:xfrm>
+            <a:off x="8299499" y="3877304"/>
+            <a:ext cx="892158" cy="857252"/>
+            <a:chOff x="8419633" y="1924593"/>
+            <a:chExt cx="1268846" cy="1219202"/>
+          </a:xfrm>
+        </p:grpSpPr>
+        <p:sp>
+          <p:nvSpPr>
+            <p:cNvPr id="18" name="Flowchart: Magnetic Disk 17">
+              <a:extLst>
+                <a:ext uri="{FF2B5EF4-FFF2-40B4-BE49-F238E27FC236}">
+                  <a16:creationId xmlns:a16="http://schemas.microsoft.com/office/drawing/2014/main" id="{5235B2AF-CDC2-4360-B67B-04191591D8BC}"/>
+                </a:ext>
+              </a:extLst>
+            </p:cNvPr>
+            <p:cNvSpPr/>
+            <p:nvPr/>
+          </p:nvSpPr>
+          <p:spPr>
+            <a:xfrm>
+              <a:off x="8421187" y="2721430"/>
+              <a:ext cx="1267291" cy="422365"/>
+            </a:xfrm>
+            <a:prstGeom prst="flowChartMagneticDisk">
+              <a:avLst/>
+            </a:prstGeom>
+          </p:spPr>
+          <p:style>
+            <a:lnRef idx="2">
+              <a:schemeClr val="accent1">
+                <a:shade val="50000"/>
+              </a:schemeClr>
+            </a:lnRef>
+            <a:fillRef idx="1">
+              <a:schemeClr val="accent1"/>
+            </a:fillRef>
+            <a:effectRef idx="0">
+              <a:schemeClr val="accent1"/>
+            </a:effectRef>
+            <a:fontRef idx="minor">
+              <a:schemeClr val="lt1"/>
+            </a:fontRef>
+          </p:style>
+          <p:txBody>
+            <a:bodyPr rtlCol="0" anchor="ctr"/>
+            <a:lstStyle/>
+            <a:p>
+              <a:pPr algn="ctr"/>
+              <a:endParaRPr lang="en-US"/>
+            </a:p>
+          </p:txBody>
+        </p:sp>
+        <p:sp>
+          <p:nvSpPr>
+            <p:cNvPr id="19" name="Flowchart: Magnetic Disk 18">
+              <a:extLst>
+                <a:ext uri="{FF2B5EF4-FFF2-40B4-BE49-F238E27FC236}">
+                  <a16:creationId xmlns:a16="http://schemas.microsoft.com/office/drawing/2014/main" id="{7EEA2B17-41D9-4BF7-A0F4-47C7B2B1BBB9}"/>
+                </a:ext>
+              </a:extLst>
+            </p:cNvPr>
+            <p:cNvSpPr/>
+            <p:nvPr/>
+          </p:nvSpPr>
+          <p:spPr>
+            <a:xfrm>
+              <a:off x="8421187" y="2270759"/>
+              <a:ext cx="1267292" cy="526870"/>
+            </a:xfrm>
+            <a:prstGeom prst="flowChartMagneticDisk">
+              <a:avLst/>
+            </a:prstGeom>
+          </p:spPr>
+          <p:style>
+            <a:lnRef idx="2">
+              <a:schemeClr val="accent1">
+                <a:shade val="50000"/>
+              </a:schemeClr>
+            </a:lnRef>
+            <a:fillRef idx="1">
+              <a:schemeClr val="accent1"/>
+            </a:fillRef>
+            <a:effectRef idx="0">
+              <a:schemeClr val="accent1"/>
+            </a:effectRef>
+            <a:fontRef idx="minor">
+              <a:schemeClr val="lt1"/>
+            </a:fontRef>
+          </p:style>
+          <p:txBody>
+            <a:bodyPr rtlCol="0" anchor="ctr"/>
+            <a:lstStyle/>
+            <a:p>
+              <a:pPr algn="ctr"/>
+              <a:r>
+                <a:rPr lang="en-US" sz="1050" dirty="0"/>
+                <a:t>Elasticsearch</a:t>
+              </a:r>
+            </a:p>
+          </p:txBody>
+        </p:sp>
+        <p:sp>
+          <p:nvSpPr>
+            <p:cNvPr id="20" name="Flowchart: Magnetic Disk 19">
+              <a:extLst>
+                <a:ext uri="{FF2B5EF4-FFF2-40B4-BE49-F238E27FC236}">
+                  <a16:creationId xmlns:a16="http://schemas.microsoft.com/office/drawing/2014/main" id="{44D6DABD-0296-4D2A-A436-DBC411191B1E}"/>
+                </a:ext>
+              </a:extLst>
+            </p:cNvPr>
+            <p:cNvSpPr/>
+            <p:nvPr/>
+          </p:nvSpPr>
+          <p:spPr>
+            <a:xfrm>
+              <a:off x="8419633" y="1924593"/>
+              <a:ext cx="1267291" cy="422364"/>
+            </a:xfrm>
+            <a:prstGeom prst="flowChartMagneticDisk">
+              <a:avLst/>
+            </a:prstGeom>
+          </p:spPr>
+          <p:style>
+            <a:lnRef idx="2">
+              <a:schemeClr val="accent1">
+                <a:shade val="50000"/>
+              </a:schemeClr>
+            </a:lnRef>
+            <a:fillRef idx="1">
+              <a:schemeClr val="accent1"/>
+            </a:fillRef>
+            <a:effectRef idx="0">
+              <a:schemeClr val="accent1"/>
+            </a:effectRef>
+            <a:fontRef idx="minor">
+              <a:schemeClr val="lt1"/>
+            </a:fontRef>
+          </p:style>
+          <p:txBody>
+            <a:bodyPr rtlCol="0" anchor="ctr"/>
+            <a:lstStyle/>
+            <a:p>
+              <a:pPr algn="ctr"/>
+              <a:endParaRPr lang="en-US"/>
+            </a:p>
+          </p:txBody>
+        </p:sp>
+      </p:grpSp>
+      <p:cxnSp>
+        <p:nvCxnSpPr>
+          <p:cNvPr id="28" name="Straight Arrow Connector 27">
+            <a:extLst>
+              <a:ext uri="{FF2B5EF4-FFF2-40B4-BE49-F238E27FC236}">
+                <a16:creationId xmlns:a16="http://schemas.microsoft.com/office/drawing/2014/main" id="{4A40D186-82D2-4F4E-BCAC-581DA17F7440}"/>
+              </a:ext>
+            </a:extLst>
+          </p:cNvPr>
+          <p:cNvCxnSpPr>
+            <a:cxnSpLocks/>
+            <a:stCxn id="6" idx="3"/>
+            <a:endCxn id="5" idx="1"/>
+          </p:cNvCxnSpPr>
+          <p:nvPr/>
+        </p:nvCxnSpPr>
+        <p:spPr>
+          <a:xfrm flipV="1">
+            <a:off x="4207309" y="1476819"/>
+            <a:ext cx="482252" cy="314941"/>
+          </a:xfrm>
+          <a:prstGeom prst="straightConnector1">
+            <a:avLst/>
+          </a:prstGeom>
+          <a:ln w="19050">
+            <a:headEnd type="triangle"/>
+            <a:tailEnd type="triangle"/>
+          </a:ln>
+        </p:spPr>
+        <p:style>
+          <a:lnRef idx="1">
+            <a:schemeClr val="accent1"/>
+          </a:lnRef>
+          <a:fillRef idx="0">
+            <a:schemeClr val="accent1"/>
+          </a:fillRef>
+          <a:effectRef idx="0">
+            <a:schemeClr val="accent1"/>
+          </a:effectRef>
+          <a:fontRef idx="minor">
+            <a:schemeClr val="tx1"/>
+          </a:fontRef>
+        </p:style>
+      </p:cxnSp>
+      <p:cxnSp>
+        <p:nvCxnSpPr>
+          <p:cNvPr id="35" name="Straight Arrow Connector 34">
+            <a:extLst>
+              <a:ext uri="{FF2B5EF4-FFF2-40B4-BE49-F238E27FC236}">
+                <a16:creationId xmlns:a16="http://schemas.microsoft.com/office/drawing/2014/main" id="{6C7EB421-18A6-4B71-8535-B8DD5682B3EB}"/>
+              </a:ext>
+            </a:extLst>
+          </p:cNvPr>
+          <p:cNvCxnSpPr>
+            <a:cxnSpLocks/>
+            <a:stCxn id="5" idx="3"/>
+            <a:endCxn id="46" idx="1"/>
+          </p:cNvCxnSpPr>
+          <p:nvPr/>
+        </p:nvCxnSpPr>
+        <p:spPr>
+          <a:xfrm flipV="1">
+            <a:off x="6588030" y="1471878"/>
+            <a:ext cx="1714363" cy="4941"/>
+          </a:xfrm>
+          <a:prstGeom prst="straightConnector1">
+            <a:avLst/>
+          </a:prstGeom>
+          <a:ln w="28575">
+            <a:headEnd type="triangle"/>
+            <a:tailEnd type="triangle"/>
+          </a:ln>
+        </p:spPr>
+        <p:style>
+          <a:lnRef idx="1">
+            <a:schemeClr val="accent1"/>
+          </a:lnRef>
+          <a:fillRef idx="0">
+            <a:schemeClr val="accent1"/>
+          </a:fillRef>
+          <a:effectRef idx="0">
+            <a:schemeClr val="accent1"/>
+          </a:effectRef>
+          <a:fontRef idx="minor">
+            <a:schemeClr val="tx1"/>
+          </a:fontRef>
+        </p:style>
+      </p:cxnSp>
+      <p:sp>
+        <p:nvSpPr>
+          <p:cNvPr id="23" name="Rectangle: Rounded Corners 22">
+            <a:extLst>
+              <a:ext uri="{FF2B5EF4-FFF2-40B4-BE49-F238E27FC236}">
+                <a16:creationId xmlns:a16="http://schemas.microsoft.com/office/drawing/2014/main" id="{3F937DEF-4E1B-4B2D-9C2F-192C3E266174}"/>
+              </a:ext>
+            </a:extLst>
+          </p:cNvPr>
+          <p:cNvSpPr/>
+          <p:nvPr/>
+        </p:nvSpPr>
+        <p:spPr>
+          <a:xfrm>
+            <a:off x="6714308" y="812531"/>
+            <a:ext cx="304798" cy="1958459"/>
+          </a:xfrm>
+          <a:prstGeom prst="roundRect">
+            <a:avLst>
+              <a:gd name="adj" fmla="val 19525"/>
+            </a:avLst>
+          </a:prstGeom>
+        </p:spPr>
+        <p:style>
+          <a:lnRef idx="2">
+            <a:schemeClr val="accent2">
+              <a:shade val="50000"/>
+            </a:schemeClr>
+          </a:lnRef>
+          <a:fillRef idx="1">
+            <a:schemeClr val="accent2"/>
+          </a:fillRef>
+          <a:effectRef idx="0">
+            <a:schemeClr val="accent2"/>
+          </a:effectRef>
+          <a:fontRef idx="minor">
+            <a:schemeClr val="lt1"/>
+          </a:fontRef>
+        </p:style>
+        <p:txBody>
+          <a:bodyPr vert="vert270" rtlCol="0" anchor="ctr"/>
+          <a:lstStyle/>
+          <a:p>
+            <a:pPr algn="ctr"/>
+            <a:r>
+              <a:rPr lang="en-US" sz="1400" dirty="0"/>
+              <a:t>Throughput Agent</a:t>
+            </a:r>
+          </a:p>
+        </p:txBody>
+      </p:sp>
+      <p:sp>
+        <p:nvSpPr>
+          <p:cNvPr id="48" name="Rectangle: Rounded Corners 47">
+            <a:extLst>
+              <a:ext uri="{FF2B5EF4-FFF2-40B4-BE49-F238E27FC236}">
+                <a16:creationId xmlns:a16="http://schemas.microsoft.com/office/drawing/2014/main" id="{4A98C281-9CEA-4844-BBEF-E04F9CD25F73}"/>
+              </a:ext>
+            </a:extLst>
+          </p:cNvPr>
+          <p:cNvSpPr/>
+          <p:nvPr/>
+        </p:nvSpPr>
+        <p:spPr>
+          <a:xfrm>
+            <a:off x="934979" y="676509"/>
+            <a:ext cx="1132115" cy="2227765"/>
+          </a:xfrm>
+          <a:prstGeom prst="roundRect">
+            <a:avLst/>
+          </a:prstGeom>
+          <a:solidFill>
+            <a:schemeClr val="tx1"/>
+          </a:solidFill>
+        </p:spPr>
+        <p:style>
+          <a:lnRef idx="2">
+            <a:schemeClr val="accent6">
+              <a:shade val="50000"/>
+            </a:schemeClr>
+          </a:lnRef>
+          <a:fillRef idx="1">
+            <a:schemeClr val="accent6"/>
+          </a:fillRef>
+          <a:effectRef idx="0">
+            <a:schemeClr val="accent6"/>
+          </a:effectRef>
+          <a:fontRef idx="minor">
+            <a:schemeClr val="lt1"/>
+          </a:fontRef>
+        </p:style>
+        <p:txBody>
+          <a:bodyPr rtlCol="0" anchor="ctr"/>
+          <a:lstStyle/>
+          <a:p>
+            <a:pPr algn="ctr"/>
+            <a:endParaRPr lang="en-US" dirty="0"/>
+          </a:p>
+        </p:txBody>
+      </p:sp>
+      <p:cxnSp>
+        <p:nvCxnSpPr>
+          <p:cNvPr id="49" name="Straight Arrow Connector 48">
+            <a:extLst>
+              <a:ext uri="{FF2B5EF4-FFF2-40B4-BE49-F238E27FC236}">
+                <a16:creationId xmlns:a16="http://schemas.microsoft.com/office/drawing/2014/main" id="{5BA3CD71-CDEB-4CA0-9203-EBDBC3F45991}"/>
+              </a:ext>
+            </a:extLst>
+          </p:cNvPr>
+          <p:cNvCxnSpPr>
+            <a:cxnSpLocks/>
+            <a:stCxn id="48" idx="3"/>
+            <a:endCxn id="6" idx="1"/>
+          </p:cNvCxnSpPr>
+          <p:nvPr/>
+        </p:nvCxnSpPr>
+        <p:spPr>
+          <a:xfrm>
+            <a:off x="2067094" y="1790392"/>
+            <a:ext cx="1656889" cy="1368"/>
+          </a:xfrm>
+          <a:prstGeom prst="straightConnector1">
+            <a:avLst/>
+          </a:prstGeom>
+          <a:ln w="19050">
+            <a:headEnd type="triangle"/>
+            <a:tailEnd type="triangle"/>
+          </a:ln>
+        </p:spPr>
+        <p:style>
+          <a:lnRef idx="1">
+            <a:schemeClr val="accent1"/>
+          </a:lnRef>
+          <a:fillRef idx="0">
+            <a:schemeClr val="accent1"/>
+          </a:fillRef>
+          <a:effectRef idx="0">
+            <a:schemeClr val="accent1"/>
+          </a:effectRef>
+          <a:fontRef idx="minor">
+            <a:schemeClr val="tx1"/>
+          </a:fontRef>
+        </p:style>
+      </p:cxnSp>
+      <p:cxnSp>
+        <p:nvCxnSpPr>
+          <p:cNvPr id="58" name="Connector: Elbow 57">
+            <a:extLst>
+              <a:ext uri="{FF2B5EF4-FFF2-40B4-BE49-F238E27FC236}">
+                <a16:creationId xmlns:a16="http://schemas.microsoft.com/office/drawing/2014/main" id="{04FCABEB-B0A6-4027-AEAB-8A94E411EBCC}"/>
+              </a:ext>
+            </a:extLst>
+          </p:cNvPr>
+          <p:cNvCxnSpPr>
+            <a:stCxn id="8" idx="3"/>
+            <a:endCxn id="18" idx="3"/>
+          </p:cNvCxnSpPr>
+          <p:nvPr/>
+        </p:nvCxnSpPr>
+        <p:spPr>
+          <a:xfrm flipV="1">
+            <a:off x="6885216" y="4734556"/>
+            <a:ext cx="1860909" cy="330229"/>
+          </a:xfrm>
+          <a:prstGeom prst="bentConnector2">
+            <a:avLst/>
+          </a:prstGeom>
+          <a:ln w="19050">
+            <a:headEnd type="none" w="med" len="med"/>
+            <a:tailEnd type="triangle" w="med" len="med"/>
+          </a:ln>
+        </p:spPr>
+        <p:style>
+          <a:lnRef idx="1">
+            <a:schemeClr val="accent2"/>
+          </a:lnRef>
+          <a:fillRef idx="0">
+            <a:schemeClr val="accent2"/>
+          </a:fillRef>
+          <a:effectRef idx="0">
+            <a:schemeClr val="accent2"/>
+          </a:effectRef>
+          <a:fontRef idx="minor">
+            <a:schemeClr val="tx1"/>
+          </a:fontRef>
+        </p:style>
+      </p:cxnSp>
+      <p:cxnSp>
+        <p:nvCxnSpPr>
+          <p:cNvPr id="59" name="Connector: Elbow 58">
+            <a:extLst>
+              <a:ext uri="{FF2B5EF4-FFF2-40B4-BE49-F238E27FC236}">
+                <a16:creationId xmlns:a16="http://schemas.microsoft.com/office/drawing/2014/main" id="{BF70E9B4-45E9-44A5-A85B-A7DB9CF36A40}"/>
+              </a:ext>
+            </a:extLst>
+          </p:cNvPr>
+          <p:cNvCxnSpPr>
+            <a:cxnSpLocks/>
+            <a:stCxn id="23" idx="2"/>
+            <a:endCxn id="20" idx="2"/>
+          </p:cNvCxnSpPr>
+          <p:nvPr/>
+        </p:nvCxnSpPr>
+        <p:spPr>
+          <a:xfrm rot="16200000" flipH="1">
+            <a:off x="6955702" y="2681995"/>
+            <a:ext cx="1254802" cy="1432792"/>
+          </a:xfrm>
+          <a:prstGeom prst="bentConnector2">
+            <a:avLst/>
+          </a:prstGeom>
+          <a:ln w="19050">
+            <a:headEnd type="none" w="med" len="med"/>
+            <a:tailEnd type="triangle" w="med" len="med"/>
+          </a:ln>
+        </p:spPr>
+        <p:style>
+          <a:lnRef idx="1">
+            <a:schemeClr val="accent2"/>
+          </a:lnRef>
+          <a:fillRef idx="0">
+            <a:schemeClr val="accent2"/>
+          </a:fillRef>
+          <a:effectRef idx="0">
+            <a:schemeClr val="accent2"/>
+          </a:effectRef>
+          <a:fontRef idx="minor">
+            <a:schemeClr val="tx1"/>
+          </a:fontRef>
+        </p:style>
+      </p:cxnSp>
+      <p:cxnSp>
+        <p:nvCxnSpPr>
+          <p:cNvPr id="62" name="Connector: Elbow 61">
+            <a:extLst>
+              <a:ext uri="{FF2B5EF4-FFF2-40B4-BE49-F238E27FC236}">
+                <a16:creationId xmlns:a16="http://schemas.microsoft.com/office/drawing/2014/main" id="{D18DD777-CE02-4FFA-8908-4A59A531584C}"/>
+              </a:ext>
+            </a:extLst>
+          </p:cNvPr>
+          <p:cNvCxnSpPr>
+            <a:cxnSpLocks/>
+            <a:stCxn id="7" idx="2"/>
+            <a:endCxn id="19" idx="2"/>
+          </p:cNvCxnSpPr>
+          <p:nvPr/>
+        </p:nvCxnSpPr>
+        <p:spPr>
+          <a:xfrm rot="16200000" flipH="1">
+            <a:off x="6207668" y="2213006"/>
+            <a:ext cx="1534940" cy="2650907"/>
+          </a:xfrm>
+          <a:prstGeom prst="bentConnector2">
+            <a:avLst/>
+          </a:prstGeom>
+          <a:ln w="19050">
+            <a:headEnd type="none" w="med" len="med"/>
+            <a:tailEnd type="triangle" w="med" len="med"/>
+          </a:ln>
+        </p:spPr>
+        <p:style>
+          <a:lnRef idx="1">
+            <a:schemeClr val="accent2"/>
+          </a:lnRef>
+          <a:fillRef idx="0">
+            <a:schemeClr val="accent2"/>
+          </a:fillRef>
+          <a:effectRef idx="0">
+            <a:schemeClr val="accent2"/>
+          </a:effectRef>
+          <a:fontRef idx="minor">
+            <a:schemeClr val="tx1"/>
+          </a:fontRef>
+        </p:style>
+      </p:cxnSp>
+      <p:cxnSp>
+        <p:nvCxnSpPr>
+          <p:cNvPr id="65" name="Connector: Elbow 64">
+            <a:extLst>
+              <a:ext uri="{FF2B5EF4-FFF2-40B4-BE49-F238E27FC236}">
+                <a16:creationId xmlns:a16="http://schemas.microsoft.com/office/drawing/2014/main" id="{DD999FF9-6A57-418D-9165-29CA24FCBE7D}"/>
+              </a:ext>
+            </a:extLst>
+          </p:cNvPr>
+          <p:cNvCxnSpPr>
+            <a:cxnSpLocks/>
+            <a:stCxn id="6" idx="2"/>
+            <a:endCxn id="18" idx="2"/>
+          </p:cNvCxnSpPr>
+          <p:nvPr/>
+        </p:nvCxnSpPr>
+        <p:spPr>
+          <a:xfrm rot="16200000" flipH="1">
+            <a:off x="5225580" y="1511055"/>
+            <a:ext cx="1815079" cy="4334946"/>
+          </a:xfrm>
+          <a:prstGeom prst="bentConnector2">
+            <a:avLst/>
+          </a:prstGeom>
+          <a:ln w="19050">
+            <a:headEnd type="none" w="med" len="med"/>
+            <a:tailEnd type="triangle" w="med" len="med"/>
+          </a:ln>
+        </p:spPr>
+        <p:style>
+          <a:lnRef idx="1">
+            <a:schemeClr val="accent2"/>
+          </a:lnRef>
+          <a:fillRef idx="0">
+            <a:schemeClr val="accent2"/>
+          </a:fillRef>
+          <a:effectRef idx="0">
+            <a:schemeClr val="accent2"/>
+          </a:effectRef>
+          <a:fontRef idx="minor">
+            <a:schemeClr val="tx1"/>
+          </a:fontRef>
+        </p:style>
+      </p:cxnSp>
+      <p:cxnSp>
+        <p:nvCxnSpPr>
+          <p:cNvPr id="74" name="Straight Arrow Connector 73">
+            <a:extLst>
+              <a:ext uri="{FF2B5EF4-FFF2-40B4-BE49-F238E27FC236}">
+                <a16:creationId xmlns:a16="http://schemas.microsoft.com/office/drawing/2014/main" id="{84368DE3-B223-44ED-ABF1-A0982EFB14DC}"/>
+              </a:ext>
+            </a:extLst>
+          </p:cNvPr>
+          <p:cNvCxnSpPr>
+            <a:cxnSpLocks/>
+            <a:stCxn id="5" idx="2"/>
+            <a:endCxn id="7" idx="0"/>
+          </p:cNvCxnSpPr>
+          <p:nvPr/>
+        </p:nvCxnSpPr>
+        <p:spPr>
+          <a:xfrm>
+            <a:off x="5638796" y="1810347"/>
+            <a:ext cx="10889" cy="529569"/>
+          </a:xfrm>
+          <a:prstGeom prst="straightConnector1">
+            <a:avLst/>
+          </a:prstGeom>
+          <a:ln w="19050">
+            <a:headEnd type="none" w="med" len="med"/>
+            <a:tailEnd type="triangle" w="med" len="med"/>
+          </a:ln>
+        </p:spPr>
+        <p:style>
+          <a:lnRef idx="1">
+            <a:schemeClr val="accent2"/>
+          </a:lnRef>
+          <a:fillRef idx="0">
+            <a:schemeClr val="accent2"/>
+          </a:fillRef>
+          <a:effectRef idx="0">
+            <a:schemeClr val="accent2"/>
+          </a:effectRef>
+          <a:fontRef idx="minor">
+            <a:schemeClr val="tx1"/>
+          </a:fontRef>
+        </p:style>
+      </p:cxnSp>
+      <p:sp>
+        <p:nvSpPr>
+          <p:cNvPr id="79" name="TextBox 78">
+            <a:extLst>
+              <a:ext uri="{FF2B5EF4-FFF2-40B4-BE49-F238E27FC236}">
+                <a16:creationId xmlns:a16="http://schemas.microsoft.com/office/drawing/2014/main" id="{FD279F36-EF42-4778-B433-8D239109D320}"/>
+              </a:ext>
+            </a:extLst>
+          </p:cNvPr>
+          <p:cNvSpPr txBox="1"/>
+          <p:nvPr/>
+        </p:nvSpPr>
+        <p:spPr>
+          <a:xfrm>
+            <a:off x="4036256" y="4365224"/>
+            <a:ext cx="1628504" cy="369332"/>
+          </a:xfrm>
+          <a:prstGeom prst="rect">
+            <a:avLst/>
+          </a:prstGeom>
+          <a:solidFill>
+            <a:schemeClr val="bg1"/>
+          </a:solidFill>
+          <a:ln>
+            <a:solidFill>
+              <a:schemeClr val="tx1"/>
+            </a:solidFill>
+          </a:ln>
+        </p:spPr>
+        <p:txBody>
+          <a:bodyPr wrap="square" rtlCol="0">
+            <a:spAutoFit/>
+          </a:bodyPr>
+          <a:lstStyle/>
+          <a:p>
+            <a:r>
+              <a:rPr lang="en-US" sz="900" dirty="0"/>
+              <a:t>Request Time, Unique ID per Request, Request, Status</a:t>
+            </a:r>
+          </a:p>
+        </p:txBody>
+      </p:sp>
+      <p:sp>
+        <p:nvSpPr>
+          <p:cNvPr id="80" name="TextBox 79">
+            <a:extLst>
+              <a:ext uri="{FF2B5EF4-FFF2-40B4-BE49-F238E27FC236}">
+                <a16:creationId xmlns:a16="http://schemas.microsoft.com/office/drawing/2014/main" id="{EB27DBAE-1231-4B0E-B50B-9E0AD9AC08D5}"/>
+              </a:ext>
+            </a:extLst>
+          </p:cNvPr>
+          <p:cNvSpPr txBox="1"/>
+          <p:nvPr/>
+        </p:nvSpPr>
+        <p:spPr>
+          <a:xfrm>
+            <a:off x="5900056" y="4181650"/>
+            <a:ext cx="1628504" cy="246221"/>
+          </a:xfrm>
+          <a:prstGeom prst="rect">
+            <a:avLst/>
+          </a:prstGeom>
+          <a:solidFill>
+            <a:schemeClr val="bg1"/>
+          </a:solidFill>
+          <a:ln>
+            <a:solidFill>
+              <a:schemeClr val="tx1"/>
+            </a:solidFill>
+          </a:ln>
+        </p:spPr>
+        <p:txBody>
+          <a:bodyPr wrap="square" rtlCol="0">
+            <a:spAutoFit/>
+          </a:bodyPr>
+          <a:lstStyle/>
+          <a:p>
+            <a:r>
+              <a:rPr lang="en-US" sz="1000" dirty="0"/>
+              <a:t>Logs, Heartbeat, </a:t>
+            </a:r>
+          </a:p>
+        </p:txBody>
+      </p:sp>
+      <p:sp>
+        <p:nvSpPr>
+          <p:cNvPr id="81" name="TextBox 80">
+            <a:extLst>
+              <a:ext uri="{FF2B5EF4-FFF2-40B4-BE49-F238E27FC236}">
+                <a16:creationId xmlns:a16="http://schemas.microsoft.com/office/drawing/2014/main" id="{01C6BAA1-80E8-4B84-9FD4-CD3A4A74152F}"/>
+              </a:ext>
+            </a:extLst>
+          </p:cNvPr>
+          <p:cNvSpPr txBox="1"/>
+          <p:nvPr/>
+        </p:nvSpPr>
+        <p:spPr>
+          <a:xfrm>
+            <a:off x="7003130" y="3907871"/>
+            <a:ext cx="1147356" cy="215444"/>
+          </a:xfrm>
+          <a:prstGeom prst="rect">
+            <a:avLst/>
+          </a:prstGeom>
+          <a:solidFill>
+            <a:schemeClr val="bg1"/>
+          </a:solidFill>
+          <a:ln>
+            <a:solidFill>
+              <a:schemeClr val="tx1"/>
+            </a:solidFill>
+          </a:ln>
+        </p:spPr>
+        <p:txBody>
+          <a:bodyPr wrap="square" rtlCol="0">
+            <a:spAutoFit/>
+          </a:bodyPr>
+          <a:lstStyle/>
+          <a:p>
+            <a:r>
+              <a:rPr lang="en-US" sz="800" dirty="0"/>
+              <a:t>Throughput per </a:t>
+            </a:r>
+            <a:r>
+              <a:rPr lang="en-US" sz="800" dirty="0" err="1"/>
+              <a:t>IP:Port</a:t>
+            </a:r>
+            <a:endParaRPr lang="en-US" sz="800" dirty="0"/>
+          </a:p>
+        </p:txBody>
+      </p:sp>
+      <p:sp>
+        <p:nvSpPr>
+          <p:cNvPr id="84" name="TextBox 83">
+            <a:extLst>
+              <a:ext uri="{FF2B5EF4-FFF2-40B4-BE49-F238E27FC236}">
+                <a16:creationId xmlns:a16="http://schemas.microsoft.com/office/drawing/2014/main" id="{837251C5-4FB3-4267-A362-16C50B8642A2}"/>
+              </a:ext>
+            </a:extLst>
+          </p:cNvPr>
+          <p:cNvSpPr txBox="1"/>
+          <p:nvPr/>
+        </p:nvSpPr>
+        <p:spPr>
+          <a:xfrm>
+            <a:off x="5091082" y="1854782"/>
+            <a:ext cx="1147356" cy="461665"/>
+          </a:xfrm>
+          <a:prstGeom prst="rect">
+            <a:avLst/>
+          </a:prstGeom>
+          <a:solidFill>
+            <a:schemeClr val="bg1"/>
+          </a:solidFill>
+          <a:ln>
+            <a:solidFill>
+              <a:schemeClr val="tx1"/>
+            </a:solidFill>
+          </a:ln>
+        </p:spPr>
+        <p:txBody>
+          <a:bodyPr wrap="square" rtlCol="0">
+            <a:spAutoFit/>
+          </a:bodyPr>
+          <a:lstStyle/>
+          <a:p>
+            <a:r>
+              <a:rPr lang="en-US" sz="800" dirty="0"/>
+              <a:t>Log Messages &amp; Monitoring Information</a:t>
+            </a:r>
+          </a:p>
+        </p:txBody>
+      </p:sp>
+      <p:sp>
+        <p:nvSpPr>
+          <p:cNvPr id="85" name="TextBox 84">
+            <a:extLst>
+              <a:ext uri="{FF2B5EF4-FFF2-40B4-BE49-F238E27FC236}">
+                <a16:creationId xmlns:a16="http://schemas.microsoft.com/office/drawing/2014/main" id="{E32049F7-B39F-47CC-AC0C-4B91A8EE70AD}"/>
+              </a:ext>
+            </a:extLst>
+          </p:cNvPr>
+          <p:cNvSpPr txBox="1"/>
+          <p:nvPr/>
+        </p:nvSpPr>
+        <p:spPr>
+          <a:xfrm>
+            <a:off x="4532644" y="567288"/>
+            <a:ext cx="1147356" cy="553998"/>
+          </a:xfrm>
+          <a:prstGeom prst="rect">
+            <a:avLst/>
+          </a:prstGeom>
+          <a:solidFill>
+            <a:schemeClr val="bg1"/>
+          </a:solidFill>
+          <a:ln>
+            <a:solidFill>
+              <a:schemeClr val="tx1"/>
+            </a:solidFill>
+          </a:ln>
+        </p:spPr>
+        <p:txBody>
+          <a:bodyPr wrap="square" rtlCol="0">
+            <a:spAutoFit/>
+          </a:bodyPr>
+          <a:lstStyle/>
+          <a:p>
+            <a:r>
+              <a:rPr lang="en-US" sz="1000" dirty="0"/>
+              <a:t>Unique Request ID + Forwarded Request</a:t>
+            </a:r>
+          </a:p>
+        </p:txBody>
+      </p:sp>
+      <p:sp>
+        <p:nvSpPr>
+          <p:cNvPr id="87" name="TextBox 86">
+            <a:extLst>
+              <a:ext uri="{FF2B5EF4-FFF2-40B4-BE49-F238E27FC236}">
+                <a16:creationId xmlns:a16="http://schemas.microsoft.com/office/drawing/2014/main" id="{99434612-5F6C-4DCD-9C2C-BD2FAED31094}"/>
+              </a:ext>
+            </a:extLst>
+          </p:cNvPr>
+          <p:cNvSpPr txBox="1"/>
+          <p:nvPr/>
+        </p:nvSpPr>
+        <p:spPr>
+          <a:xfrm>
+            <a:off x="7186166" y="4916961"/>
+            <a:ext cx="1307827" cy="230832"/>
+          </a:xfrm>
+          <a:prstGeom prst="rect">
+            <a:avLst/>
+          </a:prstGeom>
+          <a:solidFill>
+            <a:schemeClr val="bg1"/>
+          </a:solidFill>
+          <a:ln>
+            <a:solidFill>
+              <a:schemeClr val="tx1"/>
+            </a:solidFill>
+          </a:ln>
+        </p:spPr>
+        <p:txBody>
+          <a:bodyPr wrap="square" rtlCol="0">
+            <a:spAutoFit/>
+          </a:bodyPr>
+          <a:lstStyle/>
+          <a:p>
+            <a:r>
+              <a:rPr lang="en-US" sz="900" dirty="0"/>
+              <a:t>CPU, MEM, Network</a:t>
+            </a:r>
+          </a:p>
+        </p:txBody>
+      </p:sp>
+      <p:cxnSp>
+        <p:nvCxnSpPr>
+          <p:cNvPr id="89" name="Straight Connector 88">
+            <a:extLst>
+              <a:ext uri="{FF2B5EF4-FFF2-40B4-BE49-F238E27FC236}">
+                <a16:creationId xmlns:a16="http://schemas.microsoft.com/office/drawing/2014/main" id="{07AFB073-E619-4C68-A35E-8B885A6F2FF7}"/>
+              </a:ext>
+            </a:extLst>
+          </p:cNvPr>
+          <p:cNvCxnSpPr>
+            <a:cxnSpLocks/>
+            <a:stCxn id="85" idx="1"/>
+          </p:cNvCxnSpPr>
+          <p:nvPr/>
+        </p:nvCxnSpPr>
+        <p:spPr>
+          <a:xfrm flipH="1">
+            <a:off x="4415246" y="844287"/>
+            <a:ext cx="117398" cy="787980"/>
+          </a:xfrm>
+          <a:prstGeom prst="line">
+            <a:avLst/>
+          </a:prstGeom>
+        </p:spPr>
+        <p:style>
+          <a:lnRef idx="1">
+            <a:schemeClr val="accent1"/>
+          </a:lnRef>
+          <a:fillRef idx="0">
+            <a:schemeClr val="accent1"/>
+          </a:fillRef>
+          <a:effectRef idx="0">
+            <a:schemeClr val="accent1"/>
+          </a:effectRef>
+          <a:fontRef idx="minor">
+            <a:schemeClr val="tx1"/>
+          </a:fontRef>
+        </p:style>
+      </p:cxnSp>
+      <p:sp>
+        <p:nvSpPr>
+          <p:cNvPr id="2" name="Rectangle 1">
+            <a:extLst>
+              <a:ext uri="{FF2B5EF4-FFF2-40B4-BE49-F238E27FC236}">
+                <a16:creationId xmlns:a16="http://schemas.microsoft.com/office/drawing/2014/main" id="{62DD10FE-61F7-43EF-9134-1DC131BE6173}"/>
+              </a:ext>
+            </a:extLst>
+          </p:cNvPr>
+          <p:cNvSpPr/>
+          <p:nvPr/>
+        </p:nvSpPr>
+        <p:spPr>
+          <a:xfrm>
+            <a:off x="8299499" y="2981074"/>
+            <a:ext cx="891065" cy="695307"/>
+          </a:xfrm>
+          <a:prstGeom prst="rect">
+            <a:avLst/>
+          </a:prstGeom>
+        </p:spPr>
+        <p:style>
+          <a:lnRef idx="2">
+            <a:schemeClr val="accent1">
+              <a:shade val="50000"/>
+            </a:schemeClr>
+          </a:lnRef>
+          <a:fillRef idx="1">
+            <a:schemeClr val="accent1"/>
+          </a:fillRef>
+          <a:effectRef idx="0">
+            <a:schemeClr val="accent1"/>
+          </a:effectRef>
+          <a:fontRef idx="minor">
+            <a:schemeClr val="lt1"/>
+          </a:fontRef>
+        </p:style>
+        <p:txBody>
+          <a:bodyPr rtlCol="0" anchor="ctr"/>
+          <a:lstStyle/>
+          <a:p>
+            <a:pPr algn="ctr"/>
+            <a:r>
+              <a:rPr lang="en-US" dirty="0" err="1"/>
+              <a:t>Zipkin</a:t>
+            </a:r>
+            <a:endParaRPr lang="de-DE" dirty="0"/>
+          </a:p>
+        </p:txBody>
+      </p:sp>
+      <p:cxnSp>
+        <p:nvCxnSpPr>
+          <p:cNvPr id="45" name="Connector: Elbow 44">
+            <a:extLst>
+              <a:ext uri="{FF2B5EF4-FFF2-40B4-BE49-F238E27FC236}">
+                <a16:creationId xmlns:a16="http://schemas.microsoft.com/office/drawing/2014/main" id="{74262329-3019-41F5-A6F4-E043525D9FB8}"/>
+              </a:ext>
+            </a:extLst>
+          </p:cNvPr>
+          <p:cNvCxnSpPr>
+            <a:cxnSpLocks/>
+            <a:stCxn id="6" idx="2"/>
+          </p:cNvCxnSpPr>
+          <p:nvPr/>
+        </p:nvCxnSpPr>
+        <p:spPr>
+          <a:xfrm rot="16200000" flipH="1">
+            <a:off x="5753575" y="983060"/>
+            <a:ext cx="756904" cy="4332762"/>
+          </a:xfrm>
+          <a:prstGeom prst="bentConnector2">
+            <a:avLst/>
+          </a:prstGeom>
+          <a:ln w="19050">
+            <a:solidFill>
+              <a:schemeClr val="accent6"/>
+            </a:solidFill>
+            <a:headEnd type="none" w="med" len="med"/>
+            <a:tailEnd type="triangle" w="med" len="med"/>
+          </a:ln>
+        </p:spPr>
+        <p:style>
+          <a:lnRef idx="1">
+            <a:schemeClr val="accent2"/>
+          </a:lnRef>
+          <a:fillRef idx="0">
+            <a:schemeClr val="accent2"/>
+          </a:fillRef>
+          <a:effectRef idx="0">
+            <a:schemeClr val="accent2"/>
+          </a:effectRef>
+          <a:fontRef idx="minor">
+            <a:schemeClr val="tx1"/>
+          </a:fontRef>
+        </p:style>
+      </p:cxnSp>
+      <p:sp>
+        <p:nvSpPr>
+          <p:cNvPr id="53" name="TextBox 52">
+            <a:extLst>
+              <a:ext uri="{FF2B5EF4-FFF2-40B4-BE49-F238E27FC236}">
+                <a16:creationId xmlns:a16="http://schemas.microsoft.com/office/drawing/2014/main" id="{70548A77-4F48-4E82-B2ED-B06354262D3E}"/>
+              </a:ext>
+            </a:extLst>
+          </p:cNvPr>
+          <p:cNvSpPr txBox="1"/>
+          <p:nvPr/>
+        </p:nvSpPr>
+        <p:spPr>
+          <a:xfrm>
+            <a:off x="4058023" y="3407511"/>
+            <a:ext cx="1362886" cy="246221"/>
+          </a:xfrm>
+          <a:prstGeom prst="rect">
+            <a:avLst/>
+          </a:prstGeom>
+          <a:solidFill>
+            <a:schemeClr val="bg1"/>
+          </a:solidFill>
+          <a:ln>
+            <a:solidFill>
+              <a:schemeClr val="tx1"/>
+            </a:solidFill>
+          </a:ln>
+        </p:spPr>
+        <p:txBody>
+          <a:bodyPr wrap="square" rtlCol="0">
+            <a:spAutoFit/>
+          </a:bodyPr>
+          <a:lstStyle/>
+          <a:p>
+            <a:r>
+              <a:rPr lang="en-US" sz="1000" dirty="0"/>
+              <a:t>Trace</a:t>
+            </a:r>
+          </a:p>
+        </p:txBody>
+      </p:sp>
+      <p:cxnSp>
+        <p:nvCxnSpPr>
+          <p:cNvPr id="44" name="Connector: Elbow 43">
+            <a:extLst>
+              <a:ext uri="{FF2B5EF4-FFF2-40B4-BE49-F238E27FC236}">
+                <a16:creationId xmlns:a16="http://schemas.microsoft.com/office/drawing/2014/main" id="{D7C1E025-F89D-47B2-ACF9-050C6A92BBD3}"/>
+              </a:ext>
+            </a:extLst>
+          </p:cNvPr>
+          <p:cNvCxnSpPr>
+            <a:cxnSpLocks/>
+            <a:stCxn id="2" idx="2"/>
+            <a:endCxn id="20" idx="1"/>
+          </p:cNvCxnSpPr>
+          <p:nvPr/>
+        </p:nvCxnSpPr>
+        <p:spPr>
+          <a:xfrm rot="5400000">
+            <a:off x="8644571" y="3776842"/>
+            <a:ext cx="200923" cy="12700"/>
+          </a:xfrm>
+          <a:prstGeom prst="bentConnector3">
+            <a:avLst>
+              <a:gd name="adj1" fmla="val 84674"/>
+            </a:avLst>
+          </a:prstGeom>
+          <a:ln w="19050">
+            <a:solidFill>
+              <a:schemeClr val="accent6"/>
+            </a:solidFill>
+            <a:headEnd type="none" w="med" len="med"/>
+            <a:tailEnd type="triangle" w="med" len="med"/>
+          </a:ln>
+        </p:spPr>
+        <p:style>
+          <a:lnRef idx="1">
+            <a:schemeClr val="accent2"/>
+          </a:lnRef>
+          <a:fillRef idx="0">
+            <a:schemeClr val="accent2"/>
+          </a:fillRef>
+          <a:effectRef idx="0">
+            <a:schemeClr val="accent2"/>
+          </a:effectRef>
+          <a:fontRef idx="minor">
+            <a:schemeClr val="tx1"/>
+          </a:fontRef>
+        </p:style>
+      </p:cxnSp>
+    </p:spTree>
+    <p:extLst>
+      <p:ext uri="{BB962C8B-B14F-4D97-AF65-F5344CB8AC3E}">
+        <p14:creationId xmlns:p14="http://schemas.microsoft.com/office/powerpoint/2010/main" val="4244310846"/>
+      </p:ext>
+    </p:extLst>
+  </p:cSld>
+  <p:clrMapOvr>
+    <a:masterClrMapping/>
+  </p:clrMapOvr>
+</p:sld>
+</file>
+
+<file path=ppt/slides/slide3.xml><?xml version="1.0" encoding="utf-8"?>
+<p:sld xmlns:a="http://schemas.openxmlformats.org/drawingml/2006/main" xmlns:r="http://schemas.openxmlformats.org/officeDocument/2006/relationships" xmlns:p="http://schemas.openxmlformats.org/presentationml/2006/main">
+  <p:cSld>
+    <p:spTree>
+      <p:nvGrpSpPr>
+        <p:cNvPr id="1" name=""/>
+        <p:cNvGrpSpPr/>
+        <p:nvPr/>
+      </p:nvGrpSpPr>
+      <p:grpSpPr>
+        <a:xfrm>
+          <a:off x="0" y="0"/>
+          <a:ext cx="0" cy="0"/>
+          <a:chOff x="0" y="0"/>
+          <a:chExt cx="0" cy="0"/>
+        </a:xfrm>
+      </p:grpSpPr>
+      <p:sp>
+        <p:nvSpPr>
+          <p:cNvPr id="22" name="Rectangle: Rounded Corners 21">
+            <a:extLst>
+              <a:ext uri="{FF2B5EF4-FFF2-40B4-BE49-F238E27FC236}">
+                <a16:creationId xmlns:a16="http://schemas.microsoft.com/office/drawing/2014/main" id="{D32B0191-6D32-49AC-BDC7-C6C9EDB74AFF}"/>
+              </a:ext>
+            </a:extLst>
+          </p:cNvPr>
+          <p:cNvSpPr/>
+          <p:nvPr/>
+        </p:nvSpPr>
+        <p:spPr>
+          <a:xfrm>
+            <a:off x="3631475" y="676510"/>
+            <a:ext cx="3503022" cy="2227765"/>
+          </a:xfrm>
+          <a:prstGeom prst="roundRect">
+            <a:avLst>
+              <a:gd name="adj" fmla="val 4589"/>
+            </a:avLst>
+          </a:prstGeom>
+        </p:spPr>
+        <p:style>
+          <a:lnRef idx="2">
+            <a:schemeClr val="dk1"/>
+          </a:lnRef>
+          <a:fillRef idx="1">
+            <a:schemeClr val="lt1"/>
+          </a:fillRef>
+          <a:effectRef idx="0">
+            <a:schemeClr val="dk1"/>
+          </a:effectRef>
+          <a:fontRef idx="minor">
+            <a:schemeClr val="dk1"/>
+          </a:fontRef>
+        </p:style>
+        <p:txBody>
+          <a:bodyPr rtlCol="0" anchor="ctr"/>
+          <a:lstStyle/>
+          <a:p>
+            <a:pPr algn="ctr"/>
+            <a:endParaRPr lang="en-US"/>
+          </a:p>
+        </p:txBody>
+      </p:sp>
+      <p:sp>
+        <p:nvSpPr>
+          <p:cNvPr id="4" name="Rectangle: Rounded Corners 3">
+            <a:extLst>
+              <a:ext uri="{FF2B5EF4-FFF2-40B4-BE49-F238E27FC236}">
+                <a16:creationId xmlns:a16="http://schemas.microsoft.com/office/drawing/2014/main" id="{862F6BA3-892C-4CFF-A986-7EE83899BA31}"/>
+              </a:ext>
+            </a:extLst>
+          </p:cNvPr>
+          <p:cNvSpPr/>
+          <p:nvPr/>
+        </p:nvSpPr>
+        <p:spPr>
+          <a:xfrm>
+            <a:off x="950301" y="1632267"/>
+            <a:ext cx="1132115" cy="672373"/>
+          </a:xfrm>
+          <a:prstGeom prst="roundRect">
+            <a:avLst/>
+          </a:prstGeom>
+        </p:spPr>
+        <p:style>
+          <a:lnRef idx="2">
+            <a:schemeClr val="accent6">
+              <a:shade val="50000"/>
+            </a:schemeClr>
+          </a:lnRef>
+          <a:fillRef idx="1">
+            <a:schemeClr val="accent6"/>
+          </a:fillRef>
+          <a:effectRef idx="0">
+            <a:schemeClr val="accent6"/>
+          </a:effectRef>
+          <a:fontRef idx="minor">
+            <a:schemeClr val="lt1"/>
+          </a:fontRef>
+        </p:style>
+        <p:txBody>
+          <a:bodyPr rtlCol="0" anchor="ctr"/>
+          <a:lstStyle/>
+          <a:p>
+            <a:pPr algn="ctr"/>
+            <a:r>
+              <a:rPr lang="en-US" dirty="0"/>
+              <a:t>App 2</a:t>
+            </a:r>
+          </a:p>
+        </p:txBody>
+      </p:sp>
+      <p:sp>
+        <p:nvSpPr>
+          <p:cNvPr id="5" name="Rectangle: Rounded Corners 4">
+            <a:extLst>
+              <a:ext uri="{FF2B5EF4-FFF2-40B4-BE49-F238E27FC236}">
+                <a16:creationId xmlns:a16="http://schemas.microsoft.com/office/drawing/2014/main" id="{87A1A800-6129-4AD9-8644-94AC6735C8F7}"/>
+              </a:ext>
+            </a:extLst>
+          </p:cNvPr>
+          <p:cNvSpPr/>
+          <p:nvPr/>
+        </p:nvSpPr>
+        <p:spPr>
+          <a:xfrm>
+            <a:off x="4689561" y="1143290"/>
+            <a:ext cx="1898469" cy="667057"/>
+          </a:xfrm>
+          <a:prstGeom prst="roundRect">
+            <a:avLst>
+              <a:gd name="adj" fmla="val 6988"/>
+            </a:avLst>
+          </a:prstGeom>
+        </p:spPr>
+        <p:style>
+          <a:lnRef idx="2">
+            <a:schemeClr val="accent5">
+              <a:shade val="50000"/>
+            </a:schemeClr>
+          </a:lnRef>
+          <a:fillRef idx="1">
+            <a:schemeClr val="accent5"/>
+          </a:fillRef>
+          <a:effectRef idx="0">
+            <a:schemeClr val="accent5"/>
+          </a:effectRef>
+          <a:fontRef idx="minor">
+            <a:schemeClr val="lt1"/>
+          </a:fontRef>
+        </p:style>
+        <p:txBody>
+          <a:bodyPr rtlCol="0" anchor="ctr"/>
+          <a:lstStyle/>
+          <a:p>
+            <a:pPr algn="ctr"/>
             <a:r>
               <a:rPr lang="en-US" dirty="0"/>
               <a:t>VDC</a:t>
@@ -4647,7 +6071,7 @@
         <p:spPr>
           <a:xfrm>
             <a:off x="3723983" y="812531"/>
-            <a:ext cx="483326" cy="1545772"/>
+            <a:ext cx="483326" cy="1958458"/>
           </a:xfrm>
           <a:prstGeom prst="roundRect">
             <a:avLst/>
@@ -5282,6 +6706,7 @@
             </a:extLst>
           </p:cNvPr>
           <p:cNvCxnSpPr>
+            <a:cxnSpLocks/>
             <a:stCxn id="4" idx="3"/>
             <a:endCxn id="6" idx="1"/>
           </p:cNvCxnSpPr>
@@ -5289,8 +6714,8 @@
         </p:nvCxnSpPr>
         <p:spPr>
           <a:xfrm flipV="1">
-            <a:off x="2082416" y="1585417"/>
-            <a:ext cx="1641567" cy="383037"/>
+            <a:off x="2082416" y="1791760"/>
+            <a:ext cx="1641567" cy="176694"/>
           </a:xfrm>
           <a:prstGeom prst="straightConnector1">
             <a:avLst/>
@@ -5332,9 +6757,9 @@
           <p:nvPr/>
         </p:nvCxnSpPr>
         <p:spPr>
-          <a:xfrm>
-            <a:off x="4207309" y="1585417"/>
-            <a:ext cx="482252" cy="0"/>
+          <a:xfrm flipV="1">
+            <a:off x="4207309" y="1476819"/>
+            <a:ext cx="482252" cy="314941"/>
           </a:xfrm>
           <a:prstGeom prst="straightConnector1">
             <a:avLst/>
@@ -5378,7 +6803,7 @@
         <p:spPr>
           <a:xfrm flipV="1">
             <a:off x="6588030" y="1015594"/>
-            <a:ext cx="1712019" cy="569823"/>
+            <a:ext cx="1712019" cy="461225"/>
           </a:xfrm>
           <a:prstGeom prst="straightConnector1">
             <a:avLst/>
@@ -5421,8 +6846,8 @@
         </p:nvCxnSpPr>
         <p:spPr>
           <a:xfrm>
-            <a:off x="6588030" y="1585417"/>
-            <a:ext cx="1712018" cy="319842"/>
+            <a:off x="6588030" y="1476819"/>
+            <a:ext cx="1712018" cy="428440"/>
           </a:xfrm>
           <a:prstGeom prst="straightConnector1">
             <a:avLst/>
@@ -5461,8 +6886,8 @@
         </p:nvSpPr>
         <p:spPr>
           <a:xfrm>
-            <a:off x="6714308" y="1306911"/>
-            <a:ext cx="304798" cy="1464079"/>
+            <a:off x="6714308" y="812531"/>
+            <a:ext cx="304798" cy="1958459"/>
           </a:xfrm>
           <a:prstGeom prst="roundRect">
             <a:avLst>
@@ -5566,7 +6991,7 @@
         <p:spPr>
           <a:xfrm>
             <a:off x="2082416" y="959894"/>
-            <a:ext cx="1641567" cy="625523"/>
+            <a:ext cx="1641567" cy="831866"/>
           </a:xfrm>
           <a:prstGeom prst="straightConnector1">
             <a:avLst/>
@@ -5740,8 +7165,8 @@
         </p:nvCxnSpPr>
         <p:spPr>
           <a:xfrm rot="16200000" flipH="1">
-            <a:off x="5019237" y="1304712"/>
-            <a:ext cx="2227765" cy="4334946"/>
+            <a:off x="5225580" y="1511055"/>
+            <a:ext cx="1815079" cy="4334946"/>
           </a:xfrm>
           <a:prstGeom prst="bentConnector2">
             <a:avLst/>
@@ -6084,8 +7509,8 @@
         </p:nvCxnSpPr>
         <p:spPr>
           <a:xfrm flipH="1">
-            <a:off x="4437013" y="844287"/>
-            <a:ext cx="95631" cy="741130"/>
+            <a:off x="4415246" y="844287"/>
+            <a:ext cx="117398" cy="787980"/>
           </a:xfrm>
           <a:prstGeom prst="line">
             <a:avLst/>
@@ -6220,8 +7645,8 @@
         </p:nvCxnSpPr>
         <p:spPr>
           <a:xfrm rot="16200000" flipH="1">
-            <a:off x="5547232" y="776717"/>
-            <a:ext cx="1169590" cy="4332762"/>
+            <a:off x="5753575" y="983060"/>
+            <a:ext cx="756904" cy="4332762"/>
           </a:xfrm>
           <a:prstGeom prst="bentConnector2">
             <a:avLst/>
@@ -6386,6 +7811,2549 @@
     <p:extLst>
       <p:ext uri="{BB962C8B-B14F-4D97-AF65-F5344CB8AC3E}">
         <p14:creationId xmlns:p14="http://schemas.microsoft.com/office/powerpoint/2010/main" val="2215636520"/>
+      </p:ext>
+    </p:extLst>
+  </p:cSld>
+  <p:clrMapOvr>
+    <a:masterClrMapping/>
+  </p:clrMapOvr>
+</p:sld>
+</file>
+
+<file path=ppt/slides/slide4.xml><?xml version="1.0" encoding="utf-8"?>
+<p:sld xmlns:a="http://schemas.openxmlformats.org/drawingml/2006/main" xmlns:r="http://schemas.openxmlformats.org/officeDocument/2006/relationships" xmlns:p="http://schemas.openxmlformats.org/presentationml/2006/main">
+  <p:cSld>
+    <p:spTree>
+      <p:nvGrpSpPr>
+        <p:cNvPr id="1" name=""/>
+        <p:cNvGrpSpPr/>
+        <p:nvPr/>
+      </p:nvGrpSpPr>
+      <p:grpSpPr>
+        <a:xfrm>
+          <a:off x="0" y="0"/>
+          <a:ext cx="0" cy="0"/>
+          <a:chOff x="0" y="0"/>
+          <a:chExt cx="0" cy="0"/>
+        </a:xfrm>
+      </p:grpSpPr>
+      <p:sp>
+        <p:nvSpPr>
+          <p:cNvPr id="22" name="Rectangle: Rounded Corners 21">
+            <a:extLst>
+              <a:ext uri="{FF2B5EF4-FFF2-40B4-BE49-F238E27FC236}">
+                <a16:creationId xmlns:a16="http://schemas.microsoft.com/office/drawing/2014/main" id="{D32B0191-6D32-49AC-BDC7-C6C9EDB74AFF}"/>
+              </a:ext>
+            </a:extLst>
+          </p:cNvPr>
+          <p:cNvSpPr/>
+          <p:nvPr/>
+        </p:nvSpPr>
+        <p:spPr>
+          <a:xfrm>
+            <a:off x="3631475" y="676510"/>
+            <a:ext cx="3503022" cy="3277215"/>
+          </a:xfrm>
+          <a:prstGeom prst="roundRect">
+            <a:avLst>
+              <a:gd name="adj" fmla="val 4589"/>
+            </a:avLst>
+          </a:prstGeom>
+        </p:spPr>
+        <p:style>
+          <a:lnRef idx="2">
+            <a:schemeClr val="dk1"/>
+          </a:lnRef>
+          <a:fillRef idx="1">
+            <a:schemeClr val="lt1"/>
+          </a:fillRef>
+          <a:effectRef idx="0">
+            <a:schemeClr val="dk1"/>
+          </a:effectRef>
+          <a:fontRef idx="minor">
+            <a:schemeClr val="dk1"/>
+          </a:fontRef>
+        </p:style>
+        <p:txBody>
+          <a:bodyPr rtlCol="0" anchor="ctr"/>
+          <a:lstStyle/>
+          <a:p>
+            <a:pPr algn="ctr"/>
+            <a:endParaRPr lang="en-US"/>
+          </a:p>
+        </p:txBody>
+      </p:sp>
+      <p:sp>
+        <p:nvSpPr>
+          <p:cNvPr id="4" name="Rectangle: Rounded Corners 3">
+            <a:extLst>
+              <a:ext uri="{FF2B5EF4-FFF2-40B4-BE49-F238E27FC236}">
+                <a16:creationId xmlns:a16="http://schemas.microsoft.com/office/drawing/2014/main" id="{862F6BA3-892C-4CFF-A986-7EE83899BA31}"/>
+              </a:ext>
+            </a:extLst>
+          </p:cNvPr>
+          <p:cNvSpPr/>
+          <p:nvPr/>
+        </p:nvSpPr>
+        <p:spPr>
+          <a:xfrm>
+            <a:off x="950301" y="1632267"/>
+            <a:ext cx="1132115" cy="672373"/>
+          </a:xfrm>
+          <a:prstGeom prst="roundRect">
+            <a:avLst/>
+          </a:prstGeom>
+        </p:spPr>
+        <p:style>
+          <a:lnRef idx="2">
+            <a:schemeClr val="accent6">
+              <a:shade val="50000"/>
+            </a:schemeClr>
+          </a:lnRef>
+          <a:fillRef idx="1">
+            <a:schemeClr val="accent6"/>
+          </a:fillRef>
+          <a:effectRef idx="0">
+            <a:schemeClr val="accent6"/>
+          </a:effectRef>
+          <a:fontRef idx="minor">
+            <a:schemeClr val="lt1"/>
+          </a:fontRef>
+        </p:style>
+        <p:txBody>
+          <a:bodyPr rtlCol="0" anchor="ctr"/>
+          <a:lstStyle/>
+          <a:p>
+            <a:pPr algn="ctr"/>
+            <a:r>
+              <a:rPr lang="en-US" dirty="0"/>
+              <a:t>App 2</a:t>
+            </a:r>
+          </a:p>
+        </p:txBody>
+      </p:sp>
+      <p:sp>
+        <p:nvSpPr>
+          <p:cNvPr id="5" name="Rectangle: Rounded Corners 4">
+            <a:extLst>
+              <a:ext uri="{FF2B5EF4-FFF2-40B4-BE49-F238E27FC236}">
+                <a16:creationId xmlns:a16="http://schemas.microsoft.com/office/drawing/2014/main" id="{87A1A800-6129-4AD9-8644-94AC6735C8F7}"/>
+              </a:ext>
+            </a:extLst>
+          </p:cNvPr>
+          <p:cNvSpPr/>
+          <p:nvPr/>
+        </p:nvSpPr>
+        <p:spPr>
+          <a:xfrm>
+            <a:off x="4710339" y="1179621"/>
+            <a:ext cx="1898469" cy="1489935"/>
+          </a:xfrm>
+          <a:prstGeom prst="roundRect">
+            <a:avLst>
+              <a:gd name="adj" fmla="val 6988"/>
+            </a:avLst>
+          </a:prstGeom>
+        </p:spPr>
+        <p:style>
+          <a:lnRef idx="2">
+            <a:schemeClr val="accent5">
+              <a:shade val="50000"/>
+            </a:schemeClr>
+          </a:lnRef>
+          <a:fillRef idx="1">
+            <a:schemeClr val="accent5"/>
+          </a:fillRef>
+          <a:effectRef idx="0">
+            <a:schemeClr val="accent5"/>
+          </a:effectRef>
+          <a:fontRef idx="minor">
+            <a:schemeClr val="lt1"/>
+          </a:fontRef>
+        </p:style>
+        <p:txBody>
+          <a:bodyPr rtlCol="0" anchor="ctr"/>
+          <a:lstStyle/>
+          <a:p>
+            <a:pPr algn="ctr"/>
+            <a:r>
+              <a:rPr lang="en-US" dirty="0"/>
+              <a:t>VDC</a:t>
+            </a:r>
+          </a:p>
+        </p:txBody>
+      </p:sp>
+      <p:sp>
+        <p:nvSpPr>
+          <p:cNvPr id="6" name="Rectangle: Rounded Corners 5">
+            <a:extLst>
+              <a:ext uri="{FF2B5EF4-FFF2-40B4-BE49-F238E27FC236}">
+                <a16:creationId xmlns:a16="http://schemas.microsoft.com/office/drawing/2014/main" id="{BC7BF5D1-C804-45DA-82D2-0C9D02BC7879}"/>
+              </a:ext>
+            </a:extLst>
+          </p:cNvPr>
+          <p:cNvSpPr/>
+          <p:nvPr/>
+        </p:nvSpPr>
+        <p:spPr>
+          <a:xfrm>
+            <a:off x="3723983" y="812531"/>
+            <a:ext cx="490966" cy="3066226"/>
+          </a:xfrm>
+          <a:prstGeom prst="roundRect">
+            <a:avLst/>
+          </a:prstGeom>
+        </p:spPr>
+        <p:style>
+          <a:lnRef idx="2">
+            <a:schemeClr val="accent2">
+              <a:shade val="50000"/>
+            </a:schemeClr>
+          </a:lnRef>
+          <a:fillRef idx="1">
+            <a:schemeClr val="accent2"/>
+          </a:fillRef>
+          <a:effectRef idx="0">
+            <a:schemeClr val="accent2"/>
+          </a:effectRef>
+          <a:fontRef idx="minor">
+            <a:schemeClr val="lt1"/>
+          </a:fontRef>
+        </p:style>
+        <p:txBody>
+          <a:bodyPr vert="vert270" rtlCol="0" anchor="ctr"/>
+          <a:lstStyle/>
+          <a:p>
+            <a:pPr algn="ctr"/>
+            <a:r>
+              <a:rPr lang="en-US" sz="1400" dirty="0"/>
+              <a:t>Request Monitor</a:t>
+            </a:r>
+          </a:p>
+          <a:p>
+            <a:pPr algn="ctr"/>
+            <a:r>
+              <a:rPr lang="en-US" sz="1400" dirty="0"/>
+              <a:t>Proxy</a:t>
+            </a:r>
+          </a:p>
+        </p:txBody>
+      </p:sp>
+      <p:sp>
+        <p:nvSpPr>
+          <p:cNvPr id="7" name="Rectangle: Rounded Corners 6">
+            <a:extLst>
+              <a:ext uri="{FF2B5EF4-FFF2-40B4-BE49-F238E27FC236}">
+                <a16:creationId xmlns:a16="http://schemas.microsoft.com/office/drawing/2014/main" id="{5F0CF90C-C135-467E-A076-BB0B5C7839BB}"/>
+              </a:ext>
+            </a:extLst>
+          </p:cNvPr>
+          <p:cNvSpPr/>
+          <p:nvPr/>
+        </p:nvSpPr>
+        <p:spPr>
+          <a:xfrm>
+            <a:off x="4711327" y="3351157"/>
+            <a:ext cx="1898469" cy="431074"/>
+          </a:xfrm>
+          <a:prstGeom prst="roundRect">
+            <a:avLst/>
+          </a:prstGeom>
+        </p:spPr>
+        <p:style>
+          <a:lnRef idx="2">
+            <a:schemeClr val="accent2">
+              <a:shade val="50000"/>
+            </a:schemeClr>
+          </a:lnRef>
+          <a:fillRef idx="1">
+            <a:schemeClr val="accent2"/>
+          </a:fillRef>
+          <a:effectRef idx="0">
+            <a:schemeClr val="accent2"/>
+          </a:effectRef>
+          <a:fontRef idx="minor">
+            <a:schemeClr val="lt1"/>
+          </a:fontRef>
+        </p:style>
+        <p:txBody>
+          <a:bodyPr rtlCol="0" anchor="ctr"/>
+          <a:lstStyle/>
+          <a:p>
+            <a:pPr algn="ctr"/>
+            <a:r>
+              <a:rPr lang="en-US" dirty="0"/>
+              <a:t>VDC Agent</a:t>
+            </a:r>
+          </a:p>
+        </p:txBody>
+      </p:sp>
+      <p:sp>
+        <p:nvSpPr>
+          <p:cNvPr id="8" name="Rectangle: Rounded Corners 7">
+            <a:extLst>
+              <a:ext uri="{FF2B5EF4-FFF2-40B4-BE49-F238E27FC236}">
+                <a16:creationId xmlns:a16="http://schemas.microsoft.com/office/drawing/2014/main" id="{669513DC-9D50-4713-8702-1BAC499F39D2}"/>
+              </a:ext>
+            </a:extLst>
+          </p:cNvPr>
+          <p:cNvSpPr/>
+          <p:nvPr/>
+        </p:nvSpPr>
+        <p:spPr>
+          <a:xfrm>
+            <a:off x="3723983" y="6031986"/>
+            <a:ext cx="3056721" cy="431074"/>
+          </a:xfrm>
+          <a:prstGeom prst="roundRect">
+            <a:avLst/>
+          </a:prstGeom>
+        </p:spPr>
+        <p:style>
+          <a:lnRef idx="2">
+            <a:schemeClr val="accent2">
+              <a:shade val="50000"/>
+            </a:schemeClr>
+          </a:lnRef>
+          <a:fillRef idx="1">
+            <a:schemeClr val="accent2"/>
+          </a:fillRef>
+          <a:effectRef idx="0">
+            <a:schemeClr val="accent2"/>
+          </a:effectRef>
+          <a:fontRef idx="minor">
+            <a:schemeClr val="lt1"/>
+          </a:fontRef>
+        </p:style>
+        <p:txBody>
+          <a:bodyPr rtlCol="0" anchor="ctr"/>
+          <a:lstStyle/>
+          <a:p>
+            <a:pPr algn="ctr"/>
+            <a:r>
+              <a:rPr lang="en-US" dirty="0"/>
+              <a:t>VM Agent</a:t>
+            </a:r>
+          </a:p>
+        </p:txBody>
+      </p:sp>
+      <p:grpSp>
+        <p:nvGrpSpPr>
+          <p:cNvPr id="12" name="Group 11">
+            <a:extLst>
+              <a:ext uri="{FF2B5EF4-FFF2-40B4-BE49-F238E27FC236}">
+                <a16:creationId xmlns:a16="http://schemas.microsoft.com/office/drawing/2014/main" id="{C0C2ED04-1A4A-4DA0-89AD-8EDBDF084BEA}"/>
+              </a:ext>
+            </a:extLst>
+          </p:cNvPr>
+          <p:cNvGrpSpPr/>
+          <p:nvPr/>
+        </p:nvGrpSpPr>
+        <p:grpSpPr>
+          <a:xfrm>
+            <a:off x="8300048" y="623707"/>
+            <a:ext cx="891065" cy="783773"/>
+            <a:chOff x="8421187" y="2029096"/>
+            <a:chExt cx="1267292" cy="1114699"/>
+          </a:xfrm>
+        </p:grpSpPr>
+        <p:sp>
+          <p:nvSpPr>
+            <p:cNvPr id="9" name="Flowchart: Magnetic Disk 8">
+              <a:extLst>
+                <a:ext uri="{FF2B5EF4-FFF2-40B4-BE49-F238E27FC236}">
+                  <a16:creationId xmlns:a16="http://schemas.microsoft.com/office/drawing/2014/main" id="{C85EC816-7735-4A2B-AD65-C2CF5D6FE081}"/>
+                </a:ext>
+              </a:extLst>
+            </p:cNvPr>
+            <p:cNvSpPr/>
+            <p:nvPr/>
+          </p:nvSpPr>
+          <p:spPr>
+            <a:xfrm>
+              <a:off x="8421187" y="2721431"/>
+              <a:ext cx="1267291" cy="422364"/>
+            </a:xfrm>
+            <a:prstGeom prst="flowChartMagneticDisk">
+              <a:avLst/>
+            </a:prstGeom>
+          </p:spPr>
+          <p:style>
+            <a:lnRef idx="2">
+              <a:schemeClr val="accent1">
+                <a:shade val="50000"/>
+              </a:schemeClr>
+            </a:lnRef>
+            <a:fillRef idx="1">
+              <a:schemeClr val="accent1"/>
+            </a:fillRef>
+            <a:effectRef idx="0">
+              <a:schemeClr val="accent1"/>
+            </a:effectRef>
+            <a:fontRef idx="minor">
+              <a:schemeClr val="lt1"/>
+            </a:fontRef>
+          </p:style>
+          <p:txBody>
+            <a:bodyPr rtlCol="0" anchor="ctr"/>
+            <a:lstStyle/>
+            <a:p>
+              <a:pPr algn="ctr"/>
+              <a:endParaRPr lang="en-US"/>
+            </a:p>
+          </p:txBody>
+        </p:sp>
+        <p:sp>
+          <p:nvSpPr>
+            <p:cNvPr id="10" name="Flowchart: Magnetic Disk 9">
+              <a:extLst>
+                <a:ext uri="{FF2B5EF4-FFF2-40B4-BE49-F238E27FC236}">
+                  <a16:creationId xmlns:a16="http://schemas.microsoft.com/office/drawing/2014/main" id="{0F97A564-2F37-45AF-903D-473219BD9728}"/>
+                </a:ext>
+              </a:extLst>
+            </p:cNvPr>
+            <p:cNvSpPr/>
+            <p:nvPr/>
+          </p:nvSpPr>
+          <p:spPr>
+            <a:xfrm>
+              <a:off x="8421188" y="2375263"/>
+              <a:ext cx="1267291" cy="422364"/>
+            </a:xfrm>
+            <a:prstGeom prst="flowChartMagneticDisk">
+              <a:avLst/>
+            </a:prstGeom>
+          </p:spPr>
+          <p:style>
+            <a:lnRef idx="2">
+              <a:schemeClr val="accent1">
+                <a:shade val="50000"/>
+              </a:schemeClr>
+            </a:lnRef>
+            <a:fillRef idx="1">
+              <a:schemeClr val="accent1"/>
+            </a:fillRef>
+            <a:effectRef idx="0">
+              <a:schemeClr val="accent1"/>
+            </a:effectRef>
+            <a:fontRef idx="minor">
+              <a:schemeClr val="lt1"/>
+            </a:fontRef>
+          </p:style>
+          <p:txBody>
+            <a:bodyPr rtlCol="0" anchor="ctr"/>
+            <a:lstStyle/>
+            <a:p>
+              <a:pPr algn="ctr"/>
+              <a:r>
+                <a:rPr lang="en-US" dirty="0"/>
+                <a:t>MySQL</a:t>
+              </a:r>
+            </a:p>
+          </p:txBody>
+        </p:sp>
+        <p:sp>
+          <p:nvSpPr>
+            <p:cNvPr id="11" name="Flowchart: Magnetic Disk 10">
+              <a:extLst>
+                <a:ext uri="{FF2B5EF4-FFF2-40B4-BE49-F238E27FC236}">
+                  <a16:creationId xmlns:a16="http://schemas.microsoft.com/office/drawing/2014/main" id="{F10BCB5C-153C-4505-8DB1-7E1B561131A1}"/>
+                </a:ext>
+              </a:extLst>
+            </p:cNvPr>
+            <p:cNvSpPr/>
+            <p:nvPr/>
+          </p:nvSpPr>
+          <p:spPr>
+            <a:xfrm>
+              <a:off x="8421188" y="2029096"/>
+              <a:ext cx="1267291" cy="422364"/>
+            </a:xfrm>
+            <a:prstGeom prst="flowChartMagneticDisk">
+              <a:avLst/>
+            </a:prstGeom>
+          </p:spPr>
+          <p:style>
+            <a:lnRef idx="2">
+              <a:schemeClr val="accent1">
+                <a:shade val="50000"/>
+              </a:schemeClr>
+            </a:lnRef>
+            <a:fillRef idx="1">
+              <a:schemeClr val="accent1"/>
+            </a:fillRef>
+            <a:effectRef idx="0">
+              <a:schemeClr val="accent1"/>
+            </a:effectRef>
+            <a:fontRef idx="minor">
+              <a:schemeClr val="lt1"/>
+            </a:fontRef>
+          </p:style>
+          <p:txBody>
+            <a:bodyPr rtlCol="0" anchor="ctr"/>
+            <a:lstStyle/>
+            <a:p>
+              <a:pPr algn="ctr"/>
+              <a:endParaRPr lang="en-US"/>
+            </a:p>
+          </p:txBody>
+        </p:sp>
+      </p:grpSp>
+      <p:grpSp>
+        <p:nvGrpSpPr>
+          <p:cNvPr id="13" name="Group 12">
+            <a:extLst>
+              <a:ext uri="{FF2B5EF4-FFF2-40B4-BE49-F238E27FC236}">
+                <a16:creationId xmlns:a16="http://schemas.microsoft.com/office/drawing/2014/main" id="{CC32653C-AC07-4A26-82F9-BC7A9919F6B9}"/>
+              </a:ext>
+            </a:extLst>
+          </p:cNvPr>
+          <p:cNvGrpSpPr/>
+          <p:nvPr/>
+        </p:nvGrpSpPr>
+        <p:grpSpPr>
+          <a:xfrm>
+            <a:off x="8300047" y="1513372"/>
+            <a:ext cx="891065" cy="783773"/>
+            <a:chOff x="8421187" y="2029096"/>
+            <a:chExt cx="1267292" cy="1114699"/>
+          </a:xfrm>
+        </p:grpSpPr>
+        <p:sp>
+          <p:nvSpPr>
+            <p:cNvPr id="14" name="Flowchart: Magnetic Disk 13">
+              <a:extLst>
+                <a:ext uri="{FF2B5EF4-FFF2-40B4-BE49-F238E27FC236}">
+                  <a16:creationId xmlns:a16="http://schemas.microsoft.com/office/drawing/2014/main" id="{05F31832-62C7-4C21-84BE-0591F669C886}"/>
+                </a:ext>
+              </a:extLst>
+            </p:cNvPr>
+            <p:cNvSpPr/>
+            <p:nvPr/>
+          </p:nvSpPr>
+          <p:spPr>
+            <a:xfrm>
+              <a:off x="8421187" y="2721430"/>
+              <a:ext cx="1267291" cy="422365"/>
+            </a:xfrm>
+            <a:prstGeom prst="flowChartMagneticDisk">
+              <a:avLst/>
+            </a:prstGeom>
+          </p:spPr>
+          <p:style>
+            <a:lnRef idx="2">
+              <a:schemeClr val="accent1">
+                <a:shade val="50000"/>
+              </a:schemeClr>
+            </a:lnRef>
+            <a:fillRef idx="1">
+              <a:schemeClr val="accent1"/>
+            </a:fillRef>
+            <a:effectRef idx="0">
+              <a:schemeClr val="accent1"/>
+            </a:effectRef>
+            <a:fontRef idx="minor">
+              <a:schemeClr val="lt1"/>
+            </a:fontRef>
+          </p:style>
+          <p:txBody>
+            <a:bodyPr rtlCol="0" anchor="ctr"/>
+            <a:lstStyle/>
+            <a:p>
+              <a:pPr algn="ctr"/>
+              <a:endParaRPr lang="en-US"/>
+            </a:p>
+          </p:txBody>
+        </p:sp>
+        <p:sp>
+          <p:nvSpPr>
+            <p:cNvPr id="15" name="Flowchart: Magnetic Disk 14">
+              <a:extLst>
+                <a:ext uri="{FF2B5EF4-FFF2-40B4-BE49-F238E27FC236}">
+                  <a16:creationId xmlns:a16="http://schemas.microsoft.com/office/drawing/2014/main" id="{04EC7CA0-7A8F-4B0C-B2FD-1835D8F36B3A}"/>
+                </a:ext>
+              </a:extLst>
+            </p:cNvPr>
+            <p:cNvSpPr/>
+            <p:nvPr/>
+          </p:nvSpPr>
+          <p:spPr>
+            <a:xfrm>
+              <a:off x="8421188" y="2375263"/>
+              <a:ext cx="1267291" cy="422365"/>
+            </a:xfrm>
+            <a:prstGeom prst="flowChartMagneticDisk">
+              <a:avLst/>
+            </a:prstGeom>
+          </p:spPr>
+          <p:style>
+            <a:lnRef idx="2">
+              <a:schemeClr val="accent1">
+                <a:shade val="50000"/>
+              </a:schemeClr>
+            </a:lnRef>
+            <a:fillRef idx="1">
+              <a:schemeClr val="accent1"/>
+            </a:fillRef>
+            <a:effectRef idx="0">
+              <a:schemeClr val="accent1"/>
+            </a:effectRef>
+            <a:fontRef idx="minor">
+              <a:schemeClr val="lt1"/>
+            </a:fontRef>
+          </p:style>
+          <p:txBody>
+            <a:bodyPr rtlCol="0" anchor="ctr"/>
+            <a:lstStyle/>
+            <a:p>
+              <a:pPr algn="ctr"/>
+              <a:r>
+                <a:rPr lang="en-US" sz="1200" dirty="0"/>
+                <a:t>Cassandra</a:t>
+              </a:r>
+            </a:p>
+          </p:txBody>
+        </p:sp>
+        <p:sp>
+          <p:nvSpPr>
+            <p:cNvPr id="16" name="Flowchart: Magnetic Disk 15">
+              <a:extLst>
+                <a:ext uri="{FF2B5EF4-FFF2-40B4-BE49-F238E27FC236}">
+                  <a16:creationId xmlns:a16="http://schemas.microsoft.com/office/drawing/2014/main" id="{B28A9F31-9099-407D-9995-F19270CB3095}"/>
+                </a:ext>
+              </a:extLst>
+            </p:cNvPr>
+            <p:cNvSpPr/>
+            <p:nvPr/>
+          </p:nvSpPr>
+          <p:spPr>
+            <a:xfrm>
+              <a:off x="8421188" y="2029096"/>
+              <a:ext cx="1267291" cy="422365"/>
+            </a:xfrm>
+            <a:prstGeom prst="flowChartMagneticDisk">
+              <a:avLst/>
+            </a:prstGeom>
+          </p:spPr>
+          <p:style>
+            <a:lnRef idx="2">
+              <a:schemeClr val="accent1">
+                <a:shade val="50000"/>
+              </a:schemeClr>
+            </a:lnRef>
+            <a:fillRef idx="1">
+              <a:schemeClr val="accent1"/>
+            </a:fillRef>
+            <a:effectRef idx="0">
+              <a:schemeClr val="accent1"/>
+            </a:effectRef>
+            <a:fontRef idx="minor">
+              <a:schemeClr val="lt1"/>
+            </a:fontRef>
+          </p:style>
+          <p:txBody>
+            <a:bodyPr rtlCol="0" anchor="ctr"/>
+            <a:lstStyle/>
+            <a:p>
+              <a:pPr algn="ctr"/>
+              <a:endParaRPr lang="en-US"/>
+            </a:p>
+          </p:txBody>
+        </p:sp>
+      </p:grpSp>
+      <p:grpSp>
+        <p:nvGrpSpPr>
+          <p:cNvPr id="17" name="Group 16">
+            <a:extLst>
+              <a:ext uri="{FF2B5EF4-FFF2-40B4-BE49-F238E27FC236}">
+                <a16:creationId xmlns:a16="http://schemas.microsoft.com/office/drawing/2014/main" id="{0BD2EE25-F039-427B-BF68-216DF314051E}"/>
+              </a:ext>
+            </a:extLst>
+          </p:cNvPr>
+          <p:cNvGrpSpPr/>
+          <p:nvPr/>
+        </p:nvGrpSpPr>
+        <p:grpSpPr>
+          <a:xfrm>
+            <a:off x="8194987" y="5060042"/>
+            <a:ext cx="892158" cy="857252"/>
+            <a:chOff x="8419633" y="1924593"/>
+            <a:chExt cx="1268846" cy="1219202"/>
+          </a:xfrm>
+        </p:grpSpPr>
+        <p:sp>
+          <p:nvSpPr>
+            <p:cNvPr id="18" name="Flowchart: Magnetic Disk 17">
+              <a:extLst>
+                <a:ext uri="{FF2B5EF4-FFF2-40B4-BE49-F238E27FC236}">
+                  <a16:creationId xmlns:a16="http://schemas.microsoft.com/office/drawing/2014/main" id="{5235B2AF-CDC2-4360-B67B-04191591D8BC}"/>
+                </a:ext>
+              </a:extLst>
+            </p:cNvPr>
+            <p:cNvSpPr/>
+            <p:nvPr/>
+          </p:nvSpPr>
+          <p:spPr>
+            <a:xfrm>
+              <a:off x="8421187" y="2721430"/>
+              <a:ext cx="1267291" cy="422365"/>
+            </a:xfrm>
+            <a:prstGeom prst="flowChartMagneticDisk">
+              <a:avLst/>
+            </a:prstGeom>
+          </p:spPr>
+          <p:style>
+            <a:lnRef idx="2">
+              <a:schemeClr val="accent1">
+                <a:shade val="50000"/>
+              </a:schemeClr>
+            </a:lnRef>
+            <a:fillRef idx="1">
+              <a:schemeClr val="accent1"/>
+            </a:fillRef>
+            <a:effectRef idx="0">
+              <a:schemeClr val="accent1"/>
+            </a:effectRef>
+            <a:fontRef idx="minor">
+              <a:schemeClr val="lt1"/>
+            </a:fontRef>
+          </p:style>
+          <p:txBody>
+            <a:bodyPr rtlCol="0" anchor="ctr"/>
+            <a:lstStyle/>
+            <a:p>
+              <a:pPr algn="ctr"/>
+              <a:endParaRPr lang="en-US"/>
+            </a:p>
+          </p:txBody>
+        </p:sp>
+        <p:sp>
+          <p:nvSpPr>
+            <p:cNvPr id="19" name="Flowchart: Magnetic Disk 18">
+              <a:extLst>
+                <a:ext uri="{FF2B5EF4-FFF2-40B4-BE49-F238E27FC236}">
+                  <a16:creationId xmlns:a16="http://schemas.microsoft.com/office/drawing/2014/main" id="{7EEA2B17-41D9-4BF7-A0F4-47C7B2B1BBB9}"/>
+                </a:ext>
+              </a:extLst>
+            </p:cNvPr>
+            <p:cNvSpPr/>
+            <p:nvPr/>
+          </p:nvSpPr>
+          <p:spPr>
+            <a:xfrm>
+              <a:off x="8421187" y="2270759"/>
+              <a:ext cx="1267292" cy="526870"/>
+            </a:xfrm>
+            <a:prstGeom prst="flowChartMagneticDisk">
+              <a:avLst/>
+            </a:prstGeom>
+          </p:spPr>
+          <p:style>
+            <a:lnRef idx="2">
+              <a:schemeClr val="accent1">
+                <a:shade val="50000"/>
+              </a:schemeClr>
+            </a:lnRef>
+            <a:fillRef idx="1">
+              <a:schemeClr val="accent1"/>
+            </a:fillRef>
+            <a:effectRef idx="0">
+              <a:schemeClr val="accent1"/>
+            </a:effectRef>
+            <a:fontRef idx="minor">
+              <a:schemeClr val="lt1"/>
+            </a:fontRef>
+          </p:style>
+          <p:txBody>
+            <a:bodyPr rtlCol="0" anchor="ctr"/>
+            <a:lstStyle/>
+            <a:p>
+              <a:pPr algn="ctr"/>
+              <a:r>
+                <a:rPr lang="en-US" sz="1050" dirty="0"/>
+                <a:t>Elasticsearch</a:t>
+              </a:r>
+            </a:p>
+          </p:txBody>
+        </p:sp>
+        <p:sp>
+          <p:nvSpPr>
+            <p:cNvPr id="20" name="Flowchart: Magnetic Disk 19">
+              <a:extLst>
+                <a:ext uri="{FF2B5EF4-FFF2-40B4-BE49-F238E27FC236}">
+                  <a16:creationId xmlns:a16="http://schemas.microsoft.com/office/drawing/2014/main" id="{44D6DABD-0296-4D2A-A436-DBC411191B1E}"/>
+                </a:ext>
+              </a:extLst>
+            </p:cNvPr>
+            <p:cNvSpPr/>
+            <p:nvPr/>
+          </p:nvSpPr>
+          <p:spPr>
+            <a:xfrm>
+              <a:off x="8419633" y="1924593"/>
+              <a:ext cx="1267291" cy="422364"/>
+            </a:xfrm>
+            <a:prstGeom prst="flowChartMagneticDisk">
+              <a:avLst/>
+            </a:prstGeom>
+          </p:spPr>
+          <p:style>
+            <a:lnRef idx="2">
+              <a:schemeClr val="accent1">
+                <a:shade val="50000"/>
+              </a:schemeClr>
+            </a:lnRef>
+            <a:fillRef idx="1">
+              <a:schemeClr val="accent1"/>
+            </a:fillRef>
+            <a:effectRef idx="0">
+              <a:schemeClr val="accent1"/>
+            </a:effectRef>
+            <a:fontRef idx="minor">
+              <a:schemeClr val="lt1"/>
+            </a:fontRef>
+          </p:style>
+          <p:txBody>
+            <a:bodyPr rtlCol="0" anchor="ctr"/>
+            <a:lstStyle/>
+            <a:p>
+              <a:pPr algn="ctr"/>
+              <a:endParaRPr lang="en-US"/>
+            </a:p>
+          </p:txBody>
+        </p:sp>
+      </p:grpSp>
+      <p:cxnSp>
+        <p:nvCxnSpPr>
+          <p:cNvPr id="25" name="Straight Arrow Connector 24">
+            <a:extLst>
+              <a:ext uri="{FF2B5EF4-FFF2-40B4-BE49-F238E27FC236}">
+                <a16:creationId xmlns:a16="http://schemas.microsoft.com/office/drawing/2014/main" id="{CC65D953-C273-4274-B291-7D85CC44390D}"/>
+              </a:ext>
+            </a:extLst>
+          </p:cNvPr>
+          <p:cNvCxnSpPr>
+            <a:cxnSpLocks/>
+            <a:stCxn id="4" idx="3"/>
+            <a:endCxn id="6" idx="1"/>
+          </p:cNvCxnSpPr>
+          <p:nvPr/>
+        </p:nvCxnSpPr>
+        <p:spPr>
+          <a:xfrm>
+            <a:off x="2082416" y="1968454"/>
+            <a:ext cx="1641567" cy="377190"/>
+          </a:xfrm>
+          <a:prstGeom prst="straightConnector1">
+            <a:avLst/>
+          </a:prstGeom>
+          <a:ln w="19050">
+            <a:headEnd type="triangle"/>
+            <a:tailEnd type="triangle"/>
+          </a:ln>
+        </p:spPr>
+        <p:style>
+          <a:lnRef idx="1">
+            <a:schemeClr val="accent1"/>
+          </a:lnRef>
+          <a:fillRef idx="0">
+            <a:schemeClr val="accent1"/>
+          </a:fillRef>
+          <a:effectRef idx="0">
+            <a:schemeClr val="accent1"/>
+          </a:effectRef>
+          <a:fontRef idx="minor">
+            <a:schemeClr val="tx1"/>
+          </a:fontRef>
+        </p:style>
+      </p:cxnSp>
+      <p:cxnSp>
+        <p:nvCxnSpPr>
+          <p:cNvPr id="28" name="Straight Arrow Connector 27">
+            <a:extLst>
+              <a:ext uri="{FF2B5EF4-FFF2-40B4-BE49-F238E27FC236}">
+                <a16:creationId xmlns:a16="http://schemas.microsoft.com/office/drawing/2014/main" id="{4A40D186-82D2-4F4E-BCAC-581DA17F7440}"/>
+              </a:ext>
+            </a:extLst>
+          </p:cNvPr>
+          <p:cNvCxnSpPr>
+            <a:cxnSpLocks/>
+            <a:stCxn id="6" idx="3"/>
+            <a:endCxn id="5" idx="1"/>
+          </p:cNvCxnSpPr>
+          <p:nvPr/>
+        </p:nvCxnSpPr>
+        <p:spPr>
+          <a:xfrm flipV="1">
+            <a:off x="4214949" y="1924589"/>
+            <a:ext cx="495390" cy="421055"/>
+          </a:xfrm>
+          <a:prstGeom prst="straightConnector1">
+            <a:avLst/>
+          </a:prstGeom>
+          <a:ln w="19050">
+            <a:headEnd type="triangle"/>
+            <a:tailEnd type="triangle"/>
+          </a:ln>
+        </p:spPr>
+        <p:style>
+          <a:lnRef idx="1">
+            <a:schemeClr val="accent1"/>
+          </a:lnRef>
+          <a:fillRef idx="0">
+            <a:schemeClr val="accent1"/>
+          </a:fillRef>
+          <a:effectRef idx="0">
+            <a:schemeClr val="accent1"/>
+          </a:effectRef>
+          <a:fontRef idx="minor">
+            <a:schemeClr val="tx1"/>
+          </a:fontRef>
+        </p:style>
+      </p:cxnSp>
+      <p:cxnSp>
+        <p:nvCxnSpPr>
+          <p:cNvPr id="32" name="Straight Arrow Connector 31">
+            <a:extLst>
+              <a:ext uri="{FF2B5EF4-FFF2-40B4-BE49-F238E27FC236}">
+                <a16:creationId xmlns:a16="http://schemas.microsoft.com/office/drawing/2014/main" id="{2243C57D-DAF5-42AD-99BD-E33DDB99BDEE}"/>
+              </a:ext>
+            </a:extLst>
+          </p:cNvPr>
+          <p:cNvCxnSpPr>
+            <a:cxnSpLocks/>
+            <a:stCxn id="5" idx="3"/>
+            <a:endCxn id="10" idx="2"/>
+          </p:cNvCxnSpPr>
+          <p:nvPr/>
+        </p:nvCxnSpPr>
+        <p:spPr>
+          <a:xfrm flipV="1">
+            <a:off x="6608808" y="1015594"/>
+            <a:ext cx="1691241" cy="908995"/>
+          </a:xfrm>
+          <a:prstGeom prst="straightConnector1">
+            <a:avLst/>
+          </a:prstGeom>
+          <a:ln w="28575">
+            <a:headEnd type="triangle"/>
+            <a:tailEnd type="triangle"/>
+          </a:ln>
+        </p:spPr>
+        <p:style>
+          <a:lnRef idx="1">
+            <a:schemeClr val="accent1"/>
+          </a:lnRef>
+          <a:fillRef idx="0">
+            <a:schemeClr val="accent1"/>
+          </a:fillRef>
+          <a:effectRef idx="0">
+            <a:schemeClr val="accent1"/>
+          </a:effectRef>
+          <a:fontRef idx="minor">
+            <a:schemeClr val="tx1"/>
+          </a:fontRef>
+        </p:style>
+      </p:cxnSp>
+      <p:cxnSp>
+        <p:nvCxnSpPr>
+          <p:cNvPr id="35" name="Straight Arrow Connector 34">
+            <a:extLst>
+              <a:ext uri="{FF2B5EF4-FFF2-40B4-BE49-F238E27FC236}">
+                <a16:creationId xmlns:a16="http://schemas.microsoft.com/office/drawing/2014/main" id="{6C7EB421-18A6-4B71-8535-B8DD5682B3EB}"/>
+              </a:ext>
+            </a:extLst>
+          </p:cNvPr>
+          <p:cNvCxnSpPr>
+            <a:cxnSpLocks/>
+            <a:stCxn id="5" idx="3"/>
+            <a:endCxn id="15" idx="2"/>
+          </p:cNvCxnSpPr>
+          <p:nvPr/>
+        </p:nvCxnSpPr>
+        <p:spPr>
+          <a:xfrm flipV="1">
+            <a:off x="6608808" y="1905259"/>
+            <a:ext cx="1691240" cy="19330"/>
+          </a:xfrm>
+          <a:prstGeom prst="straightConnector1">
+            <a:avLst/>
+          </a:prstGeom>
+          <a:ln w="28575">
+            <a:headEnd type="triangle"/>
+            <a:tailEnd type="triangle"/>
+          </a:ln>
+        </p:spPr>
+        <p:style>
+          <a:lnRef idx="1">
+            <a:schemeClr val="accent1"/>
+          </a:lnRef>
+          <a:fillRef idx="0">
+            <a:schemeClr val="accent1"/>
+          </a:fillRef>
+          <a:effectRef idx="0">
+            <a:schemeClr val="accent1"/>
+          </a:effectRef>
+          <a:fontRef idx="minor">
+            <a:schemeClr val="tx1"/>
+          </a:fontRef>
+        </p:style>
+      </p:cxnSp>
+      <p:sp>
+        <p:nvSpPr>
+          <p:cNvPr id="23" name="Rectangle: Rounded Corners 22">
+            <a:extLst>
+              <a:ext uri="{FF2B5EF4-FFF2-40B4-BE49-F238E27FC236}">
+                <a16:creationId xmlns:a16="http://schemas.microsoft.com/office/drawing/2014/main" id="{3F937DEF-4E1B-4B2D-9C2F-192C3E266174}"/>
+              </a:ext>
+            </a:extLst>
+          </p:cNvPr>
+          <p:cNvSpPr/>
+          <p:nvPr/>
+        </p:nvSpPr>
+        <p:spPr>
+          <a:xfrm>
+            <a:off x="6714308" y="812531"/>
+            <a:ext cx="304798" cy="3019254"/>
+          </a:xfrm>
+          <a:prstGeom prst="roundRect">
+            <a:avLst>
+              <a:gd name="adj" fmla="val 19525"/>
+            </a:avLst>
+          </a:prstGeom>
+        </p:spPr>
+        <p:style>
+          <a:lnRef idx="2">
+            <a:schemeClr val="accent2">
+              <a:shade val="50000"/>
+            </a:schemeClr>
+          </a:lnRef>
+          <a:fillRef idx="1">
+            <a:schemeClr val="accent2"/>
+          </a:fillRef>
+          <a:effectRef idx="0">
+            <a:schemeClr val="accent2"/>
+          </a:effectRef>
+          <a:fontRef idx="minor">
+            <a:schemeClr val="lt1"/>
+          </a:fontRef>
+        </p:style>
+        <p:txBody>
+          <a:bodyPr vert="vert270" rtlCol="0" anchor="ctr"/>
+          <a:lstStyle/>
+          <a:p>
+            <a:pPr algn="ctr"/>
+            <a:r>
+              <a:rPr lang="en-US" sz="1400" dirty="0"/>
+              <a:t>Throughput Agent</a:t>
+            </a:r>
+          </a:p>
+        </p:txBody>
+      </p:sp>
+      <p:sp>
+        <p:nvSpPr>
+          <p:cNvPr id="48" name="Rectangle: Rounded Corners 47">
+            <a:extLst>
+              <a:ext uri="{FF2B5EF4-FFF2-40B4-BE49-F238E27FC236}">
+                <a16:creationId xmlns:a16="http://schemas.microsoft.com/office/drawing/2014/main" id="{4A98C281-9CEA-4844-BBEF-E04F9CD25F73}"/>
+              </a:ext>
+            </a:extLst>
+          </p:cNvPr>
+          <p:cNvSpPr/>
+          <p:nvPr/>
+        </p:nvSpPr>
+        <p:spPr>
+          <a:xfrm>
+            <a:off x="950301" y="623707"/>
+            <a:ext cx="1132115" cy="672373"/>
+          </a:xfrm>
+          <a:prstGeom prst="roundRect">
+            <a:avLst/>
+          </a:prstGeom>
+        </p:spPr>
+        <p:style>
+          <a:lnRef idx="2">
+            <a:schemeClr val="accent6">
+              <a:shade val="50000"/>
+            </a:schemeClr>
+          </a:lnRef>
+          <a:fillRef idx="1">
+            <a:schemeClr val="accent6"/>
+          </a:fillRef>
+          <a:effectRef idx="0">
+            <a:schemeClr val="accent6"/>
+          </a:effectRef>
+          <a:fontRef idx="minor">
+            <a:schemeClr val="lt1"/>
+          </a:fontRef>
+        </p:style>
+        <p:txBody>
+          <a:bodyPr rtlCol="0" anchor="ctr"/>
+          <a:lstStyle/>
+          <a:p>
+            <a:pPr algn="ctr"/>
+            <a:r>
+              <a:rPr lang="en-US" dirty="0"/>
+              <a:t>App 1</a:t>
+            </a:r>
+          </a:p>
+        </p:txBody>
+      </p:sp>
+      <p:cxnSp>
+        <p:nvCxnSpPr>
+          <p:cNvPr id="49" name="Straight Arrow Connector 48">
+            <a:extLst>
+              <a:ext uri="{FF2B5EF4-FFF2-40B4-BE49-F238E27FC236}">
+                <a16:creationId xmlns:a16="http://schemas.microsoft.com/office/drawing/2014/main" id="{5BA3CD71-CDEB-4CA0-9203-EBDBC3F45991}"/>
+              </a:ext>
+            </a:extLst>
+          </p:cNvPr>
+          <p:cNvCxnSpPr>
+            <a:cxnSpLocks/>
+            <a:stCxn id="48" idx="3"/>
+            <a:endCxn id="6" idx="1"/>
+          </p:cNvCxnSpPr>
+          <p:nvPr/>
+        </p:nvCxnSpPr>
+        <p:spPr>
+          <a:xfrm>
+            <a:off x="2082416" y="959894"/>
+            <a:ext cx="1641567" cy="1385750"/>
+          </a:xfrm>
+          <a:prstGeom prst="straightConnector1">
+            <a:avLst/>
+          </a:prstGeom>
+          <a:ln w="19050">
+            <a:headEnd type="triangle"/>
+            <a:tailEnd type="triangle"/>
+          </a:ln>
+        </p:spPr>
+        <p:style>
+          <a:lnRef idx="1">
+            <a:schemeClr val="accent1"/>
+          </a:lnRef>
+          <a:fillRef idx="0">
+            <a:schemeClr val="accent1"/>
+          </a:fillRef>
+          <a:effectRef idx="0">
+            <a:schemeClr val="accent1"/>
+          </a:effectRef>
+          <a:fontRef idx="minor">
+            <a:schemeClr val="tx1"/>
+          </a:fontRef>
+        </p:style>
+      </p:cxnSp>
+      <p:cxnSp>
+        <p:nvCxnSpPr>
+          <p:cNvPr id="58" name="Connector: Elbow 57">
+            <a:extLst>
+              <a:ext uri="{FF2B5EF4-FFF2-40B4-BE49-F238E27FC236}">
+                <a16:creationId xmlns:a16="http://schemas.microsoft.com/office/drawing/2014/main" id="{04FCABEB-B0A6-4027-AEAB-8A94E411EBCC}"/>
+              </a:ext>
+            </a:extLst>
+          </p:cNvPr>
+          <p:cNvCxnSpPr>
+            <a:stCxn id="8" idx="3"/>
+            <a:endCxn id="18" idx="3"/>
+          </p:cNvCxnSpPr>
+          <p:nvPr/>
+        </p:nvCxnSpPr>
+        <p:spPr>
+          <a:xfrm flipV="1">
+            <a:off x="6780704" y="5917294"/>
+            <a:ext cx="1860909" cy="330229"/>
+          </a:xfrm>
+          <a:prstGeom prst="bentConnector2">
+            <a:avLst/>
+          </a:prstGeom>
+          <a:ln w="19050">
+            <a:headEnd type="none" w="med" len="med"/>
+            <a:tailEnd type="triangle" w="med" len="med"/>
+          </a:ln>
+        </p:spPr>
+        <p:style>
+          <a:lnRef idx="1">
+            <a:schemeClr val="accent2"/>
+          </a:lnRef>
+          <a:fillRef idx="0">
+            <a:schemeClr val="accent2"/>
+          </a:fillRef>
+          <a:effectRef idx="0">
+            <a:schemeClr val="accent2"/>
+          </a:effectRef>
+          <a:fontRef idx="minor">
+            <a:schemeClr val="tx1"/>
+          </a:fontRef>
+        </p:style>
+      </p:cxnSp>
+      <p:cxnSp>
+        <p:nvCxnSpPr>
+          <p:cNvPr id="59" name="Connector: Elbow 58">
+            <a:extLst>
+              <a:ext uri="{FF2B5EF4-FFF2-40B4-BE49-F238E27FC236}">
+                <a16:creationId xmlns:a16="http://schemas.microsoft.com/office/drawing/2014/main" id="{BF70E9B4-45E9-44A5-A85B-A7DB9CF36A40}"/>
+              </a:ext>
+            </a:extLst>
+          </p:cNvPr>
+          <p:cNvCxnSpPr>
+            <a:cxnSpLocks/>
+            <a:stCxn id="23" idx="2"/>
+            <a:endCxn id="20" idx="2"/>
+          </p:cNvCxnSpPr>
+          <p:nvPr/>
+        </p:nvCxnSpPr>
+        <p:spPr>
+          <a:xfrm rot="16200000" flipH="1">
+            <a:off x="6842475" y="3856017"/>
+            <a:ext cx="1376745" cy="1328280"/>
+          </a:xfrm>
+          <a:prstGeom prst="bentConnector2">
+            <a:avLst/>
+          </a:prstGeom>
+          <a:ln w="19050">
+            <a:headEnd type="none" w="med" len="med"/>
+            <a:tailEnd type="triangle" w="med" len="med"/>
+          </a:ln>
+        </p:spPr>
+        <p:style>
+          <a:lnRef idx="1">
+            <a:schemeClr val="accent2"/>
+          </a:lnRef>
+          <a:fillRef idx="0">
+            <a:schemeClr val="accent2"/>
+          </a:fillRef>
+          <a:effectRef idx="0">
+            <a:schemeClr val="accent2"/>
+          </a:effectRef>
+          <a:fontRef idx="minor">
+            <a:schemeClr val="tx1"/>
+          </a:fontRef>
+        </p:style>
+      </p:cxnSp>
+      <p:cxnSp>
+        <p:nvCxnSpPr>
+          <p:cNvPr id="62" name="Connector: Elbow 61">
+            <a:extLst>
+              <a:ext uri="{FF2B5EF4-FFF2-40B4-BE49-F238E27FC236}">
+                <a16:creationId xmlns:a16="http://schemas.microsoft.com/office/drawing/2014/main" id="{D18DD777-CE02-4FFA-8908-4A59A531584C}"/>
+              </a:ext>
+            </a:extLst>
+          </p:cNvPr>
+          <p:cNvCxnSpPr>
+            <a:cxnSpLocks/>
+            <a:stCxn id="7" idx="2"/>
+            <a:endCxn id="19" idx="2"/>
+          </p:cNvCxnSpPr>
+          <p:nvPr/>
+        </p:nvCxnSpPr>
+        <p:spPr>
+          <a:xfrm rot="16200000" flipH="1">
+            <a:off x="6075103" y="3367690"/>
+            <a:ext cx="1706437" cy="2535518"/>
+          </a:xfrm>
+          <a:prstGeom prst="bentConnector2">
+            <a:avLst/>
+          </a:prstGeom>
+          <a:ln w="19050">
+            <a:headEnd type="none" w="med" len="med"/>
+            <a:tailEnd type="triangle" w="med" len="med"/>
+          </a:ln>
+        </p:spPr>
+        <p:style>
+          <a:lnRef idx="1">
+            <a:schemeClr val="accent2"/>
+          </a:lnRef>
+          <a:fillRef idx="0">
+            <a:schemeClr val="accent2"/>
+          </a:fillRef>
+          <a:effectRef idx="0">
+            <a:schemeClr val="accent2"/>
+          </a:effectRef>
+          <a:fontRef idx="minor">
+            <a:schemeClr val="tx1"/>
+          </a:fontRef>
+        </p:style>
+      </p:cxnSp>
+      <p:cxnSp>
+        <p:nvCxnSpPr>
+          <p:cNvPr id="65" name="Connector: Elbow 64">
+            <a:extLst>
+              <a:ext uri="{FF2B5EF4-FFF2-40B4-BE49-F238E27FC236}">
+                <a16:creationId xmlns:a16="http://schemas.microsoft.com/office/drawing/2014/main" id="{DD999FF9-6A57-418D-9165-29CA24FCBE7D}"/>
+              </a:ext>
+            </a:extLst>
+          </p:cNvPr>
+          <p:cNvCxnSpPr>
+            <a:cxnSpLocks/>
+            <a:stCxn id="6" idx="2"/>
+            <a:endCxn id="18" idx="2"/>
+          </p:cNvCxnSpPr>
+          <p:nvPr/>
+        </p:nvCxnSpPr>
+        <p:spPr>
+          <a:xfrm rot="16200000" flipH="1">
+            <a:off x="5137749" y="2710474"/>
+            <a:ext cx="1890049" cy="4226614"/>
+          </a:xfrm>
+          <a:prstGeom prst="bentConnector2">
+            <a:avLst/>
+          </a:prstGeom>
+          <a:ln w="19050">
+            <a:headEnd type="none" w="med" len="med"/>
+            <a:tailEnd type="triangle" w="med" len="med"/>
+          </a:ln>
+        </p:spPr>
+        <p:style>
+          <a:lnRef idx="1">
+            <a:schemeClr val="accent2"/>
+          </a:lnRef>
+          <a:fillRef idx="0">
+            <a:schemeClr val="accent2"/>
+          </a:fillRef>
+          <a:effectRef idx="0">
+            <a:schemeClr val="accent2"/>
+          </a:effectRef>
+          <a:fontRef idx="minor">
+            <a:schemeClr val="tx1"/>
+          </a:fontRef>
+        </p:style>
+      </p:cxnSp>
+      <p:cxnSp>
+        <p:nvCxnSpPr>
+          <p:cNvPr id="74" name="Straight Arrow Connector 73">
+            <a:extLst>
+              <a:ext uri="{FF2B5EF4-FFF2-40B4-BE49-F238E27FC236}">
+                <a16:creationId xmlns:a16="http://schemas.microsoft.com/office/drawing/2014/main" id="{84368DE3-B223-44ED-ABF1-A0982EFB14DC}"/>
+              </a:ext>
+            </a:extLst>
+          </p:cNvPr>
+          <p:cNvCxnSpPr>
+            <a:cxnSpLocks/>
+            <a:stCxn id="5" idx="2"/>
+            <a:endCxn id="7" idx="0"/>
+          </p:cNvCxnSpPr>
+          <p:nvPr/>
+        </p:nvCxnSpPr>
+        <p:spPr>
+          <a:xfrm>
+            <a:off x="5659574" y="2669556"/>
+            <a:ext cx="988" cy="681601"/>
+          </a:xfrm>
+          <a:prstGeom prst="straightConnector1">
+            <a:avLst/>
+          </a:prstGeom>
+          <a:ln w="19050">
+            <a:headEnd type="none" w="med" len="med"/>
+            <a:tailEnd type="triangle" w="med" len="med"/>
+          </a:ln>
+        </p:spPr>
+        <p:style>
+          <a:lnRef idx="1">
+            <a:schemeClr val="accent2"/>
+          </a:lnRef>
+          <a:fillRef idx="0">
+            <a:schemeClr val="accent2"/>
+          </a:fillRef>
+          <a:effectRef idx="0">
+            <a:schemeClr val="accent2"/>
+          </a:effectRef>
+          <a:fontRef idx="minor">
+            <a:schemeClr val="tx1"/>
+          </a:fontRef>
+        </p:style>
+      </p:cxnSp>
+      <p:sp>
+        <p:nvSpPr>
+          <p:cNvPr id="79" name="TextBox 78">
+            <a:extLst>
+              <a:ext uri="{FF2B5EF4-FFF2-40B4-BE49-F238E27FC236}">
+                <a16:creationId xmlns:a16="http://schemas.microsoft.com/office/drawing/2014/main" id="{FD279F36-EF42-4778-B433-8D239109D320}"/>
+              </a:ext>
+            </a:extLst>
+          </p:cNvPr>
+          <p:cNvSpPr txBox="1"/>
+          <p:nvPr/>
+        </p:nvSpPr>
+        <p:spPr>
+          <a:xfrm>
+            <a:off x="3931744" y="5547962"/>
+            <a:ext cx="1628504" cy="369332"/>
+          </a:xfrm>
+          <a:prstGeom prst="rect">
+            <a:avLst/>
+          </a:prstGeom>
+          <a:solidFill>
+            <a:schemeClr val="bg1"/>
+          </a:solidFill>
+          <a:ln>
+            <a:solidFill>
+              <a:schemeClr val="tx1"/>
+            </a:solidFill>
+          </a:ln>
+        </p:spPr>
+        <p:txBody>
+          <a:bodyPr wrap="square" rtlCol="0">
+            <a:spAutoFit/>
+          </a:bodyPr>
+          <a:lstStyle/>
+          <a:p>
+            <a:r>
+              <a:rPr lang="en-US" sz="900" dirty="0"/>
+              <a:t>Request Time, Unique ID per Request, Request, Status</a:t>
+            </a:r>
+          </a:p>
+        </p:txBody>
+      </p:sp>
+      <p:sp>
+        <p:nvSpPr>
+          <p:cNvPr id="80" name="TextBox 79">
+            <a:extLst>
+              <a:ext uri="{FF2B5EF4-FFF2-40B4-BE49-F238E27FC236}">
+                <a16:creationId xmlns:a16="http://schemas.microsoft.com/office/drawing/2014/main" id="{EB27DBAE-1231-4B0E-B50B-9E0AD9AC08D5}"/>
+              </a:ext>
+            </a:extLst>
+          </p:cNvPr>
+          <p:cNvSpPr txBox="1"/>
+          <p:nvPr/>
+        </p:nvSpPr>
+        <p:spPr>
+          <a:xfrm>
+            <a:off x="5795544" y="5364388"/>
+            <a:ext cx="1628504" cy="246221"/>
+          </a:xfrm>
+          <a:prstGeom prst="rect">
+            <a:avLst/>
+          </a:prstGeom>
+          <a:solidFill>
+            <a:schemeClr val="bg1"/>
+          </a:solidFill>
+          <a:ln>
+            <a:solidFill>
+              <a:schemeClr val="tx1"/>
+            </a:solidFill>
+          </a:ln>
+        </p:spPr>
+        <p:txBody>
+          <a:bodyPr wrap="square" rtlCol="0">
+            <a:spAutoFit/>
+          </a:bodyPr>
+          <a:lstStyle/>
+          <a:p>
+            <a:r>
+              <a:rPr lang="en-US" sz="1000" dirty="0"/>
+              <a:t>Logs, Heartbeat, </a:t>
+            </a:r>
+          </a:p>
+        </p:txBody>
+      </p:sp>
+      <p:sp>
+        <p:nvSpPr>
+          <p:cNvPr id="81" name="TextBox 80">
+            <a:extLst>
+              <a:ext uri="{FF2B5EF4-FFF2-40B4-BE49-F238E27FC236}">
+                <a16:creationId xmlns:a16="http://schemas.microsoft.com/office/drawing/2014/main" id="{01C6BAA1-80E8-4B84-9FD4-CD3A4A74152F}"/>
+              </a:ext>
+            </a:extLst>
+          </p:cNvPr>
+          <p:cNvSpPr txBox="1"/>
+          <p:nvPr/>
+        </p:nvSpPr>
+        <p:spPr>
+          <a:xfrm>
+            <a:off x="6898618" y="5090609"/>
+            <a:ext cx="1147356" cy="215444"/>
+          </a:xfrm>
+          <a:prstGeom prst="rect">
+            <a:avLst/>
+          </a:prstGeom>
+          <a:solidFill>
+            <a:schemeClr val="bg1"/>
+          </a:solidFill>
+          <a:ln>
+            <a:solidFill>
+              <a:schemeClr val="tx1"/>
+            </a:solidFill>
+          </a:ln>
+        </p:spPr>
+        <p:txBody>
+          <a:bodyPr wrap="square" rtlCol="0">
+            <a:spAutoFit/>
+          </a:bodyPr>
+          <a:lstStyle/>
+          <a:p>
+            <a:r>
+              <a:rPr lang="en-US" sz="800" dirty="0"/>
+              <a:t>Throughput per </a:t>
+            </a:r>
+            <a:r>
+              <a:rPr lang="en-US" sz="800" dirty="0" err="1"/>
+              <a:t>IP:Port</a:t>
+            </a:r>
+            <a:endParaRPr lang="en-US" sz="800" dirty="0"/>
+          </a:p>
+        </p:txBody>
+      </p:sp>
+      <p:sp>
+        <p:nvSpPr>
+          <p:cNvPr id="84" name="TextBox 83">
+            <a:extLst>
+              <a:ext uri="{FF2B5EF4-FFF2-40B4-BE49-F238E27FC236}">
+                <a16:creationId xmlns:a16="http://schemas.microsoft.com/office/drawing/2014/main" id="{837251C5-4FB3-4267-A362-16C50B8642A2}"/>
+              </a:ext>
+            </a:extLst>
+          </p:cNvPr>
+          <p:cNvSpPr txBox="1"/>
+          <p:nvPr/>
+        </p:nvSpPr>
+        <p:spPr>
+          <a:xfrm>
+            <a:off x="5106322" y="2716006"/>
+            <a:ext cx="1147356" cy="461665"/>
+          </a:xfrm>
+          <a:prstGeom prst="rect">
+            <a:avLst/>
+          </a:prstGeom>
+          <a:solidFill>
+            <a:schemeClr val="bg1"/>
+          </a:solidFill>
+          <a:ln>
+            <a:solidFill>
+              <a:schemeClr val="tx1"/>
+            </a:solidFill>
+          </a:ln>
+        </p:spPr>
+        <p:txBody>
+          <a:bodyPr wrap="square" rtlCol="0">
+            <a:spAutoFit/>
+          </a:bodyPr>
+          <a:lstStyle/>
+          <a:p>
+            <a:r>
+              <a:rPr lang="en-US" sz="800" dirty="0"/>
+              <a:t>Log Messages &amp; Monitoring Information, Tracing</a:t>
+            </a:r>
+          </a:p>
+        </p:txBody>
+      </p:sp>
+      <p:sp>
+        <p:nvSpPr>
+          <p:cNvPr id="85" name="TextBox 84">
+            <a:extLst>
+              <a:ext uri="{FF2B5EF4-FFF2-40B4-BE49-F238E27FC236}">
+                <a16:creationId xmlns:a16="http://schemas.microsoft.com/office/drawing/2014/main" id="{E32049F7-B39F-47CC-AC0C-4B91A8EE70AD}"/>
+              </a:ext>
+            </a:extLst>
+          </p:cNvPr>
+          <p:cNvSpPr txBox="1"/>
+          <p:nvPr/>
+        </p:nvSpPr>
+        <p:spPr>
+          <a:xfrm>
+            <a:off x="4532644" y="567288"/>
+            <a:ext cx="1147356" cy="553998"/>
+          </a:xfrm>
+          <a:prstGeom prst="rect">
+            <a:avLst/>
+          </a:prstGeom>
+          <a:solidFill>
+            <a:schemeClr val="bg1"/>
+          </a:solidFill>
+          <a:ln>
+            <a:solidFill>
+              <a:schemeClr val="tx1"/>
+            </a:solidFill>
+          </a:ln>
+        </p:spPr>
+        <p:txBody>
+          <a:bodyPr wrap="square" rtlCol="0">
+            <a:spAutoFit/>
+          </a:bodyPr>
+          <a:lstStyle/>
+          <a:p>
+            <a:r>
+              <a:rPr lang="en-US" sz="1000" dirty="0"/>
+              <a:t>Unique Request ID + Forwarded Request</a:t>
+            </a:r>
+          </a:p>
+        </p:txBody>
+      </p:sp>
+      <p:sp>
+        <p:nvSpPr>
+          <p:cNvPr id="87" name="TextBox 86">
+            <a:extLst>
+              <a:ext uri="{FF2B5EF4-FFF2-40B4-BE49-F238E27FC236}">
+                <a16:creationId xmlns:a16="http://schemas.microsoft.com/office/drawing/2014/main" id="{99434612-5F6C-4DCD-9C2C-BD2FAED31094}"/>
+              </a:ext>
+            </a:extLst>
+          </p:cNvPr>
+          <p:cNvSpPr txBox="1"/>
+          <p:nvPr/>
+        </p:nvSpPr>
+        <p:spPr>
+          <a:xfrm>
+            <a:off x="7081654" y="6099699"/>
+            <a:ext cx="1307827" cy="230832"/>
+          </a:xfrm>
+          <a:prstGeom prst="rect">
+            <a:avLst/>
+          </a:prstGeom>
+          <a:solidFill>
+            <a:schemeClr val="bg1"/>
+          </a:solidFill>
+          <a:ln>
+            <a:solidFill>
+              <a:schemeClr val="tx1"/>
+            </a:solidFill>
+          </a:ln>
+        </p:spPr>
+        <p:txBody>
+          <a:bodyPr wrap="square" rtlCol="0">
+            <a:spAutoFit/>
+          </a:bodyPr>
+          <a:lstStyle/>
+          <a:p>
+            <a:r>
+              <a:rPr lang="en-US" sz="900" dirty="0"/>
+              <a:t>CPU, MEM, Network</a:t>
+            </a:r>
+          </a:p>
+        </p:txBody>
+      </p:sp>
+      <p:cxnSp>
+        <p:nvCxnSpPr>
+          <p:cNvPr id="89" name="Straight Connector 88">
+            <a:extLst>
+              <a:ext uri="{FF2B5EF4-FFF2-40B4-BE49-F238E27FC236}">
+                <a16:creationId xmlns:a16="http://schemas.microsoft.com/office/drawing/2014/main" id="{07AFB073-E619-4C68-A35E-8B885A6F2FF7}"/>
+              </a:ext>
+            </a:extLst>
+          </p:cNvPr>
+          <p:cNvCxnSpPr>
+            <a:cxnSpLocks/>
+            <a:stCxn id="85" idx="1"/>
+          </p:cNvCxnSpPr>
+          <p:nvPr/>
+        </p:nvCxnSpPr>
+        <p:spPr>
+          <a:xfrm flipH="1">
+            <a:off x="4467497" y="844287"/>
+            <a:ext cx="65147" cy="1280604"/>
+          </a:xfrm>
+          <a:prstGeom prst="line">
+            <a:avLst/>
+          </a:prstGeom>
+        </p:spPr>
+        <p:style>
+          <a:lnRef idx="1">
+            <a:schemeClr val="accent1"/>
+          </a:lnRef>
+          <a:fillRef idx="0">
+            <a:schemeClr val="accent1"/>
+          </a:fillRef>
+          <a:effectRef idx="0">
+            <a:schemeClr val="accent1"/>
+          </a:effectRef>
+          <a:fontRef idx="minor">
+            <a:schemeClr val="tx1"/>
+          </a:fontRef>
+        </p:style>
+      </p:cxnSp>
+      <p:sp>
+        <p:nvSpPr>
+          <p:cNvPr id="2" name="Rectangle 1">
+            <a:extLst>
+              <a:ext uri="{FF2B5EF4-FFF2-40B4-BE49-F238E27FC236}">
+                <a16:creationId xmlns:a16="http://schemas.microsoft.com/office/drawing/2014/main" id="{62DD10FE-61F7-43EF-9134-1DC131BE6173}"/>
+              </a:ext>
+            </a:extLst>
+          </p:cNvPr>
+          <p:cNvSpPr/>
+          <p:nvPr/>
+        </p:nvSpPr>
+        <p:spPr>
+          <a:xfrm>
+            <a:off x="8194987" y="4163812"/>
+            <a:ext cx="891065" cy="695307"/>
+          </a:xfrm>
+          <a:prstGeom prst="rect">
+            <a:avLst/>
+          </a:prstGeom>
+        </p:spPr>
+        <p:style>
+          <a:lnRef idx="2">
+            <a:schemeClr val="accent1">
+              <a:shade val="50000"/>
+            </a:schemeClr>
+          </a:lnRef>
+          <a:fillRef idx="1">
+            <a:schemeClr val="accent1"/>
+          </a:fillRef>
+          <a:effectRef idx="0">
+            <a:schemeClr val="accent1"/>
+          </a:effectRef>
+          <a:fontRef idx="minor">
+            <a:schemeClr val="lt1"/>
+          </a:fontRef>
+        </p:style>
+        <p:txBody>
+          <a:bodyPr rtlCol="0" anchor="ctr"/>
+          <a:lstStyle/>
+          <a:p>
+            <a:pPr algn="ctr"/>
+            <a:r>
+              <a:rPr lang="en-US" dirty="0" err="1"/>
+              <a:t>Zipkin</a:t>
+            </a:r>
+            <a:endParaRPr lang="de-DE" dirty="0"/>
+          </a:p>
+        </p:txBody>
+      </p:sp>
+      <p:cxnSp>
+        <p:nvCxnSpPr>
+          <p:cNvPr id="41" name="Connector: Elbow 40">
+            <a:extLst>
+              <a:ext uri="{FF2B5EF4-FFF2-40B4-BE49-F238E27FC236}">
+                <a16:creationId xmlns:a16="http://schemas.microsoft.com/office/drawing/2014/main" id="{EAF7EBB8-B1EF-46A6-AB6D-AFA6060928D0}"/>
+              </a:ext>
+            </a:extLst>
+          </p:cNvPr>
+          <p:cNvCxnSpPr>
+            <a:cxnSpLocks/>
+            <a:stCxn id="7" idx="2"/>
+            <a:endCxn id="2" idx="1"/>
+          </p:cNvCxnSpPr>
+          <p:nvPr/>
+        </p:nvCxnSpPr>
+        <p:spPr>
+          <a:xfrm rot="16200000" flipH="1">
+            <a:off x="6563157" y="2879635"/>
+            <a:ext cx="729235" cy="2534425"/>
+          </a:xfrm>
+          <a:prstGeom prst="bentConnector2">
+            <a:avLst/>
+          </a:prstGeom>
+          <a:ln>
+            <a:prstDash val="dash"/>
+            <a:headEnd type="none" w="med" len="med"/>
+            <a:tailEnd type="triangle" w="med" len="med"/>
+          </a:ln>
+        </p:spPr>
+        <p:style>
+          <a:lnRef idx="1">
+            <a:schemeClr val="accent2"/>
+          </a:lnRef>
+          <a:fillRef idx="0">
+            <a:schemeClr val="accent2"/>
+          </a:fillRef>
+          <a:effectRef idx="0">
+            <a:schemeClr val="accent2"/>
+          </a:effectRef>
+          <a:fontRef idx="minor">
+            <a:schemeClr val="tx1"/>
+          </a:fontRef>
+        </p:style>
+      </p:cxnSp>
+      <p:cxnSp>
+        <p:nvCxnSpPr>
+          <p:cNvPr id="45" name="Connector: Elbow 44">
+            <a:extLst>
+              <a:ext uri="{FF2B5EF4-FFF2-40B4-BE49-F238E27FC236}">
+                <a16:creationId xmlns:a16="http://schemas.microsoft.com/office/drawing/2014/main" id="{74262329-3019-41F5-A6F4-E043525D9FB8}"/>
+              </a:ext>
+            </a:extLst>
+          </p:cNvPr>
+          <p:cNvCxnSpPr>
+            <a:cxnSpLocks/>
+            <a:stCxn id="6" idx="2"/>
+          </p:cNvCxnSpPr>
+          <p:nvPr/>
+        </p:nvCxnSpPr>
+        <p:spPr>
+          <a:xfrm rot="16200000" flipH="1">
+            <a:off x="5665744" y="2182479"/>
+            <a:ext cx="831874" cy="4224430"/>
+          </a:xfrm>
+          <a:prstGeom prst="bentConnector2">
+            <a:avLst/>
+          </a:prstGeom>
+          <a:ln>
+            <a:prstDash val="dash"/>
+            <a:headEnd type="none" w="med" len="med"/>
+            <a:tailEnd type="triangle" w="med" len="med"/>
+          </a:ln>
+        </p:spPr>
+        <p:style>
+          <a:lnRef idx="1">
+            <a:schemeClr val="accent2"/>
+          </a:lnRef>
+          <a:fillRef idx="0">
+            <a:schemeClr val="accent2"/>
+          </a:fillRef>
+          <a:effectRef idx="0">
+            <a:schemeClr val="accent2"/>
+          </a:effectRef>
+          <a:fontRef idx="minor">
+            <a:schemeClr val="tx1"/>
+          </a:fontRef>
+        </p:style>
+      </p:cxnSp>
+      <p:sp>
+        <p:nvSpPr>
+          <p:cNvPr id="53" name="TextBox 52">
+            <a:extLst>
+              <a:ext uri="{FF2B5EF4-FFF2-40B4-BE49-F238E27FC236}">
+                <a16:creationId xmlns:a16="http://schemas.microsoft.com/office/drawing/2014/main" id="{70548A77-4F48-4E82-B2ED-B06354262D3E}"/>
+              </a:ext>
+            </a:extLst>
+          </p:cNvPr>
+          <p:cNvSpPr txBox="1"/>
+          <p:nvPr/>
+        </p:nvSpPr>
+        <p:spPr>
+          <a:xfrm>
+            <a:off x="3953511" y="4590249"/>
+            <a:ext cx="1362886" cy="246221"/>
+          </a:xfrm>
+          <a:prstGeom prst="rect">
+            <a:avLst/>
+          </a:prstGeom>
+          <a:solidFill>
+            <a:schemeClr val="bg1"/>
+          </a:solidFill>
+          <a:ln>
+            <a:solidFill>
+              <a:schemeClr val="tx1"/>
+            </a:solidFill>
+          </a:ln>
+        </p:spPr>
+        <p:txBody>
+          <a:bodyPr wrap="square" rtlCol="0">
+            <a:spAutoFit/>
+          </a:bodyPr>
+          <a:lstStyle/>
+          <a:p>
+            <a:r>
+              <a:rPr lang="en-US" sz="1000" dirty="0"/>
+              <a:t>Audit-Trace</a:t>
+            </a:r>
+          </a:p>
+        </p:txBody>
+      </p:sp>
+      <p:sp>
+        <p:nvSpPr>
+          <p:cNvPr id="54" name="TextBox 53">
+            <a:extLst>
+              <a:ext uri="{FF2B5EF4-FFF2-40B4-BE49-F238E27FC236}">
+                <a16:creationId xmlns:a16="http://schemas.microsoft.com/office/drawing/2014/main" id="{E708983A-CF61-4DBE-8F3F-470F73AF3657}"/>
+              </a:ext>
+            </a:extLst>
+          </p:cNvPr>
+          <p:cNvSpPr txBox="1"/>
+          <p:nvPr/>
+        </p:nvSpPr>
+        <p:spPr>
+          <a:xfrm>
+            <a:off x="5725145" y="4382568"/>
+            <a:ext cx="884651" cy="246221"/>
+          </a:xfrm>
+          <a:prstGeom prst="rect">
+            <a:avLst/>
+          </a:prstGeom>
+          <a:solidFill>
+            <a:schemeClr val="bg1"/>
+          </a:solidFill>
+          <a:ln>
+            <a:solidFill>
+              <a:schemeClr val="tx1"/>
+            </a:solidFill>
+          </a:ln>
+        </p:spPr>
+        <p:txBody>
+          <a:bodyPr wrap="square" rtlCol="0">
+            <a:spAutoFit/>
+          </a:bodyPr>
+          <a:lstStyle/>
+          <a:p>
+            <a:r>
+              <a:rPr lang="en-US" sz="1000" dirty="0"/>
+              <a:t>Audit-Trace</a:t>
+            </a:r>
+          </a:p>
+        </p:txBody>
+      </p:sp>
+      <p:cxnSp>
+        <p:nvCxnSpPr>
+          <p:cNvPr id="44" name="Connector: Elbow 43">
+            <a:extLst>
+              <a:ext uri="{FF2B5EF4-FFF2-40B4-BE49-F238E27FC236}">
+                <a16:creationId xmlns:a16="http://schemas.microsoft.com/office/drawing/2014/main" id="{D7C1E025-F89D-47B2-ACF9-050C6A92BBD3}"/>
+              </a:ext>
+            </a:extLst>
+          </p:cNvPr>
+          <p:cNvCxnSpPr>
+            <a:cxnSpLocks/>
+            <a:stCxn id="2" idx="2"/>
+            <a:endCxn id="20" idx="1"/>
+          </p:cNvCxnSpPr>
+          <p:nvPr/>
+        </p:nvCxnSpPr>
+        <p:spPr>
+          <a:xfrm rot="5400000">
+            <a:off x="8540059" y="4959580"/>
+            <a:ext cx="200923" cy="12700"/>
+          </a:xfrm>
+          <a:prstGeom prst="bentConnector3">
+            <a:avLst>
+              <a:gd name="adj1" fmla="val 84674"/>
+            </a:avLst>
+          </a:prstGeom>
+          <a:ln w="19050">
+            <a:solidFill>
+              <a:schemeClr val="accent6"/>
+            </a:solidFill>
+            <a:headEnd type="none" w="med" len="med"/>
+            <a:tailEnd type="triangle" w="med" len="med"/>
+          </a:ln>
+        </p:spPr>
+        <p:style>
+          <a:lnRef idx="1">
+            <a:schemeClr val="accent2"/>
+          </a:lnRef>
+          <a:fillRef idx="0">
+            <a:schemeClr val="accent2"/>
+          </a:fillRef>
+          <a:effectRef idx="0">
+            <a:schemeClr val="accent2"/>
+          </a:effectRef>
+          <a:fontRef idx="minor">
+            <a:schemeClr val="tx1"/>
+          </a:fontRef>
+        </p:style>
+      </p:cxnSp>
+      <p:cxnSp>
+        <p:nvCxnSpPr>
+          <p:cNvPr id="73" name="Connector: Elbow 72">
+            <a:extLst>
+              <a:ext uri="{FF2B5EF4-FFF2-40B4-BE49-F238E27FC236}">
+                <a16:creationId xmlns:a16="http://schemas.microsoft.com/office/drawing/2014/main" id="{E368BF2C-F4FB-4CCD-BAC0-27A9987E50CD}"/>
+              </a:ext>
+            </a:extLst>
+          </p:cNvPr>
+          <p:cNvCxnSpPr>
+            <a:cxnSpLocks/>
+            <a:stCxn id="14" idx="3"/>
+            <a:endCxn id="2" idx="0"/>
+          </p:cNvCxnSpPr>
+          <p:nvPr/>
+        </p:nvCxnSpPr>
+        <p:spPr>
+          <a:xfrm rot="5400000">
+            <a:off x="7759717" y="3177949"/>
+            <a:ext cx="1866667" cy="105059"/>
+          </a:xfrm>
+          <a:prstGeom prst="bentConnector3">
+            <a:avLst>
+              <a:gd name="adj1" fmla="val 63996"/>
+            </a:avLst>
+          </a:prstGeom>
+          <a:ln>
+            <a:prstDash val="dash"/>
+            <a:headEnd type="none" w="med" len="med"/>
+            <a:tailEnd type="triangle" w="med" len="med"/>
+          </a:ln>
+        </p:spPr>
+        <p:style>
+          <a:lnRef idx="1">
+            <a:schemeClr val="accent2"/>
+          </a:lnRef>
+          <a:fillRef idx="0">
+            <a:schemeClr val="accent2"/>
+          </a:fillRef>
+          <a:effectRef idx="0">
+            <a:schemeClr val="accent2"/>
+          </a:effectRef>
+          <a:fontRef idx="minor">
+            <a:schemeClr val="tx1"/>
+          </a:fontRef>
+        </p:style>
+      </p:cxnSp>
+      <p:pic>
+        <p:nvPicPr>
+          <p:cNvPr id="71" name="Graphic 70" descr="Puzzle">
+            <a:extLst>
+              <a:ext uri="{FF2B5EF4-FFF2-40B4-BE49-F238E27FC236}">
+                <a16:creationId xmlns:a16="http://schemas.microsoft.com/office/drawing/2014/main" id="{1BD4F1A4-351F-419E-A933-14FFC6B400E3}"/>
+              </a:ext>
+            </a:extLst>
+          </p:cNvPr>
+          <p:cNvPicPr>
+            <a:picLocks noChangeAspect="1"/>
+          </p:cNvPicPr>
+          <p:nvPr/>
+        </p:nvPicPr>
+        <p:blipFill>
+          <a:blip r:embed="rId2">
+            <a:extLst>
+              <a:ext uri="{28A0092B-C50C-407E-A947-70E740481C1C}">
+                <a14:useLocalDpi xmlns:a14="http://schemas.microsoft.com/office/drawing/2010/main" val="0"/>
+              </a:ext>
+              <a:ext uri="{96DAC541-7B7A-43D3-8B79-37D633B846F1}">
+                <asvg:svgBlip xmlns:asvg="http://schemas.microsoft.com/office/drawing/2016/SVG/main" r:embed="rId3"/>
+              </a:ext>
+            </a:extLst>
+          </a:blip>
+          <a:stretch>
+            <a:fillRect/>
+          </a:stretch>
+        </p:blipFill>
+        <p:spPr>
+          <a:xfrm>
+            <a:off x="5691048" y="1739692"/>
+            <a:ext cx="914400" cy="914400"/>
+          </a:xfrm>
+          <a:prstGeom prst="rect">
+            <a:avLst/>
+          </a:prstGeom>
+        </p:spPr>
+      </p:pic>
+      <p:pic>
+        <p:nvPicPr>
+          <p:cNvPr id="86" name="Graphic 85" descr="Puzzle">
+            <a:extLst>
+              <a:ext uri="{FF2B5EF4-FFF2-40B4-BE49-F238E27FC236}">
+                <a16:creationId xmlns:a16="http://schemas.microsoft.com/office/drawing/2014/main" id="{A6C94A76-E360-4749-8141-2320C1A09501}"/>
+              </a:ext>
+            </a:extLst>
+          </p:cNvPr>
+          <p:cNvPicPr>
+            <a:picLocks noChangeAspect="1"/>
+          </p:cNvPicPr>
+          <p:nvPr/>
+        </p:nvPicPr>
+        <p:blipFill>
+          <a:blip r:embed="rId2">
+            <a:extLst>
+              <a:ext uri="{28A0092B-C50C-407E-A947-70E740481C1C}">
+                <a14:useLocalDpi xmlns:a14="http://schemas.microsoft.com/office/drawing/2010/main" val="0"/>
+              </a:ext>
+              <a:ext uri="{96DAC541-7B7A-43D3-8B79-37D633B846F1}">
+                <asvg:svgBlip xmlns:asvg="http://schemas.microsoft.com/office/drawing/2016/SVG/main" r:embed="rId3"/>
+              </a:ext>
+            </a:extLst>
+          </a:blip>
+          <a:stretch>
+            <a:fillRect/>
+          </a:stretch>
+        </p:blipFill>
+        <p:spPr>
+          <a:xfrm>
+            <a:off x="4773317" y="1230508"/>
+            <a:ext cx="453552" cy="453552"/>
+          </a:xfrm>
+          <a:prstGeom prst="rect">
+            <a:avLst/>
+          </a:prstGeom>
+        </p:spPr>
+      </p:pic>
+      <p:sp>
+        <p:nvSpPr>
+          <p:cNvPr id="88" name="TextBox 87">
+            <a:extLst>
+              <a:ext uri="{FF2B5EF4-FFF2-40B4-BE49-F238E27FC236}">
+                <a16:creationId xmlns:a16="http://schemas.microsoft.com/office/drawing/2014/main" id="{97F54849-CAE4-499E-8954-86875CF9D6F7}"/>
+              </a:ext>
+            </a:extLst>
+          </p:cNvPr>
+          <p:cNvSpPr txBox="1"/>
+          <p:nvPr/>
+        </p:nvSpPr>
+        <p:spPr>
+          <a:xfrm>
+            <a:off x="8241230" y="3339954"/>
+            <a:ext cx="884651" cy="246221"/>
+          </a:xfrm>
+          <a:prstGeom prst="rect">
+            <a:avLst/>
+          </a:prstGeom>
+          <a:solidFill>
+            <a:schemeClr val="bg1"/>
+          </a:solidFill>
+          <a:ln>
+            <a:solidFill>
+              <a:schemeClr val="tx1"/>
+            </a:solidFill>
+          </a:ln>
+        </p:spPr>
+        <p:txBody>
+          <a:bodyPr wrap="square" rtlCol="0">
+            <a:spAutoFit/>
+          </a:bodyPr>
+          <a:lstStyle/>
+          <a:p>
+            <a:r>
+              <a:rPr lang="en-US" sz="1000" dirty="0"/>
+              <a:t>Audit-Trace</a:t>
+            </a:r>
+          </a:p>
+        </p:txBody>
+      </p:sp>
+      <p:sp>
+        <p:nvSpPr>
+          <p:cNvPr id="90" name="Rectangle: Rounded Corners 89">
+            <a:extLst>
+              <a:ext uri="{FF2B5EF4-FFF2-40B4-BE49-F238E27FC236}">
+                <a16:creationId xmlns:a16="http://schemas.microsoft.com/office/drawing/2014/main" id="{0D5E03CA-ED4E-4D31-A89D-1DB89D1E21F5}"/>
+              </a:ext>
+            </a:extLst>
+          </p:cNvPr>
+          <p:cNvSpPr/>
+          <p:nvPr/>
+        </p:nvSpPr>
+        <p:spPr>
+          <a:xfrm>
+            <a:off x="216873" y="2681831"/>
+            <a:ext cx="1925153" cy="672373"/>
+          </a:xfrm>
+          <a:prstGeom prst="roundRect">
+            <a:avLst/>
+          </a:prstGeom>
+        </p:spPr>
+        <p:style>
+          <a:lnRef idx="2">
+            <a:schemeClr val="accent6">
+              <a:shade val="50000"/>
+            </a:schemeClr>
+          </a:lnRef>
+          <a:fillRef idx="1">
+            <a:schemeClr val="accent6"/>
+          </a:fillRef>
+          <a:effectRef idx="0">
+            <a:schemeClr val="accent6"/>
+          </a:effectRef>
+          <a:fontRef idx="minor">
+            <a:schemeClr val="lt1"/>
+          </a:fontRef>
+        </p:style>
+        <p:txBody>
+          <a:bodyPr rtlCol="0" anchor="ctr"/>
+          <a:lstStyle/>
+          <a:p>
+            <a:pPr algn="ctr"/>
+            <a:r>
+              <a:rPr lang="en-US" dirty="0"/>
+              <a:t>Microbenchmark</a:t>
+            </a:r>
+          </a:p>
+        </p:txBody>
+      </p:sp>
+      <p:cxnSp>
+        <p:nvCxnSpPr>
+          <p:cNvPr id="91" name="Straight Arrow Connector 90">
+            <a:extLst>
+              <a:ext uri="{FF2B5EF4-FFF2-40B4-BE49-F238E27FC236}">
+                <a16:creationId xmlns:a16="http://schemas.microsoft.com/office/drawing/2014/main" id="{413C6F34-6013-45D8-AB7F-070561068B61}"/>
+              </a:ext>
+            </a:extLst>
+          </p:cNvPr>
+          <p:cNvCxnSpPr>
+            <a:cxnSpLocks/>
+            <a:stCxn id="90" idx="3"/>
+            <a:endCxn id="6" idx="1"/>
+          </p:cNvCxnSpPr>
+          <p:nvPr/>
+        </p:nvCxnSpPr>
+        <p:spPr>
+          <a:xfrm flipV="1">
+            <a:off x="2142026" y="2345644"/>
+            <a:ext cx="1581957" cy="672374"/>
+          </a:xfrm>
+          <a:prstGeom prst="straightConnector1">
+            <a:avLst/>
+          </a:prstGeom>
+          <a:ln w="19050">
+            <a:headEnd type="triangle"/>
+            <a:tailEnd type="triangle"/>
+          </a:ln>
+        </p:spPr>
+        <p:style>
+          <a:lnRef idx="1">
+            <a:schemeClr val="accent1"/>
+          </a:lnRef>
+          <a:fillRef idx="0">
+            <a:schemeClr val="accent1"/>
+          </a:fillRef>
+          <a:effectRef idx="0">
+            <a:schemeClr val="accent1"/>
+          </a:effectRef>
+          <a:fontRef idx="minor">
+            <a:schemeClr val="tx1"/>
+          </a:fontRef>
+        </p:style>
+      </p:cxnSp>
+      <p:sp>
+        <p:nvSpPr>
+          <p:cNvPr id="92" name="TextBox 91">
+            <a:extLst>
+              <a:ext uri="{FF2B5EF4-FFF2-40B4-BE49-F238E27FC236}">
+                <a16:creationId xmlns:a16="http://schemas.microsoft.com/office/drawing/2014/main" id="{E109312C-2FC5-43D8-8B9E-3E03019814E7}"/>
+              </a:ext>
+            </a:extLst>
+          </p:cNvPr>
+          <p:cNvSpPr txBox="1"/>
+          <p:nvPr/>
+        </p:nvSpPr>
+        <p:spPr>
+          <a:xfrm>
+            <a:off x="2453371" y="2592895"/>
+            <a:ext cx="848195" cy="246221"/>
+          </a:xfrm>
+          <a:prstGeom prst="rect">
+            <a:avLst/>
+          </a:prstGeom>
+          <a:solidFill>
+            <a:schemeClr val="bg1"/>
+          </a:solidFill>
+          <a:ln>
+            <a:solidFill>
+              <a:schemeClr val="tx1"/>
+            </a:solidFill>
+          </a:ln>
+        </p:spPr>
+        <p:txBody>
+          <a:bodyPr wrap="square" rtlCol="0">
+            <a:spAutoFit/>
+          </a:bodyPr>
+          <a:lstStyle/>
+          <a:p>
+            <a:r>
+              <a:rPr lang="en-US" sz="1000" dirty="0"/>
+              <a:t>App-ID</a:t>
+            </a:r>
+          </a:p>
+        </p:txBody>
+      </p:sp>
+      <p:cxnSp>
+        <p:nvCxnSpPr>
+          <p:cNvPr id="93" name="Connector: Elbow 92">
+            <a:extLst>
+              <a:ext uri="{FF2B5EF4-FFF2-40B4-BE49-F238E27FC236}">
+                <a16:creationId xmlns:a16="http://schemas.microsoft.com/office/drawing/2014/main" id="{8F4C21B4-7514-4A40-A752-CD73CF65835C}"/>
+              </a:ext>
+            </a:extLst>
+          </p:cNvPr>
+          <p:cNvCxnSpPr>
+            <a:cxnSpLocks/>
+            <a:stCxn id="90" idx="2"/>
+          </p:cNvCxnSpPr>
+          <p:nvPr/>
+        </p:nvCxnSpPr>
+        <p:spPr>
+          <a:xfrm rot="16200000" flipH="1">
+            <a:off x="4211663" y="321991"/>
+            <a:ext cx="950022" cy="7014448"/>
+          </a:xfrm>
+          <a:prstGeom prst="bentConnector2">
+            <a:avLst/>
+          </a:prstGeom>
+          <a:ln>
+            <a:prstDash val="dash"/>
+            <a:headEnd type="none" w="med" len="med"/>
+            <a:tailEnd type="triangle" w="med" len="med"/>
+          </a:ln>
+        </p:spPr>
+        <p:style>
+          <a:lnRef idx="1">
+            <a:schemeClr val="accent2"/>
+          </a:lnRef>
+          <a:fillRef idx="0">
+            <a:schemeClr val="accent2"/>
+          </a:fillRef>
+          <a:effectRef idx="0">
+            <a:schemeClr val="accent2"/>
+          </a:effectRef>
+          <a:fontRef idx="minor">
+            <a:schemeClr val="tx1"/>
+          </a:fontRef>
+        </p:style>
+      </p:cxnSp>
+      <p:sp>
+        <p:nvSpPr>
+          <p:cNvPr id="94" name="TextBox 93">
+            <a:extLst>
+              <a:ext uri="{FF2B5EF4-FFF2-40B4-BE49-F238E27FC236}">
+                <a16:creationId xmlns:a16="http://schemas.microsoft.com/office/drawing/2014/main" id="{85E7BC1B-D220-408A-AAC2-8A14F125A3ED}"/>
+              </a:ext>
+            </a:extLst>
+          </p:cNvPr>
+          <p:cNvSpPr txBox="1"/>
+          <p:nvPr/>
+        </p:nvSpPr>
+        <p:spPr>
+          <a:xfrm>
+            <a:off x="1568720" y="4195781"/>
+            <a:ext cx="884651" cy="246221"/>
+          </a:xfrm>
+          <a:prstGeom prst="rect">
+            <a:avLst/>
+          </a:prstGeom>
+          <a:solidFill>
+            <a:schemeClr val="bg1"/>
+          </a:solidFill>
+          <a:ln>
+            <a:solidFill>
+              <a:schemeClr val="tx1"/>
+            </a:solidFill>
+          </a:ln>
+        </p:spPr>
+        <p:txBody>
+          <a:bodyPr wrap="square" rtlCol="0">
+            <a:spAutoFit/>
+          </a:bodyPr>
+          <a:lstStyle/>
+          <a:p>
+            <a:r>
+              <a:rPr lang="en-US" sz="1000" dirty="0"/>
+              <a:t>Audit-Trace</a:t>
+            </a:r>
+          </a:p>
+        </p:txBody>
+      </p:sp>
+      <p:sp>
+        <p:nvSpPr>
+          <p:cNvPr id="95" name="Rectangle: Rounded Corners 94">
+            <a:extLst>
+              <a:ext uri="{FF2B5EF4-FFF2-40B4-BE49-F238E27FC236}">
+                <a16:creationId xmlns:a16="http://schemas.microsoft.com/office/drawing/2014/main" id="{3E35FE46-0AA0-44AB-BC3D-4841CD1735DC}"/>
+              </a:ext>
+            </a:extLst>
+          </p:cNvPr>
+          <p:cNvSpPr/>
+          <p:nvPr/>
+        </p:nvSpPr>
+        <p:spPr>
+          <a:xfrm>
+            <a:off x="9879669" y="4991822"/>
+            <a:ext cx="1627204" cy="991351"/>
+          </a:xfrm>
+          <a:prstGeom prst="roundRect">
+            <a:avLst/>
+          </a:prstGeom>
+        </p:spPr>
+        <p:style>
+          <a:lnRef idx="2">
+            <a:schemeClr val="accent6">
+              <a:shade val="50000"/>
+            </a:schemeClr>
+          </a:lnRef>
+          <a:fillRef idx="1">
+            <a:schemeClr val="accent6"/>
+          </a:fillRef>
+          <a:effectRef idx="0">
+            <a:schemeClr val="accent6"/>
+          </a:effectRef>
+          <a:fontRef idx="minor">
+            <a:schemeClr val="lt1"/>
+          </a:fontRef>
+        </p:style>
+        <p:txBody>
+          <a:bodyPr rtlCol="0" anchor="ctr"/>
+          <a:lstStyle/>
+          <a:p>
+            <a:pPr algn="ctr"/>
+            <a:r>
+              <a:rPr lang="en-US" dirty="0"/>
+              <a:t>Data analytics (4.3)</a:t>
+            </a:r>
+          </a:p>
+        </p:txBody>
+      </p:sp>
+      <p:cxnSp>
+        <p:nvCxnSpPr>
+          <p:cNvPr id="96" name="Connector: Elbow 95">
+            <a:extLst>
+              <a:ext uri="{FF2B5EF4-FFF2-40B4-BE49-F238E27FC236}">
+                <a16:creationId xmlns:a16="http://schemas.microsoft.com/office/drawing/2014/main" id="{4048FFFF-A174-44E4-BE6B-9D443AACA5C0}"/>
+              </a:ext>
+            </a:extLst>
+          </p:cNvPr>
+          <p:cNvCxnSpPr>
+            <a:cxnSpLocks/>
+            <a:stCxn id="19" idx="4"/>
+            <a:endCxn id="95" idx="1"/>
+          </p:cNvCxnSpPr>
+          <p:nvPr/>
+        </p:nvCxnSpPr>
+        <p:spPr>
+          <a:xfrm flipV="1">
+            <a:off x="9087145" y="5487498"/>
+            <a:ext cx="792524" cy="1170"/>
+          </a:xfrm>
+          <a:prstGeom prst="bentConnector3">
+            <a:avLst>
+              <a:gd name="adj1" fmla="val 50000"/>
+            </a:avLst>
+          </a:prstGeom>
+          <a:ln w="12700">
+            <a:headEnd type="none" w="med" len="med"/>
+            <a:tailEnd type="triangle" w="med" len="med"/>
+          </a:ln>
+        </p:spPr>
+        <p:style>
+          <a:lnRef idx="1">
+            <a:schemeClr val="accent1"/>
+          </a:lnRef>
+          <a:fillRef idx="0">
+            <a:schemeClr val="accent1"/>
+          </a:fillRef>
+          <a:effectRef idx="0">
+            <a:schemeClr val="accent1"/>
+          </a:effectRef>
+          <a:fontRef idx="minor">
+            <a:schemeClr val="tx1"/>
+          </a:fontRef>
+        </p:style>
+      </p:cxnSp>
+      <p:sp>
+        <p:nvSpPr>
+          <p:cNvPr id="99" name="Rectangle: Rounded Corners 98">
+            <a:extLst>
+              <a:ext uri="{FF2B5EF4-FFF2-40B4-BE49-F238E27FC236}">
+                <a16:creationId xmlns:a16="http://schemas.microsoft.com/office/drawing/2014/main" id="{F464BF10-4B5C-4C53-B7FD-14F6C2BFF269}"/>
+              </a:ext>
+            </a:extLst>
+          </p:cNvPr>
+          <p:cNvSpPr/>
+          <p:nvPr/>
+        </p:nvSpPr>
+        <p:spPr>
+          <a:xfrm>
+            <a:off x="9879656" y="3153247"/>
+            <a:ext cx="1627204" cy="991351"/>
+          </a:xfrm>
+          <a:prstGeom prst="roundRect">
+            <a:avLst/>
+          </a:prstGeom>
+        </p:spPr>
+        <p:style>
+          <a:lnRef idx="2">
+            <a:schemeClr val="accent6">
+              <a:shade val="50000"/>
+            </a:schemeClr>
+          </a:lnRef>
+          <a:fillRef idx="1">
+            <a:schemeClr val="accent6"/>
+          </a:fillRef>
+          <a:effectRef idx="0">
+            <a:schemeClr val="accent6"/>
+          </a:effectRef>
+          <a:fontRef idx="minor">
+            <a:schemeClr val="lt1"/>
+          </a:fontRef>
+        </p:style>
+        <p:txBody>
+          <a:bodyPr rtlCol="0" anchor="ctr"/>
+          <a:lstStyle/>
+          <a:p>
+            <a:pPr algn="ctr"/>
+            <a:r>
+              <a:rPr lang="en-US" dirty="0"/>
+              <a:t>VDM</a:t>
+            </a:r>
+          </a:p>
+        </p:txBody>
+      </p:sp>
+      <p:cxnSp>
+        <p:nvCxnSpPr>
+          <p:cNvPr id="102" name="Connector: Elbow 101">
+            <a:extLst>
+              <a:ext uri="{FF2B5EF4-FFF2-40B4-BE49-F238E27FC236}">
+                <a16:creationId xmlns:a16="http://schemas.microsoft.com/office/drawing/2014/main" id="{C7F5889B-5FA2-4212-87E1-E9DB99685C02}"/>
+              </a:ext>
+            </a:extLst>
+          </p:cNvPr>
+          <p:cNvCxnSpPr>
+            <a:cxnSpLocks/>
+            <a:stCxn id="95" idx="0"/>
+            <a:endCxn id="99" idx="2"/>
+          </p:cNvCxnSpPr>
+          <p:nvPr/>
+        </p:nvCxnSpPr>
+        <p:spPr>
+          <a:xfrm rot="16200000" flipV="1">
+            <a:off x="10269653" y="4568203"/>
+            <a:ext cx="847224" cy="13"/>
+          </a:xfrm>
+          <a:prstGeom prst="bentConnector3">
+            <a:avLst>
+              <a:gd name="adj1" fmla="val 50000"/>
+            </a:avLst>
+          </a:prstGeom>
+          <a:ln w="12700">
+            <a:headEnd type="none" w="med" len="med"/>
+            <a:tailEnd type="triangle" w="med" len="med"/>
+          </a:ln>
+        </p:spPr>
+        <p:style>
+          <a:lnRef idx="1">
+            <a:schemeClr val="accent1"/>
+          </a:lnRef>
+          <a:fillRef idx="0">
+            <a:schemeClr val="accent1"/>
+          </a:fillRef>
+          <a:effectRef idx="0">
+            <a:schemeClr val="accent1"/>
+          </a:effectRef>
+          <a:fontRef idx="minor">
+            <a:schemeClr val="tx1"/>
+          </a:fontRef>
+        </p:style>
+      </p:cxnSp>
+      <p:sp>
+        <p:nvSpPr>
+          <p:cNvPr id="106" name="TextBox 105">
+            <a:extLst>
+              <a:ext uri="{FF2B5EF4-FFF2-40B4-BE49-F238E27FC236}">
+                <a16:creationId xmlns:a16="http://schemas.microsoft.com/office/drawing/2014/main" id="{6F404F19-6270-4063-BC19-C2A3FA9F209F}"/>
+              </a:ext>
+            </a:extLst>
+          </p:cNvPr>
+          <p:cNvSpPr txBox="1"/>
+          <p:nvPr/>
+        </p:nvSpPr>
+        <p:spPr>
+          <a:xfrm>
+            <a:off x="10250932" y="4428738"/>
+            <a:ext cx="884651" cy="246221"/>
+          </a:xfrm>
+          <a:prstGeom prst="rect">
+            <a:avLst/>
+          </a:prstGeom>
+          <a:solidFill>
+            <a:schemeClr val="bg1"/>
+          </a:solidFill>
+          <a:ln>
+            <a:solidFill>
+              <a:schemeClr val="tx1"/>
+            </a:solidFill>
+          </a:ln>
+        </p:spPr>
+        <p:txBody>
+          <a:bodyPr wrap="square" rtlCol="0">
+            <a:spAutoFit/>
+          </a:bodyPr>
+          <a:lstStyle/>
+          <a:p>
+            <a:r>
+              <a:rPr lang="en-US" sz="1000" dirty="0"/>
+              <a:t>Availability,…</a:t>
+            </a:r>
+          </a:p>
+        </p:txBody>
+      </p:sp>
+    </p:spTree>
+    <p:extLst>
+      <p:ext uri="{BB962C8B-B14F-4D97-AF65-F5344CB8AC3E}">
+        <p14:creationId xmlns:p14="http://schemas.microsoft.com/office/powerpoint/2010/main" val="2581987192"/>
       </p:ext>
     </p:extLst>
   </p:cSld>
